--- a/PPT/미세한 날씨 리소스 제작.pptx
+++ b/PPT/미세한 날씨 리소스 제작.pptx
@@ -3478,7 +3478,7 @@
             <a:avLst/>
           </a:prstGeom>
           <a:solidFill>
-            <a:srgbClr val="53B9EB"/>
+            <a:srgbClr val="D3EEFF"/>
           </a:solidFill>
           <a:ln>
             <a:noFill/>
@@ -4016,7 +4016,7 @@
             <a:avLst/>
           </a:prstGeom>
           <a:solidFill>
-            <a:srgbClr val="53B9EB"/>
+            <a:srgbClr val="D3EEFF"/>
           </a:solidFill>
           <a:ln>
             <a:noFill/>
@@ -4054,856 +4054,708 @@
           </a:p>
         </p:txBody>
       </p:sp>
-      <p:grpSp>
-        <p:nvGrpSpPr>
-          <p:cNvPr id="4" name="그룹 3">
+      <p:sp>
+        <p:nvSpPr>
+          <p:cNvPr id="5" name="타원 4">
             <a:extLst>
               <a:ext uri="{FF2B5EF4-FFF2-40B4-BE49-F238E27FC236}">
-                <a16:creationId xmlns:a16="http://schemas.microsoft.com/office/drawing/2014/main" id="{4828E93E-7B39-485A-B026-AF91261A2D4B}"/>
+                <a16:creationId xmlns:a16="http://schemas.microsoft.com/office/drawing/2014/main" id="{58D92796-4389-478D-AD1C-2F183C7808E1}"/>
               </a:ext>
             </a:extLst>
           </p:cNvPr>
-          <p:cNvGrpSpPr/>
+          <p:cNvSpPr/>
           <p:nvPr/>
-        </p:nvGrpSpPr>
-        <p:grpSpPr>
+        </p:nvSpPr>
+        <p:spPr>
           <a:xfrm>
-            <a:off x="5654813" y="2826616"/>
-            <a:ext cx="866775" cy="864371"/>
-            <a:chOff x="6438852" y="644128"/>
-            <a:chExt cx="3478208" cy="3468560"/>
+            <a:off x="5806738" y="2976137"/>
+            <a:ext cx="565330" cy="565329"/>
           </a:xfrm>
-          <a:effectLst/>
-        </p:grpSpPr>
-        <p:sp>
-          <p:nvSpPr>
-            <p:cNvPr id="5" name="타원 4">
-              <a:extLst>
-                <a:ext uri="{FF2B5EF4-FFF2-40B4-BE49-F238E27FC236}">
-                  <a16:creationId xmlns:a16="http://schemas.microsoft.com/office/drawing/2014/main" id="{58D92796-4389-478D-AD1C-2F183C7808E1}"/>
-                </a:ext>
-              </a:extLst>
-            </p:cNvPr>
-            <p:cNvSpPr/>
-            <p:nvPr/>
-          </p:nvSpPr>
-          <p:spPr>
-            <a:xfrm>
-              <a:off x="7048500" y="1244127"/>
-              <a:ext cx="2268563" cy="2268562"/>
-            </a:xfrm>
-            <a:prstGeom prst="ellipse">
-              <a:avLst/>
-            </a:prstGeom>
+          <a:prstGeom prst="ellipse">
+            <a:avLst/>
+          </a:prstGeom>
+          <a:solidFill>
+            <a:srgbClr val="FFB871"/>
+          </a:solidFill>
+          <a:ln w="3175">
             <a:solidFill>
-              <a:srgbClr val="FDF28A"/>
+              <a:srgbClr val="C4E7F8"/>
             </a:solidFill>
-            <a:ln w="3175">
-              <a:solidFill>
-                <a:srgbClr val="C4E7F8"/>
-              </a:solidFill>
-            </a:ln>
-          </p:spPr>
-          <p:style>
-            <a:lnRef idx="2">
-              <a:schemeClr val="accent1">
-                <a:shade val="50000"/>
-              </a:schemeClr>
-            </a:lnRef>
-            <a:fillRef idx="1">
-              <a:schemeClr val="accent1"/>
-            </a:fillRef>
-            <a:effectRef idx="0">
-              <a:schemeClr val="accent1"/>
-            </a:effectRef>
-            <a:fontRef idx="minor">
-              <a:schemeClr val="lt1"/>
-            </a:fontRef>
-          </p:style>
-          <p:txBody>
-            <a:bodyPr rtlCol="0" anchor="ctr"/>
-            <a:lstStyle/>
-            <a:p>
-              <a:pPr algn="ctr"/>
-              <a:endParaRPr lang="ko-KR" altLang="en-US"/>
-            </a:p>
-          </p:txBody>
-        </p:sp>
-        <p:grpSp>
-          <p:nvGrpSpPr>
-            <p:cNvPr id="6" name="그룹 5">
-              <a:extLst>
-                <a:ext uri="{FF2B5EF4-FFF2-40B4-BE49-F238E27FC236}">
-                  <a16:creationId xmlns:a16="http://schemas.microsoft.com/office/drawing/2014/main" id="{08AB0C79-5377-43AA-9AB7-6CCEC2E3BC19}"/>
-                </a:ext>
-              </a:extLst>
-            </p:cNvPr>
-            <p:cNvGrpSpPr/>
-            <p:nvPr/>
-          </p:nvGrpSpPr>
-          <p:grpSpPr>
-            <a:xfrm>
-              <a:off x="7912124" y="644129"/>
-              <a:ext cx="541314" cy="3468559"/>
-              <a:chOff x="7912124" y="644129"/>
-              <a:chExt cx="541314" cy="3468559"/>
-            </a:xfrm>
-          </p:grpSpPr>
-          <p:sp>
-            <p:nvSpPr>
-              <p:cNvPr id="22" name="이등변 삼각형 21">
-                <a:extLst>
-                  <a:ext uri="{FF2B5EF4-FFF2-40B4-BE49-F238E27FC236}">
-                    <a16:creationId xmlns:a16="http://schemas.microsoft.com/office/drawing/2014/main" id="{35CF753E-A2A7-4E95-B9E2-3931E494244E}"/>
-                  </a:ext>
-                </a:extLst>
-              </p:cNvPr>
-              <p:cNvSpPr/>
-              <p:nvPr/>
-            </p:nvSpPr>
-            <p:spPr>
-              <a:xfrm>
-                <a:off x="7912124" y="644129"/>
-                <a:ext cx="541314" cy="466648"/>
-              </a:xfrm>
-              <a:prstGeom prst="triangle">
-                <a:avLst/>
-              </a:prstGeom>
-              <a:solidFill>
-                <a:srgbClr val="FDF28A"/>
-              </a:solidFill>
-              <a:ln w="3175">
-                <a:solidFill>
-                  <a:srgbClr val="C4E7F8"/>
-                </a:solidFill>
-              </a:ln>
-            </p:spPr>
-            <p:style>
-              <a:lnRef idx="2">
-                <a:schemeClr val="accent1">
-                  <a:shade val="50000"/>
-                </a:schemeClr>
-              </a:lnRef>
-              <a:fillRef idx="1">
-                <a:schemeClr val="accent1"/>
-              </a:fillRef>
-              <a:effectRef idx="0">
-                <a:schemeClr val="accent1"/>
-              </a:effectRef>
-              <a:fontRef idx="minor">
-                <a:schemeClr val="lt1"/>
-              </a:fontRef>
-            </p:style>
-            <p:txBody>
-              <a:bodyPr rtlCol="0" anchor="ctr"/>
-              <a:lstStyle/>
-              <a:p>
-                <a:pPr algn="ctr"/>
-                <a:endParaRPr lang="ko-KR" altLang="en-US"/>
-              </a:p>
-            </p:txBody>
-          </p:sp>
-          <p:sp>
-            <p:nvSpPr>
-              <p:cNvPr id="23" name="이등변 삼각형 22">
-                <a:extLst>
-                  <a:ext uri="{FF2B5EF4-FFF2-40B4-BE49-F238E27FC236}">
-                    <a16:creationId xmlns:a16="http://schemas.microsoft.com/office/drawing/2014/main" id="{CD5F9412-7355-4FBE-952F-2792407E76B2}"/>
-                  </a:ext>
-                </a:extLst>
-              </p:cNvPr>
-              <p:cNvSpPr/>
-              <p:nvPr/>
-            </p:nvSpPr>
-            <p:spPr>
-              <a:xfrm flipV="1">
-                <a:off x="7912124" y="3646040"/>
-                <a:ext cx="541314" cy="466648"/>
-              </a:xfrm>
-              <a:prstGeom prst="triangle">
-                <a:avLst/>
-              </a:prstGeom>
-              <a:solidFill>
-                <a:srgbClr val="FDF28A"/>
-              </a:solidFill>
-              <a:ln w="3175">
-                <a:solidFill>
-                  <a:srgbClr val="C4E7F8"/>
-                </a:solidFill>
-              </a:ln>
-            </p:spPr>
-            <p:style>
-              <a:lnRef idx="2">
-                <a:schemeClr val="accent1">
-                  <a:shade val="50000"/>
-                </a:schemeClr>
-              </a:lnRef>
-              <a:fillRef idx="1">
-                <a:schemeClr val="accent1"/>
-              </a:fillRef>
-              <a:effectRef idx="0">
-                <a:schemeClr val="accent1"/>
-              </a:effectRef>
-              <a:fontRef idx="minor">
-                <a:schemeClr val="lt1"/>
-              </a:fontRef>
-            </p:style>
-            <p:txBody>
-              <a:bodyPr rtlCol="0" anchor="ctr"/>
-              <a:lstStyle/>
-              <a:p>
-                <a:pPr algn="ctr"/>
-                <a:endParaRPr lang="ko-KR" altLang="en-US"/>
-              </a:p>
-            </p:txBody>
-          </p:sp>
-        </p:grpSp>
-        <p:grpSp>
-          <p:nvGrpSpPr>
-            <p:cNvPr id="7" name="그룹 6">
-              <a:extLst>
-                <a:ext uri="{FF2B5EF4-FFF2-40B4-BE49-F238E27FC236}">
-                  <a16:creationId xmlns:a16="http://schemas.microsoft.com/office/drawing/2014/main" id="{292C1AA3-1EDA-47E9-B120-68D25C641CC6}"/>
-                </a:ext>
-              </a:extLst>
-            </p:cNvPr>
-            <p:cNvGrpSpPr/>
-            <p:nvPr/>
-          </p:nvGrpSpPr>
-          <p:grpSpPr>
-            <a:xfrm rot="1800000">
-              <a:off x="7912124" y="644129"/>
-              <a:ext cx="541314" cy="3468559"/>
-              <a:chOff x="7912124" y="644129"/>
-              <a:chExt cx="541314" cy="3468559"/>
-            </a:xfrm>
-          </p:grpSpPr>
-          <p:sp>
-            <p:nvSpPr>
-              <p:cNvPr id="20" name="이등변 삼각형 19">
-                <a:extLst>
-                  <a:ext uri="{FF2B5EF4-FFF2-40B4-BE49-F238E27FC236}">
-                    <a16:creationId xmlns:a16="http://schemas.microsoft.com/office/drawing/2014/main" id="{097AA3FA-A24B-41D7-95B8-B77189D6AB1F}"/>
-                  </a:ext>
-                </a:extLst>
-              </p:cNvPr>
-              <p:cNvSpPr/>
-              <p:nvPr/>
-            </p:nvSpPr>
-            <p:spPr>
-              <a:xfrm>
-                <a:off x="7912124" y="644129"/>
-                <a:ext cx="541314" cy="466648"/>
-              </a:xfrm>
-              <a:prstGeom prst="triangle">
-                <a:avLst/>
-              </a:prstGeom>
-              <a:solidFill>
-                <a:srgbClr val="FDF28A"/>
-              </a:solidFill>
-              <a:ln w="3175">
-                <a:solidFill>
-                  <a:srgbClr val="C4E7F8"/>
-                </a:solidFill>
-              </a:ln>
-            </p:spPr>
-            <p:style>
-              <a:lnRef idx="2">
-                <a:schemeClr val="accent1">
-                  <a:shade val="50000"/>
-                </a:schemeClr>
-              </a:lnRef>
-              <a:fillRef idx="1">
-                <a:schemeClr val="accent1"/>
-              </a:fillRef>
-              <a:effectRef idx="0">
-                <a:schemeClr val="accent1"/>
-              </a:effectRef>
-              <a:fontRef idx="minor">
-                <a:schemeClr val="lt1"/>
-              </a:fontRef>
-            </p:style>
-            <p:txBody>
-              <a:bodyPr rtlCol="0" anchor="ctr"/>
-              <a:lstStyle/>
-              <a:p>
-                <a:pPr algn="ctr"/>
-                <a:endParaRPr lang="ko-KR" altLang="en-US"/>
-              </a:p>
-            </p:txBody>
-          </p:sp>
-          <p:sp>
-            <p:nvSpPr>
-              <p:cNvPr id="21" name="이등변 삼각형 20">
-                <a:extLst>
-                  <a:ext uri="{FF2B5EF4-FFF2-40B4-BE49-F238E27FC236}">
-                    <a16:creationId xmlns:a16="http://schemas.microsoft.com/office/drawing/2014/main" id="{6448A7BB-A88D-46E0-B214-111E33F3D90D}"/>
-                  </a:ext>
-                </a:extLst>
-              </p:cNvPr>
-              <p:cNvSpPr/>
-              <p:nvPr/>
-            </p:nvSpPr>
-            <p:spPr>
-              <a:xfrm flipV="1">
-                <a:off x="7912124" y="3646040"/>
-                <a:ext cx="541314" cy="466648"/>
-              </a:xfrm>
-              <a:prstGeom prst="triangle">
-                <a:avLst/>
-              </a:prstGeom>
-              <a:solidFill>
-                <a:srgbClr val="FDF28A"/>
-              </a:solidFill>
-              <a:ln w="3175">
-                <a:solidFill>
-                  <a:srgbClr val="C4E7F8"/>
-                </a:solidFill>
-              </a:ln>
-            </p:spPr>
-            <p:style>
-              <a:lnRef idx="2">
-                <a:schemeClr val="accent1">
-                  <a:shade val="50000"/>
-                </a:schemeClr>
-              </a:lnRef>
-              <a:fillRef idx="1">
-                <a:schemeClr val="accent1"/>
-              </a:fillRef>
-              <a:effectRef idx="0">
-                <a:schemeClr val="accent1"/>
-              </a:effectRef>
-              <a:fontRef idx="minor">
-                <a:schemeClr val="lt1"/>
-              </a:fontRef>
-            </p:style>
-            <p:txBody>
-              <a:bodyPr rtlCol="0" anchor="ctr"/>
-              <a:lstStyle/>
-              <a:p>
-                <a:pPr algn="ctr"/>
-                <a:endParaRPr lang="ko-KR" altLang="en-US"/>
-              </a:p>
-            </p:txBody>
-          </p:sp>
-        </p:grpSp>
-        <p:grpSp>
-          <p:nvGrpSpPr>
-            <p:cNvPr id="8" name="그룹 7">
-              <a:extLst>
-                <a:ext uri="{FF2B5EF4-FFF2-40B4-BE49-F238E27FC236}">
-                  <a16:creationId xmlns:a16="http://schemas.microsoft.com/office/drawing/2014/main" id="{AC11C3F0-55D1-4BC9-B7B4-1E76FFBF2C87}"/>
-                </a:ext>
-              </a:extLst>
-            </p:cNvPr>
-            <p:cNvGrpSpPr/>
-            <p:nvPr/>
-          </p:nvGrpSpPr>
-          <p:grpSpPr>
-            <a:xfrm rot="3488159">
-              <a:off x="7912124" y="644129"/>
-              <a:ext cx="541314" cy="3468559"/>
-              <a:chOff x="7912124" y="644129"/>
-              <a:chExt cx="541314" cy="3468559"/>
-            </a:xfrm>
-          </p:grpSpPr>
-          <p:sp>
-            <p:nvSpPr>
-              <p:cNvPr id="18" name="이등변 삼각형 17">
-                <a:extLst>
-                  <a:ext uri="{FF2B5EF4-FFF2-40B4-BE49-F238E27FC236}">
-                    <a16:creationId xmlns:a16="http://schemas.microsoft.com/office/drawing/2014/main" id="{C91B128B-10BA-4B2F-839B-3F90E273A250}"/>
-                  </a:ext>
-                </a:extLst>
-              </p:cNvPr>
-              <p:cNvSpPr/>
-              <p:nvPr/>
-            </p:nvSpPr>
-            <p:spPr>
-              <a:xfrm>
-                <a:off x="7912124" y="644129"/>
-                <a:ext cx="541314" cy="466648"/>
-              </a:xfrm>
-              <a:prstGeom prst="triangle">
-                <a:avLst/>
-              </a:prstGeom>
-              <a:solidFill>
-                <a:srgbClr val="FDF28A"/>
-              </a:solidFill>
-              <a:ln w="3175">
-                <a:solidFill>
-                  <a:srgbClr val="C4E7F8"/>
-                </a:solidFill>
-              </a:ln>
-            </p:spPr>
-            <p:style>
-              <a:lnRef idx="2">
-                <a:schemeClr val="accent1">
-                  <a:shade val="50000"/>
-                </a:schemeClr>
-              </a:lnRef>
-              <a:fillRef idx="1">
-                <a:schemeClr val="accent1"/>
-              </a:fillRef>
-              <a:effectRef idx="0">
-                <a:schemeClr val="accent1"/>
-              </a:effectRef>
-              <a:fontRef idx="minor">
-                <a:schemeClr val="lt1"/>
-              </a:fontRef>
-            </p:style>
-            <p:txBody>
-              <a:bodyPr rtlCol="0" anchor="ctr"/>
-              <a:lstStyle/>
-              <a:p>
-                <a:pPr algn="ctr"/>
-                <a:endParaRPr lang="ko-KR" altLang="en-US"/>
-              </a:p>
-            </p:txBody>
-          </p:sp>
-          <p:sp>
-            <p:nvSpPr>
-              <p:cNvPr id="19" name="이등변 삼각형 18">
-                <a:extLst>
-                  <a:ext uri="{FF2B5EF4-FFF2-40B4-BE49-F238E27FC236}">
-                    <a16:creationId xmlns:a16="http://schemas.microsoft.com/office/drawing/2014/main" id="{55DBA0D8-FD63-4A12-B6FE-4C0DE3B58CAE}"/>
-                  </a:ext>
-                </a:extLst>
-              </p:cNvPr>
-              <p:cNvSpPr/>
-              <p:nvPr/>
-            </p:nvSpPr>
-            <p:spPr>
-              <a:xfrm flipV="1">
-                <a:off x="7912124" y="3646040"/>
-                <a:ext cx="541314" cy="466648"/>
-              </a:xfrm>
-              <a:prstGeom prst="triangle">
-                <a:avLst/>
-              </a:prstGeom>
-              <a:solidFill>
-                <a:srgbClr val="FDF28A"/>
-              </a:solidFill>
-              <a:ln w="3175">
-                <a:solidFill>
-                  <a:srgbClr val="C4E7F8"/>
-                </a:solidFill>
-              </a:ln>
-            </p:spPr>
-            <p:style>
-              <a:lnRef idx="2">
-                <a:schemeClr val="accent1">
-                  <a:shade val="50000"/>
-                </a:schemeClr>
-              </a:lnRef>
-              <a:fillRef idx="1">
-                <a:schemeClr val="accent1"/>
-              </a:fillRef>
-              <a:effectRef idx="0">
-                <a:schemeClr val="accent1"/>
-              </a:effectRef>
-              <a:fontRef idx="minor">
-                <a:schemeClr val="lt1"/>
-              </a:fontRef>
-            </p:style>
-            <p:txBody>
-              <a:bodyPr rtlCol="0" anchor="ctr"/>
-              <a:lstStyle/>
-              <a:p>
-                <a:pPr algn="ctr"/>
-                <a:endParaRPr lang="ko-KR" altLang="en-US"/>
-              </a:p>
-            </p:txBody>
-          </p:sp>
-        </p:grpSp>
-        <p:grpSp>
-          <p:nvGrpSpPr>
-            <p:cNvPr id="9" name="그룹 8">
-              <a:extLst>
-                <a:ext uri="{FF2B5EF4-FFF2-40B4-BE49-F238E27FC236}">
-                  <a16:creationId xmlns:a16="http://schemas.microsoft.com/office/drawing/2014/main" id="{2F52D2D7-1ECF-4296-991E-D1568A930403}"/>
-                </a:ext>
-              </a:extLst>
-            </p:cNvPr>
-            <p:cNvGrpSpPr/>
-            <p:nvPr/>
-          </p:nvGrpSpPr>
-          <p:grpSpPr>
-            <a:xfrm rot="19851318">
-              <a:off x="7912124" y="644128"/>
-              <a:ext cx="541314" cy="3468559"/>
-              <a:chOff x="7912124" y="644129"/>
-              <a:chExt cx="541314" cy="3468559"/>
-            </a:xfrm>
-          </p:grpSpPr>
-          <p:sp>
-            <p:nvSpPr>
-              <p:cNvPr id="16" name="이등변 삼각형 15">
-                <a:extLst>
-                  <a:ext uri="{FF2B5EF4-FFF2-40B4-BE49-F238E27FC236}">
-                    <a16:creationId xmlns:a16="http://schemas.microsoft.com/office/drawing/2014/main" id="{B2B3602B-CE21-4398-AC7B-1BB3A468FAEF}"/>
-                  </a:ext>
-                </a:extLst>
-              </p:cNvPr>
-              <p:cNvSpPr/>
-              <p:nvPr/>
-            </p:nvSpPr>
-            <p:spPr>
-              <a:xfrm>
-                <a:off x="7912124" y="644129"/>
-                <a:ext cx="541314" cy="466648"/>
-              </a:xfrm>
-              <a:prstGeom prst="triangle">
-                <a:avLst/>
-              </a:prstGeom>
-              <a:solidFill>
-                <a:srgbClr val="FDF28A"/>
-              </a:solidFill>
-              <a:ln w="3175">
-                <a:solidFill>
-                  <a:srgbClr val="C4E7F8"/>
-                </a:solidFill>
-              </a:ln>
-            </p:spPr>
-            <p:style>
-              <a:lnRef idx="2">
-                <a:schemeClr val="accent1">
-                  <a:shade val="50000"/>
-                </a:schemeClr>
-              </a:lnRef>
-              <a:fillRef idx="1">
-                <a:schemeClr val="accent1"/>
-              </a:fillRef>
-              <a:effectRef idx="0">
-                <a:schemeClr val="accent1"/>
-              </a:effectRef>
-              <a:fontRef idx="minor">
-                <a:schemeClr val="lt1"/>
-              </a:fontRef>
-            </p:style>
-            <p:txBody>
-              <a:bodyPr rtlCol="0" anchor="ctr"/>
-              <a:lstStyle/>
-              <a:p>
-                <a:pPr algn="ctr"/>
-                <a:endParaRPr lang="ko-KR" altLang="en-US"/>
-              </a:p>
-            </p:txBody>
-          </p:sp>
-          <p:sp>
-            <p:nvSpPr>
-              <p:cNvPr id="17" name="이등변 삼각형 16">
-                <a:extLst>
-                  <a:ext uri="{FF2B5EF4-FFF2-40B4-BE49-F238E27FC236}">
-                    <a16:creationId xmlns:a16="http://schemas.microsoft.com/office/drawing/2014/main" id="{3DA0987E-756F-4FB3-A202-24B3545DA925}"/>
-                  </a:ext>
-                </a:extLst>
-              </p:cNvPr>
-              <p:cNvSpPr/>
-              <p:nvPr/>
-            </p:nvSpPr>
-            <p:spPr>
-              <a:xfrm flipV="1">
-                <a:off x="7912124" y="3646040"/>
-                <a:ext cx="541314" cy="466648"/>
-              </a:xfrm>
-              <a:prstGeom prst="triangle">
-                <a:avLst/>
-              </a:prstGeom>
-              <a:solidFill>
-                <a:srgbClr val="FDF28A"/>
-              </a:solidFill>
-              <a:ln w="3175">
-                <a:solidFill>
-                  <a:srgbClr val="C4E7F8"/>
-                </a:solidFill>
-              </a:ln>
-            </p:spPr>
-            <p:style>
-              <a:lnRef idx="2">
-                <a:schemeClr val="accent1">
-                  <a:shade val="50000"/>
-                </a:schemeClr>
-              </a:lnRef>
-              <a:fillRef idx="1">
-                <a:schemeClr val="accent1"/>
-              </a:fillRef>
-              <a:effectRef idx="0">
-                <a:schemeClr val="accent1"/>
-              </a:effectRef>
-              <a:fontRef idx="minor">
-                <a:schemeClr val="lt1"/>
-              </a:fontRef>
-            </p:style>
-            <p:txBody>
-              <a:bodyPr rtlCol="0" anchor="ctr"/>
-              <a:lstStyle/>
-              <a:p>
-                <a:pPr algn="ctr"/>
-                <a:endParaRPr lang="ko-KR" altLang="en-US"/>
-              </a:p>
-            </p:txBody>
-          </p:sp>
-        </p:grpSp>
-        <p:grpSp>
-          <p:nvGrpSpPr>
-            <p:cNvPr id="10" name="그룹 9">
-              <a:extLst>
-                <a:ext uri="{FF2B5EF4-FFF2-40B4-BE49-F238E27FC236}">
-                  <a16:creationId xmlns:a16="http://schemas.microsoft.com/office/drawing/2014/main" id="{18DD82DC-BFBB-47B5-BBE8-DE2EFF745FFF}"/>
-                </a:ext>
-              </a:extLst>
-            </p:cNvPr>
-            <p:cNvGrpSpPr/>
-            <p:nvPr/>
-          </p:nvGrpSpPr>
-          <p:grpSpPr>
-            <a:xfrm rot="18184827">
-              <a:off x="7912124" y="644129"/>
-              <a:ext cx="541314" cy="3468559"/>
-              <a:chOff x="7912124" y="644129"/>
-              <a:chExt cx="541314" cy="3468559"/>
-            </a:xfrm>
-          </p:grpSpPr>
-          <p:sp>
-            <p:nvSpPr>
-              <p:cNvPr id="14" name="이등변 삼각형 13">
-                <a:extLst>
-                  <a:ext uri="{FF2B5EF4-FFF2-40B4-BE49-F238E27FC236}">
-                    <a16:creationId xmlns:a16="http://schemas.microsoft.com/office/drawing/2014/main" id="{B3FE709F-7F57-4B62-A12D-061DF3110E05}"/>
-                  </a:ext>
-                </a:extLst>
-              </p:cNvPr>
-              <p:cNvSpPr/>
-              <p:nvPr/>
-            </p:nvSpPr>
-            <p:spPr>
-              <a:xfrm>
-                <a:off x="7912124" y="644129"/>
-                <a:ext cx="541314" cy="466648"/>
-              </a:xfrm>
-              <a:prstGeom prst="triangle">
-                <a:avLst/>
-              </a:prstGeom>
-              <a:solidFill>
-                <a:srgbClr val="FDF28A"/>
-              </a:solidFill>
-              <a:ln w="3175">
-                <a:solidFill>
-                  <a:srgbClr val="C4E7F8"/>
-                </a:solidFill>
-              </a:ln>
-            </p:spPr>
-            <p:style>
-              <a:lnRef idx="2">
-                <a:schemeClr val="accent1">
-                  <a:shade val="50000"/>
-                </a:schemeClr>
-              </a:lnRef>
-              <a:fillRef idx="1">
-                <a:schemeClr val="accent1"/>
-              </a:fillRef>
-              <a:effectRef idx="0">
-                <a:schemeClr val="accent1"/>
-              </a:effectRef>
-              <a:fontRef idx="minor">
-                <a:schemeClr val="lt1"/>
-              </a:fontRef>
-            </p:style>
-            <p:txBody>
-              <a:bodyPr rtlCol="0" anchor="ctr"/>
-              <a:lstStyle/>
-              <a:p>
-                <a:pPr algn="ctr"/>
-                <a:endParaRPr lang="ko-KR" altLang="en-US"/>
-              </a:p>
-            </p:txBody>
-          </p:sp>
-          <p:sp>
-            <p:nvSpPr>
-              <p:cNvPr id="15" name="이등변 삼각형 14">
-                <a:extLst>
-                  <a:ext uri="{FF2B5EF4-FFF2-40B4-BE49-F238E27FC236}">
-                    <a16:creationId xmlns:a16="http://schemas.microsoft.com/office/drawing/2014/main" id="{52AC3D0B-9A0C-4870-8990-CDB39773ADC4}"/>
-                  </a:ext>
-                </a:extLst>
-              </p:cNvPr>
-              <p:cNvSpPr/>
-              <p:nvPr/>
-            </p:nvSpPr>
-            <p:spPr>
-              <a:xfrm flipV="1">
-                <a:off x="7912124" y="3646040"/>
-                <a:ext cx="541314" cy="466648"/>
-              </a:xfrm>
-              <a:prstGeom prst="triangle">
-                <a:avLst/>
-              </a:prstGeom>
-              <a:solidFill>
-                <a:srgbClr val="FDF28A"/>
-              </a:solidFill>
-              <a:ln w="3175">
-                <a:solidFill>
-                  <a:srgbClr val="C4E7F8"/>
-                </a:solidFill>
-              </a:ln>
-            </p:spPr>
-            <p:style>
-              <a:lnRef idx="2">
-                <a:schemeClr val="accent1">
-                  <a:shade val="50000"/>
-                </a:schemeClr>
-              </a:lnRef>
-              <a:fillRef idx="1">
-                <a:schemeClr val="accent1"/>
-              </a:fillRef>
-              <a:effectRef idx="0">
-                <a:schemeClr val="accent1"/>
-              </a:effectRef>
-              <a:fontRef idx="minor">
-                <a:schemeClr val="lt1"/>
-              </a:fontRef>
-            </p:style>
-            <p:txBody>
-              <a:bodyPr rtlCol="0" anchor="ctr"/>
-              <a:lstStyle/>
-              <a:p>
-                <a:pPr algn="ctr"/>
-                <a:endParaRPr lang="ko-KR" altLang="en-US"/>
-              </a:p>
-            </p:txBody>
-          </p:sp>
-        </p:grpSp>
-        <p:grpSp>
-          <p:nvGrpSpPr>
-            <p:cNvPr id="11" name="그룹 10">
-              <a:extLst>
-                <a:ext uri="{FF2B5EF4-FFF2-40B4-BE49-F238E27FC236}">
-                  <a16:creationId xmlns:a16="http://schemas.microsoft.com/office/drawing/2014/main" id="{2C44FB34-DB62-4D97-A18F-E0100798C933}"/>
-                </a:ext>
-              </a:extLst>
-            </p:cNvPr>
-            <p:cNvGrpSpPr/>
-            <p:nvPr/>
-          </p:nvGrpSpPr>
-          <p:grpSpPr>
-            <a:xfrm rot="5563893">
-              <a:off x="7902475" y="644129"/>
-              <a:ext cx="541314" cy="3468559"/>
-              <a:chOff x="7912124" y="644129"/>
-              <a:chExt cx="541314" cy="3468559"/>
-            </a:xfrm>
-          </p:grpSpPr>
-          <p:sp>
-            <p:nvSpPr>
-              <p:cNvPr id="12" name="이등변 삼각형 11">
-                <a:extLst>
-                  <a:ext uri="{FF2B5EF4-FFF2-40B4-BE49-F238E27FC236}">
-                    <a16:creationId xmlns:a16="http://schemas.microsoft.com/office/drawing/2014/main" id="{BE5F354A-E898-4AD7-9A34-9D199768569C}"/>
-                  </a:ext>
-                </a:extLst>
-              </p:cNvPr>
-              <p:cNvSpPr/>
-              <p:nvPr/>
-            </p:nvSpPr>
-            <p:spPr>
-              <a:xfrm>
-                <a:off x="7912124" y="644129"/>
-                <a:ext cx="541314" cy="466648"/>
-              </a:xfrm>
-              <a:prstGeom prst="triangle">
-                <a:avLst/>
-              </a:prstGeom>
-              <a:solidFill>
-                <a:srgbClr val="FDF28A"/>
-              </a:solidFill>
-              <a:ln w="3175">
-                <a:solidFill>
-                  <a:srgbClr val="C4E7F8"/>
-                </a:solidFill>
-              </a:ln>
-            </p:spPr>
-            <p:style>
-              <a:lnRef idx="2">
-                <a:schemeClr val="accent1">
-                  <a:shade val="50000"/>
-                </a:schemeClr>
-              </a:lnRef>
-              <a:fillRef idx="1">
-                <a:schemeClr val="accent1"/>
-              </a:fillRef>
-              <a:effectRef idx="0">
-                <a:schemeClr val="accent1"/>
-              </a:effectRef>
-              <a:fontRef idx="minor">
-                <a:schemeClr val="lt1"/>
-              </a:fontRef>
-            </p:style>
-            <p:txBody>
-              <a:bodyPr rtlCol="0" anchor="ctr"/>
-              <a:lstStyle/>
-              <a:p>
-                <a:pPr algn="ctr"/>
-                <a:endParaRPr lang="ko-KR" altLang="en-US"/>
-              </a:p>
-            </p:txBody>
-          </p:sp>
-          <p:sp>
-            <p:nvSpPr>
-              <p:cNvPr id="13" name="이등변 삼각형 12">
-                <a:extLst>
-                  <a:ext uri="{FF2B5EF4-FFF2-40B4-BE49-F238E27FC236}">
-                    <a16:creationId xmlns:a16="http://schemas.microsoft.com/office/drawing/2014/main" id="{2553D77A-B8F8-4558-A7B0-9A0F0F821F0B}"/>
-                  </a:ext>
-                </a:extLst>
-              </p:cNvPr>
-              <p:cNvSpPr/>
-              <p:nvPr/>
-            </p:nvSpPr>
-            <p:spPr>
-              <a:xfrm flipV="1">
-                <a:off x="7912124" y="3646040"/>
-                <a:ext cx="541314" cy="466648"/>
-              </a:xfrm>
-              <a:prstGeom prst="triangle">
-                <a:avLst/>
-              </a:prstGeom>
-              <a:solidFill>
-                <a:srgbClr val="FDF28A"/>
-              </a:solidFill>
-              <a:ln w="3175">
-                <a:solidFill>
-                  <a:srgbClr val="C4E7F8"/>
-                </a:solidFill>
-              </a:ln>
-            </p:spPr>
-            <p:style>
-              <a:lnRef idx="2">
-                <a:schemeClr val="accent1">
-                  <a:shade val="50000"/>
-                </a:schemeClr>
-              </a:lnRef>
-              <a:fillRef idx="1">
-                <a:schemeClr val="accent1"/>
-              </a:fillRef>
-              <a:effectRef idx="0">
-                <a:schemeClr val="accent1"/>
-              </a:effectRef>
-              <a:fontRef idx="minor">
-                <a:schemeClr val="lt1"/>
-              </a:fontRef>
-            </p:style>
-            <p:txBody>
-              <a:bodyPr rtlCol="0" anchor="ctr"/>
-              <a:lstStyle/>
-              <a:p>
-                <a:pPr algn="ctr"/>
-                <a:endParaRPr lang="ko-KR" altLang="en-US"/>
-              </a:p>
-            </p:txBody>
-          </p:sp>
-        </p:grpSp>
-      </p:grpSp>
+          </a:ln>
+        </p:spPr>
+        <p:style>
+          <a:lnRef idx="2">
+            <a:schemeClr val="accent1">
+              <a:shade val="50000"/>
+            </a:schemeClr>
+          </a:lnRef>
+          <a:fillRef idx="1">
+            <a:schemeClr val="accent1"/>
+          </a:fillRef>
+          <a:effectRef idx="0">
+            <a:schemeClr val="accent1"/>
+          </a:effectRef>
+          <a:fontRef idx="minor">
+            <a:schemeClr val="lt1"/>
+          </a:fontRef>
+        </p:style>
+        <p:txBody>
+          <a:bodyPr rtlCol="0" anchor="ctr"/>
+          <a:lstStyle/>
+          <a:p>
+            <a:pPr algn="ctr"/>
+            <a:endParaRPr lang="ko-KR" altLang="en-US"/>
+          </a:p>
+        </p:txBody>
+      </p:sp>
+      <p:sp>
+        <p:nvSpPr>
+          <p:cNvPr id="22" name="이등변 삼각형 21">
+            <a:extLst>
+              <a:ext uri="{FF2B5EF4-FFF2-40B4-BE49-F238E27FC236}">
+                <a16:creationId xmlns:a16="http://schemas.microsoft.com/office/drawing/2014/main" id="{35CF753E-A2A7-4E95-B9E2-3931E494244E}"/>
+              </a:ext>
+            </a:extLst>
+          </p:cNvPr>
+          <p:cNvSpPr/>
+          <p:nvPr/>
+        </p:nvSpPr>
+        <p:spPr>
+          <a:xfrm>
+            <a:off x="6021955" y="2826616"/>
+            <a:ext cx="134896" cy="116290"/>
+          </a:xfrm>
+          <a:prstGeom prst="triangle">
+            <a:avLst/>
+          </a:prstGeom>
+          <a:solidFill>
+            <a:srgbClr val="FFB871"/>
+          </a:solidFill>
+          <a:ln w="3175">
+            <a:solidFill>
+              <a:srgbClr val="C4E7F8"/>
+            </a:solidFill>
+          </a:ln>
+        </p:spPr>
+        <p:style>
+          <a:lnRef idx="2">
+            <a:schemeClr val="accent1">
+              <a:shade val="50000"/>
+            </a:schemeClr>
+          </a:lnRef>
+          <a:fillRef idx="1">
+            <a:schemeClr val="accent1"/>
+          </a:fillRef>
+          <a:effectRef idx="0">
+            <a:schemeClr val="accent1"/>
+          </a:effectRef>
+          <a:fontRef idx="minor">
+            <a:schemeClr val="lt1"/>
+          </a:fontRef>
+        </p:style>
+        <p:txBody>
+          <a:bodyPr rtlCol="0" anchor="ctr"/>
+          <a:lstStyle/>
+          <a:p>
+            <a:pPr algn="ctr"/>
+            <a:endParaRPr lang="ko-KR" altLang="en-US"/>
+          </a:p>
+        </p:txBody>
+      </p:sp>
+      <p:sp>
+        <p:nvSpPr>
+          <p:cNvPr id="23" name="이등변 삼각형 22">
+            <a:extLst>
+              <a:ext uri="{FF2B5EF4-FFF2-40B4-BE49-F238E27FC236}">
+                <a16:creationId xmlns:a16="http://schemas.microsoft.com/office/drawing/2014/main" id="{CD5F9412-7355-4FBE-952F-2792407E76B2}"/>
+              </a:ext>
+            </a:extLst>
+          </p:cNvPr>
+          <p:cNvSpPr/>
+          <p:nvPr/>
+        </p:nvSpPr>
+        <p:spPr>
+          <a:xfrm flipV="1">
+            <a:off x="6021955" y="3574697"/>
+            <a:ext cx="134896" cy="116290"/>
+          </a:xfrm>
+          <a:prstGeom prst="triangle">
+            <a:avLst/>
+          </a:prstGeom>
+          <a:solidFill>
+            <a:srgbClr val="FFB871"/>
+          </a:solidFill>
+          <a:ln w="3175">
+            <a:solidFill>
+              <a:srgbClr val="C4E7F8"/>
+            </a:solidFill>
+          </a:ln>
+        </p:spPr>
+        <p:style>
+          <a:lnRef idx="2">
+            <a:schemeClr val="accent1">
+              <a:shade val="50000"/>
+            </a:schemeClr>
+          </a:lnRef>
+          <a:fillRef idx="1">
+            <a:schemeClr val="accent1"/>
+          </a:fillRef>
+          <a:effectRef idx="0">
+            <a:schemeClr val="accent1"/>
+          </a:effectRef>
+          <a:fontRef idx="minor">
+            <a:schemeClr val="lt1"/>
+          </a:fontRef>
+        </p:style>
+        <p:txBody>
+          <a:bodyPr rtlCol="0" anchor="ctr"/>
+          <a:lstStyle/>
+          <a:p>
+            <a:pPr algn="ctr"/>
+            <a:endParaRPr lang="ko-KR" altLang="en-US"/>
+          </a:p>
+        </p:txBody>
+      </p:sp>
+      <p:sp>
+        <p:nvSpPr>
+          <p:cNvPr id="20" name="이등변 삼각형 19">
+            <a:extLst>
+              <a:ext uri="{FF2B5EF4-FFF2-40B4-BE49-F238E27FC236}">
+                <a16:creationId xmlns:a16="http://schemas.microsoft.com/office/drawing/2014/main" id="{097AA3FA-A24B-41D7-95B8-B77189D6AB1F}"/>
+              </a:ext>
+            </a:extLst>
+          </p:cNvPr>
+          <p:cNvSpPr/>
+          <p:nvPr/>
+        </p:nvSpPr>
+        <p:spPr>
+          <a:xfrm rot="1800000">
+            <a:off x="6208975" y="2876728"/>
+            <a:ext cx="134896" cy="116290"/>
+          </a:xfrm>
+          <a:prstGeom prst="triangle">
+            <a:avLst/>
+          </a:prstGeom>
+          <a:solidFill>
+            <a:srgbClr val="FFB871"/>
+          </a:solidFill>
+          <a:ln w="3175">
+            <a:solidFill>
+              <a:srgbClr val="C4E7F8"/>
+            </a:solidFill>
+          </a:ln>
+        </p:spPr>
+        <p:style>
+          <a:lnRef idx="2">
+            <a:schemeClr val="accent1">
+              <a:shade val="50000"/>
+            </a:schemeClr>
+          </a:lnRef>
+          <a:fillRef idx="1">
+            <a:schemeClr val="accent1"/>
+          </a:fillRef>
+          <a:effectRef idx="0">
+            <a:schemeClr val="accent1"/>
+          </a:effectRef>
+          <a:fontRef idx="minor">
+            <a:schemeClr val="lt1"/>
+          </a:fontRef>
+        </p:style>
+        <p:txBody>
+          <a:bodyPr rtlCol="0" anchor="ctr"/>
+          <a:lstStyle/>
+          <a:p>
+            <a:pPr algn="ctr"/>
+            <a:endParaRPr lang="ko-KR" altLang="en-US"/>
+          </a:p>
+        </p:txBody>
+      </p:sp>
+      <p:sp>
+        <p:nvSpPr>
+          <p:cNvPr id="21" name="이등변 삼각형 20">
+            <a:extLst>
+              <a:ext uri="{FF2B5EF4-FFF2-40B4-BE49-F238E27FC236}">
+                <a16:creationId xmlns:a16="http://schemas.microsoft.com/office/drawing/2014/main" id="{6448A7BB-A88D-46E0-B214-111E33F3D90D}"/>
+              </a:ext>
+            </a:extLst>
+          </p:cNvPr>
+          <p:cNvSpPr/>
+          <p:nvPr/>
+        </p:nvSpPr>
+        <p:spPr>
+          <a:xfrm rot="1800000" flipV="1">
+            <a:off x="5834935" y="3524586"/>
+            <a:ext cx="134896" cy="116290"/>
+          </a:xfrm>
+          <a:prstGeom prst="triangle">
+            <a:avLst/>
+          </a:prstGeom>
+          <a:solidFill>
+            <a:srgbClr val="FFB871"/>
+          </a:solidFill>
+          <a:ln w="3175">
+            <a:solidFill>
+              <a:srgbClr val="C4E7F8"/>
+            </a:solidFill>
+          </a:ln>
+        </p:spPr>
+        <p:style>
+          <a:lnRef idx="2">
+            <a:schemeClr val="accent1">
+              <a:shade val="50000"/>
+            </a:schemeClr>
+          </a:lnRef>
+          <a:fillRef idx="1">
+            <a:schemeClr val="accent1"/>
+          </a:fillRef>
+          <a:effectRef idx="0">
+            <a:schemeClr val="accent1"/>
+          </a:effectRef>
+          <a:fontRef idx="minor">
+            <a:schemeClr val="lt1"/>
+          </a:fontRef>
+        </p:style>
+        <p:txBody>
+          <a:bodyPr rtlCol="0" anchor="ctr"/>
+          <a:lstStyle/>
+          <a:p>
+            <a:pPr algn="ctr"/>
+            <a:endParaRPr lang="ko-KR" altLang="en-US"/>
+          </a:p>
+        </p:txBody>
+      </p:sp>
+      <p:sp>
+        <p:nvSpPr>
+          <p:cNvPr id="18" name="이등변 삼각형 17">
+            <a:extLst>
+              <a:ext uri="{FF2B5EF4-FFF2-40B4-BE49-F238E27FC236}">
+                <a16:creationId xmlns:a16="http://schemas.microsoft.com/office/drawing/2014/main" id="{C91B128B-10BA-4B2F-839B-3F90E273A250}"/>
+              </a:ext>
+            </a:extLst>
+          </p:cNvPr>
+          <p:cNvSpPr/>
+          <p:nvPr/>
+        </p:nvSpPr>
+        <p:spPr>
+          <a:xfrm rot="3488159">
+            <a:off x="6339629" y="3003199"/>
+            <a:ext cx="134896" cy="116289"/>
+          </a:xfrm>
+          <a:prstGeom prst="triangle">
+            <a:avLst/>
+          </a:prstGeom>
+          <a:solidFill>
+            <a:srgbClr val="FFB871"/>
+          </a:solidFill>
+          <a:ln w="3175">
+            <a:solidFill>
+              <a:srgbClr val="C4E7F8"/>
+            </a:solidFill>
+          </a:ln>
+        </p:spPr>
+        <p:style>
+          <a:lnRef idx="2">
+            <a:schemeClr val="accent1">
+              <a:shade val="50000"/>
+            </a:schemeClr>
+          </a:lnRef>
+          <a:fillRef idx="1">
+            <a:schemeClr val="accent1"/>
+          </a:fillRef>
+          <a:effectRef idx="0">
+            <a:schemeClr val="accent1"/>
+          </a:effectRef>
+          <a:fontRef idx="minor">
+            <a:schemeClr val="lt1"/>
+          </a:fontRef>
+        </p:style>
+        <p:txBody>
+          <a:bodyPr rtlCol="0" anchor="ctr"/>
+          <a:lstStyle/>
+          <a:p>
+            <a:pPr algn="ctr"/>
+            <a:endParaRPr lang="ko-KR" altLang="en-US"/>
+          </a:p>
+        </p:txBody>
+      </p:sp>
+      <p:sp>
+        <p:nvSpPr>
+          <p:cNvPr id="19" name="이등변 삼각형 18">
+            <a:extLst>
+              <a:ext uri="{FF2B5EF4-FFF2-40B4-BE49-F238E27FC236}">
+                <a16:creationId xmlns:a16="http://schemas.microsoft.com/office/drawing/2014/main" id="{55DBA0D8-FD63-4A12-B6FE-4C0DE3B58CAE}"/>
+              </a:ext>
+            </a:extLst>
+          </p:cNvPr>
+          <p:cNvSpPr/>
+          <p:nvPr/>
+        </p:nvSpPr>
+        <p:spPr>
+          <a:xfrm rot="3488159" flipV="1">
+            <a:off x="5704281" y="3398114"/>
+            <a:ext cx="134896" cy="116289"/>
+          </a:xfrm>
+          <a:prstGeom prst="triangle">
+            <a:avLst/>
+          </a:prstGeom>
+          <a:solidFill>
+            <a:srgbClr val="FFB871"/>
+          </a:solidFill>
+          <a:ln w="3175">
+            <a:solidFill>
+              <a:srgbClr val="C4E7F8"/>
+            </a:solidFill>
+          </a:ln>
+        </p:spPr>
+        <p:style>
+          <a:lnRef idx="2">
+            <a:schemeClr val="accent1">
+              <a:shade val="50000"/>
+            </a:schemeClr>
+          </a:lnRef>
+          <a:fillRef idx="1">
+            <a:schemeClr val="accent1"/>
+          </a:fillRef>
+          <a:effectRef idx="0">
+            <a:schemeClr val="accent1"/>
+          </a:effectRef>
+          <a:fontRef idx="minor">
+            <a:schemeClr val="lt1"/>
+          </a:fontRef>
+        </p:style>
+        <p:txBody>
+          <a:bodyPr rtlCol="0" anchor="ctr"/>
+          <a:lstStyle/>
+          <a:p>
+            <a:pPr algn="ctr"/>
+            <a:endParaRPr lang="ko-KR" altLang="en-US"/>
+          </a:p>
+        </p:txBody>
+      </p:sp>
+      <p:sp>
+        <p:nvSpPr>
+          <p:cNvPr id="16" name="이등변 삼각형 15">
+            <a:extLst>
+              <a:ext uri="{FF2B5EF4-FFF2-40B4-BE49-F238E27FC236}">
+                <a16:creationId xmlns:a16="http://schemas.microsoft.com/office/drawing/2014/main" id="{B2B3602B-CE21-4398-AC7B-1BB3A468FAEF}"/>
+              </a:ext>
+            </a:extLst>
+          </p:cNvPr>
+          <p:cNvSpPr/>
+          <p:nvPr/>
+        </p:nvSpPr>
+        <p:spPr>
+          <a:xfrm rot="19851318">
+            <a:off x="5839791" y="2873972"/>
+            <a:ext cx="134896" cy="116290"/>
+          </a:xfrm>
+          <a:prstGeom prst="triangle">
+            <a:avLst/>
+          </a:prstGeom>
+          <a:solidFill>
+            <a:srgbClr val="FFB871"/>
+          </a:solidFill>
+          <a:ln w="3175">
+            <a:solidFill>
+              <a:srgbClr val="C4E7F8"/>
+            </a:solidFill>
+          </a:ln>
+        </p:spPr>
+        <p:style>
+          <a:lnRef idx="2">
+            <a:schemeClr val="accent1">
+              <a:shade val="50000"/>
+            </a:schemeClr>
+          </a:lnRef>
+          <a:fillRef idx="1">
+            <a:schemeClr val="accent1"/>
+          </a:fillRef>
+          <a:effectRef idx="0">
+            <a:schemeClr val="accent1"/>
+          </a:effectRef>
+          <a:fontRef idx="minor">
+            <a:schemeClr val="lt1"/>
+          </a:fontRef>
+        </p:style>
+        <p:txBody>
+          <a:bodyPr rtlCol="0" anchor="ctr"/>
+          <a:lstStyle/>
+          <a:p>
+            <a:pPr algn="ctr"/>
+            <a:endParaRPr lang="ko-KR" altLang="en-US"/>
+          </a:p>
+        </p:txBody>
+      </p:sp>
+      <p:sp>
+        <p:nvSpPr>
+          <p:cNvPr id="17" name="이등변 삼각형 16">
+            <a:extLst>
+              <a:ext uri="{FF2B5EF4-FFF2-40B4-BE49-F238E27FC236}">
+                <a16:creationId xmlns:a16="http://schemas.microsoft.com/office/drawing/2014/main" id="{3DA0987E-756F-4FB3-A202-24B3545DA925}"/>
+              </a:ext>
+            </a:extLst>
+          </p:cNvPr>
+          <p:cNvSpPr/>
+          <p:nvPr/>
+        </p:nvSpPr>
+        <p:spPr>
+          <a:xfrm rot="19851318" flipV="1">
+            <a:off x="6204119" y="3527341"/>
+            <a:ext cx="134896" cy="116290"/>
+          </a:xfrm>
+          <a:prstGeom prst="triangle">
+            <a:avLst/>
+          </a:prstGeom>
+          <a:solidFill>
+            <a:srgbClr val="FFB871"/>
+          </a:solidFill>
+          <a:ln w="3175">
+            <a:solidFill>
+              <a:srgbClr val="C4E7F8"/>
+            </a:solidFill>
+          </a:ln>
+        </p:spPr>
+        <p:style>
+          <a:lnRef idx="2">
+            <a:schemeClr val="accent1">
+              <a:shade val="50000"/>
+            </a:schemeClr>
+          </a:lnRef>
+          <a:fillRef idx="1">
+            <a:schemeClr val="accent1"/>
+          </a:fillRef>
+          <a:effectRef idx="0">
+            <a:schemeClr val="accent1"/>
+          </a:effectRef>
+          <a:fontRef idx="minor">
+            <a:schemeClr val="lt1"/>
+          </a:fontRef>
+        </p:style>
+        <p:txBody>
+          <a:bodyPr rtlCol="0" anchor="ctr"/>
+          <a:lstStyle/>
+          <a:p>
+            <a:pPr algn="ctr"/>
+            <a:endParaRPr lang="ko-KR" altLang="en-US"/>
+          </a:p>
+        </p:txBody>
+      </p:sp>
+      <p:sp>
+        <p:nvSpPr>
+          <p:cNvPr id="14" name="이등변 삼각형 13">
+            <a:extLst>
+              <a:ext uri="{FF2B5EF4-FFF2-40B4-BE49-F238E27FC236}">
+                <a16:creationId xmlns:a16="http://schemas.microsoft.com/office/drawing/2014/main" id="{B3FE709F-7F57-4B62-A12D-061DF3110E05}"/>
+              </a:ext>
+            </a:extLst>
+          </p:cNvPr>
+          <p:cNvSpPr/>
+          <p:nvPr/>
+        </p:nvSpPr>
+        <p:spPr>
+          <a:xfrm rot="18184827">
+            <a:off x="5708545" y="2996499"/>
+            <a:ext cx="134896" cy="116289"/>
+          </a:xfrm>
+          <a:prstGeom prst="triangle">
+            <a:avLst/>
+          </a:prstGeom>
+          <a:solidFill>
+            <a:srgbClr val="FFB871"/>
+          </a:solidFill>
+          <a:ln w="3175">
+            <a:solidFill>
+              <a:srgbClr val="C4E7F8"/>
+            </a:solidFill>
+          </a:ln>
+        </p:spPr>
+        <p:style>
+          <a:lnRef idx="2">
+            <a:schemeClr val="accent1">
+              <a:shade val="50000"/>
+            </a:schemeClr>
+          </a:lnRef>
+          <a:fillRef idx="1">
+            <a:schemeClr val="accent1"/>
+          </a:fillRef>
+          <a:effectRef idx="0">
+            <a:schemeClr val="accent1"/>
+          </a:effectRef>
+          <a:fontRef idx="minor">
+            <a:schemeClr val="lt1"/>
+          </a:fontRef>
+        </p:style>
+        <p:txBody>
+          <a:bodyPr rtlCol="0" anchor="ctr"/>
+          <a:lstStyle/>
+          <a:p>
+            <a:pPr algn="ctr"/>
+            <a:endParaRPr lang="ko-KR" altLang="en-US"/>
+          </a:p>
+        </p:txBody>
+      </p:sp>
+      <p:sp>
+        <p:nvSpPr>
+          <p:cNvPr id="15" name="이등변 삼각형 14">
+            <a:extLst>
+              <a:ext uri="{FF2B5EF4-FFF2-40B4-BE49-F238E27FC236}">
+                <a16:creationId xmlns:a16="http://schemas.microsoft.com/office/drawing/2014/main" id="{52AC3D0B-9A0C-4870-8990-CDB39773ADC4}"/>
+              </a:ext>
+            </a:extLst>
+          </p:cNvPr>
+          <p:cNvSpPr/>
+          <p:nvPr/>
+        </p:nvSpPr>
+        <p:spPr>
+          <a:xfrm rot="18184827" flipV="1">
+            <a:off x="6335365" y="3404814"/>
+            <a:ext cx="134896" cy="116289"/>
+          </a:xfrm>
+          <a:prstGeom prst="triangle">
+            <a:avLst/>
+          </a:prstGeom>
+          <a:solidFill>
+            <a:srgbClr val="FFB871"/>
+          </a:solidFill>
+          <a:ln w="3175">
+            <a:solidFill>
+              <a:srgbClr val="C4E7F8"/>
+            </a:solidFill>
+          </a:ln>
+        </p:spPr>
+        <p:style>
+          <a:lnRef idx="2">
+            <a:schemeClr val="accent1">
+              <a:shade val="50000"/>
+            </a:schemeClr>
+          </a:lnRef>
+          <a:fillRef idx="1">
+            <a:schemeClr val="accent1"/>
+          </a:fillRef>
+          <a:effectRef idx="0">
+            <a:schemeClr val="accent1"/>
+          </a:effectRef>
+          <a:fontRef idx="minor">
+            <a:schemeClr val="lt1"/>
+          </a:fontRef>
+        </p:style>
+        <p:txBody>
+          <a:bodyPr rtlCol="0" anchor="ctr"/>
+          <a:lstStyle/>
+          <a:p>
+            <a:pPr algn="ctr"/>
+            <a:endParaRPr lang="ko-KR" altLang="en-US"/>
+          </a:p>
+        </p:txBody>
+      </p:sp>
+      <p:sp>
+        <p:nvSpPr>
+          <p:cNvPr id="12" name="이등변 삼각형 11">
+            <a:extLst>
+              <a:ext uri="{FF2B5EF4-FFF2-40B4-BE49-F238E27FC236}">
+                <a16:creationId xmlns:a16="http://schemas.microsoft.com/office/drawing/2014/main" id="{BE5F354A-E898-4AD7-9A34-9D199768569C}"/>
+              </a:ext>
+            </a:extLst>
+          </p:cNvPr>
+          <p:cNvSpPr/>
+          <p:nvPr/>
+        </p:nvSpPr>
+        <p:spPr>
+          <a:xfrm rot="5563893">
+            <a:off x="6393165" y="3218482"/>
+            <a:ext cx="134896" cy="116289"/>
+          </a:xfrm>
+          <a:prstGeom prst="triangle">
+            <a:avLst/>
+          </a:prstGeom>
+          <a:solidFill>
+            <a:srgbClr val="FFB871"/>
+          </a:solidFill>
+          <a:ln w="3175">
+            <a:solidFill>
+              <a:srgbClr val="C4E7F8"/>
+            </a:solidFill>
+          </a:ln>
+        </p:spPr>
+        <p:style>
+          <a:lnRef idx="2">
+            <a:schemeClr val="accent1">
+              <a:shade val="50000"/>
+            </a:schemeClr>
+          </a:lnRef>
+          <a:fillRef idx="1">
+            <a:schemeClr val="accent1"/>
+          </a:fillRef>
+          <a:effectRef idx="0">
+            <a:schemeClr val="accent1"/>
+          </a:effectRef>
+          <a:fontRef idx="minor">
+            <a:schemeClr val="lt1"/>
+          </a:fontRef>
+        </p:style>
+        <p:txBody>
+          <a:bodyPr rtlCol="0" anchor="ctr"/>
+          <a:lstStyle/>
+          <a:p>
+            <a:pPr algn="ctr"/>
+            <a:endParaRPr lang="ko-KR" altLang="en-US"/>
+          </a:p>
+        </p:txBody>
+      </p:sp>
+      <p:sp>
+        <p:nvSpPr>
+          <p:cNvPr id="13" name="이등변 삼각형 12">
+            <a:extLst>
+              <a:ext uri="{FF2B5EF4-FFF2-40B4-BE49-F238E27FC236}">
+                <a16:creationId xmlns:a16="http://schemas.microsoft.com/office/drawing/2014/main" id="{2553D77A-B8F8-4558-A7B0-9A0F0F821F0B}"/>
+              </a:ext>
+            </a:extLst>
+          </p:cNvPr>
+          <p:cNvSpPr/>
+          <p:nvPr/>
+        </p:nvSpPr>
+        <p:spPr>
+          <a:xfrm rot="5563893" flipV="1">
+            <a:off x="5645935" y="3182831"/>
+            <a:ext cx="134896" cy="116289"/>
+          </a:xfrm>
+          <a:prstGeom prst="triangle">
+            <a:avLst/>
+          </a:prstGeom>
+          <a:solidFill>
+            <a:srgbClr val="FFB871"/>
+          </a:solidFill>
+          <a:ln w="3175">
+            <a:solidFill>
+              <a:srgbClr val="C4E7F8"/>
+            </a:solidFill>
+          </a:ln>
+        </p:spPr>
+        <p:style>
+          <a:lnRef idx="2">
+            <a:schemeClr val="accent1">
+              <a:shade val="50000"/>
+            </a:schemeClr>
+          </a:lnRef>
+          <a:fillRef idx="1">
+            <a:schemeClr val="accent1"/>
+          </a:fillRef>
+          <a:effectRef idx="0">
+            <a:schemeClr val="accent1"/>
+          </a:effectRef>
+          <a:fontRef idx="minor">
+            <a:schemeClr val="lt1"/>
+          </a:fontRef>
+        </p:style>
+        <p:txBody>
+          <a:bodyPr rtlCol="0" anchor="ctr"/>
+          <a:lstStyle/>
+          <a:p>
+            <a:pPr algn="ctr"/>
+            <a:endParaRPr lang="ko-KR" altLang="en-US"/>
+          </a:p>
+        </p:txBody>
+      </p:sp>
       <p:sp>
         <p:nvSpPr>
           <p:cNvPr id="110" name="화살표: 원형 109">
@@ -7539,6 +7391,52 @@
               </a:rPr>
               <a:t>Information’s</a:t>
             </a:r>
+          </a:p>
+        </p:txBody>
+      </p:sp>
+      <p:sp>
+        <p:nvSpPr>
+          <p:cNvPr id="2" name="타원 1">
+            <a:extLst>
+              <a:ext uri="{FF2B5EF4-FFF2-40B4-BE49-F238E27FC236}">
+                <a16:creationId xmlns:a16="http://schemas.microsoft.com/office/drawing/2014/main" id="{D89644B9-D9DA-4BE6-A864-CCCB18DFAC77}"/>
+              </a:ext>
+            </a:extLst>
+          </p:cNvPr>
+          <p:cNvSpPr/>
+          <p:nvPr/>
+        </p:nvSpPr>
+        <p:spPr>
+          <a:xfrm>
+            <a:off x="10040967" y="185475"/>
+            <a:ext cx="822499" cy="822499"/>
+          </a:xfrm>
+          <a:prstGeom prst="ellipse">
+            <a:avLst/>
+          </a:prstGeom>
+        </p:spPr>
+        <p:style>
+          <a:lnRef idx="2">
+            <a:schemeClr val="accent1">
+              <a:shade val="50000"/>
+            </a:schemeClr>
+          </a:lnRef>
+          <a:fillRef idx="1">
+            <a:schemeClr val="accent1"/>
+          </a:fillRef>
+          <a:effectRef idx="0">
+            <a:schemeClr val="accent1"/>
+          </a:effectRef>
+          <a:fontRef idx="minor">
+            <a:schemeClr val="lt1"/>
+          </a:fontRef>
+        </p:style>
+        <p:txBody>
+          <a:bodyPr rtlCol="0" anchor="ctr"/>
+          <a:lstStyle/>
+          <a:p>
+            <a:pPr algn="ctr"/>
+            <a:endParaRPr lang="ko-KR" altLang="en-US"/>
           </a:p>
         </p:txBody>
       </p:sp>

--- a/PPT/미세한 날씨 리소스 제작.pptx
+++ b/PPT/미세한 날씨 리소스 제작.pptx
@@ -5142,10 +5142,10 @@
       </p:sp>
       <p:grpSp>
         <p:nvGrpSpPr>
-          <p:cNvPr id="9" name="그룹 8">
+          <p:cNvPr id="2" name="그룹 1">
             <a:extLst>
               <a:ext uri="{FF2B5EF4-FFF2-40B4-BE49-F238E27FC236}">
-                <a16:creationId xmlns:a16="http://schemas.microsoft.com/office/drawing/2014/main" id="{7261FD04-5183-44B9-8FDE-AA27575226BD}"/>
+                <a16:creationId xmlns:a16="http://schemas.microsoft.com/office/drawing/2014/main" id="{89EBB434-FBC6-4465-9D1C-ECF29BF3456F}"/>
               </a:ext>
             </a:extLst>
           </p:cNvPr>
@@ -5156,16 +5156,9 @@
           <a:xfrm>
             <a:off x="1545274" y="3999576"/>
             <a:ext cx="1367857" cy="1253366"/>
-            <a:chOff x="609706" y="1798042"/>
+            <a:chOff x="1545274" y="3999576"/>
             <a:chExt cx="1367857" cy="1253366"/>
           </a:xfrm>
-          <a:effectLst>
-            <a:outerShdw blurRad="50800" dist="38100" dir="8100000" algn="tr" rotWithShape="0">
-              <a:prstClr val="black">
-                <a:alpha val="40000"/>
-              </a:prstClr>
-            </a:outerShdw>
-          </a:effectLst>
         </p:grpSpPr>
         <p:sp>
           <p:nvSpPr>
@@ -5181,7 +5174,7 @@
           </p:nvSpPr>
           <p:spPr>
             <a:xfrm>
-              <a:off x="609706" y="1798042"/>
+              <a:off x="1545274" y="3999576"/>
               <a:ext cx="1318779" cy="732444"/>
             </a:xfrm>
             <a:custGeom>
@@ -5375,7 +5368,7 @@
           </p:nvGrpSpPr>
           <p:grpSpPr>
             <a:xfrm>
-              <a:off x="627108" y="2675780"/>
+              <a:off x="1562676" y="4877314"/>
               <a:ext cx="1350455" cy="375628"/>
               <a:chOff x="627108" y="2675780"/>
               <a:chExt cx="1350455" cy="375628"/>
@@ -6858,6 +6851,13 @@
             <a:chOff x="1545274" y="2531776"/>
             <a:chExt cx="1318779" cy="1187911"/>
           </a:xfrm>
+          <a:effectLst>
+            <a:outerShdw blurRad="50800" dist="38100" dir="8100000" algn="tr" rotWithShape="0">
+              <a:prstClr val="black">
+                <a:alpha val="40000"/>
+              </a:prstClr>
+            </a:outerShdw>
+          </a:effectLst>
         </p:grpSpPr>
         <p:sp>
           <p:nvSpPr>

--- a/PPT/미세한 날씨 리소스 제작.pptx
+++ b/PPT/미세한 날씨 리소스 제작.pptx
@@ -3461,10 +3461,10 @@
       </p:sp>
       <p:sp>
         <p:nvSpPr>
-          <p:cNvPr id="31" name="사각형: 둥근 모서리 30">
+          <p:cNvPr id="6" name="사각형: 둥근 모서리 5">
             <a:extLst>
               <a:ext uri="{FF2B5EF4-FFF2-40B4-BE49-F238E27FC236}">
-                <a16:creationId xmlns:a16="http://schemas.microsoft.com/office/drawing/2014/main" id="{AD79E2D7-5AD3-4995-96AC-B0F72181C67F}"/>
+                <a16:creationId xmlns:a16="http://schemas.microsoft.com/office/drawing/2014/main" id="{E9A2050B-A90E-4C41-BE9F-169562A855A9}"/>
               </a:ext>
             </a:extLst>
           </p:cNvPr>
@@ -3473,8 +3473,8 @@
         </p:nvSpPr>
         <p:spPr>
           <a:xfrm>
-            <a:off x="4294256" y="1314450"/>
-            <a:ext cx="3590925" cy="5162550"/>
+            <a:off x="4268215" y="1208014"/>
+            <a:ext cx="3655569" cy="5265751"/>
           </a:xfrm>
           <a:prstGeom prst="roundRect">
             <a:avLst/>
@@ -3520,10 +3520,10 @@
       </p:sp>
       <p:sp>
         <p:nvSpPr>
-          <p:cNvPr id="66" name="사각형: 둥근 모서리 65">
+          <p:cNvPr id="7" name="사각형: 둥근 모서리 6">
             <a:extLst>
               <a:ext uri="{FF2B5EF4-FFF2-40B4-BE49-F238E27FC236}">
-                <a16:creationId xmlns:a16="http://schemas.microsoft.com/office/drawing/2014/main" id="{12C99B2E-33C7-4FAD-86B3-C1E07B57EB0E}"/>
+                <a16:creationId xmlns:a16="http://schemas.microsoft.com/office/drawing/2014/main" id="{9FE2CFDF-EF1C-4CD1-97D7-06A7D5AE3792}"/>
               </a:ext>
             </a:extLst>
           </p:cNvPr>
@@ -3532,16 +3532,14 @@
         </p:nvSpPr>
         <p:spPr>
           <a:xfrm>
-            <a:off x="8267700" y="1311216"/>
-            <a:ext cx="3590925" cy="5162550"/>
+            <a:off x="8215618" y="1208013"/>
+            <a:ext cx="3655569" cy="5265751"/>
           </a:xfrm>
           <a:prstGeom prst="roundRect">
             <a:avLst/>
           </a:prstGeom>
           <a:solidFill>
-            <a:schemeClr val="accent5">
-              <a:lumMod val="75000"/>
-            </a:schemeClr>
+            <a:srgbClr val="2E75B6"/>
           </a:solidFill>
           <a:ln>
             <a:noFill/>
@@ -3609,6 +3607,117 @@
           <a:chExt cx="0" cy="0"/>
         </a:xfrm>
       </p:grpSpPr>
+      <p:pic>
+        <p:nvPicPr>
+          <p:cNvPr id="7" name="그림 6">
+            <a:extLst>
+              <a:ext uri="{FF2B5EF4-FFF2-40B4-BE49-F238E27FC236}">
+                <a16:creationId xmlns:a16="http://schemas.microsoft.com/office/drawing/2014/main" id="{1BA55524-30DE-45D4-9A17-B1650F438349}"/>
+              </a:ext>
+            </a:extLst>
+          </p:cNvPr>
+          <p:cNvPicPr>
+            <a:picLocks noChangeAspect="1"/>
+          </p:cNvPicPr>
+          <p:nvPr/>
+        </p:nvPicPr>
+        <p:blipFill rotWithShape="1">
+          <a:blip r:embed="rId2">
+            <a:extLst>
+              <a:ext uri="{28A0092B-C50C-407E-A947-70E740481C1C}">
+                <a14:useLocalDpi xmlns:a14="http://schemas.microsoft.com/office/drawing/2010/main" val="0"/>
+              </a:ext>
+            </a:extLst>
+          </a:blip>
+          <a:srcRect l="12261" r="4776"/>
+          <a:stretch/>
+        </p:blipFill>
+        <p:spPr>
+          <a:xfrm>
+            <a:off x="6174296" y="-206670"/>
+            <a:ext cx="5752891" cy="8270497"/>
+          </a:xfrm>
+          <a:prstGeom prst="roundRect">
+            <a:avLst>
+              <a:gd name="adj" fmla="val 17085"/>
+            </a:avLst>
+          </a:prstGeom>
+          <a:solidFill>
+            <a:srgbClr val="FFFFFF">
+              <a:shade val="85000"/>
+            </a:srgbClr>
+          </a:solidFill>
+          <a:ln>
+            <a:noFill/>
+          </a:ln>
+          <a:effectLst>
+            <a:outerShdw blurRad="50800" dist="38100" dir="8100000" algn="tr" rotWithShape="0">
+              <a:prstClr val="black">
+                <a:alpha val="40000"/>
+              </a:prstClr>
+            </a:outerShdw>
+          </a:effectLst>
+        </p:spPr>
+      </p:pic>
+      <p:sp>
+        <p:nvSpPr>
+          <p:cNvPr id="5" name="사각형: 둥근 모서리 4">
+            <a:extLst>
+              <a:ext uri="{FF2B5EF4-FFF2-40B4-BE49-F238E27FC236}">
+                <a16:creationId xmlns:a16="http://schemas.microsoft.com/office/drawing/2014/main" id="{F3DE9CE9-0F07-423C-B602-01251E094632}"/>
+              </a:ext>
+            </a:extLst>
+          </p:cNvPr>
+          <p:cNvSpPr/>
+          <p:nvPr/>
+        </p:nvSpPr>
+        <p:spPr>
+          <a:xfrm>
+            <a:off x="1364364" y="1320684"/>
+            <a:ext cx="3655569" cy="5265751"/>
+          </a:xfrm>
+          <a:prstGeom prst="roundRect">
+            <a:avLst/>
+          </a:prstGeom>
+          <a:solidFill>
+            <a:srgbClr val="F2F2F2"/>
+          </a:solidFill>
+          <a:ln>
+            <a:noFill/>
+          </a:ln>
+          <a:effectLst>
+            <a:outerShdw blurRad="50800" dist="38100" dir="8100000" algn="tr" rotWithShape="0">
+              <a:prstClr val="black">
+                <a:alpha val="40000"/>
+              </a:prstClr>
+            </a:outerShdw>
+          </a:effectLst>
+        </p:spPr>
+        <p:style>
+          <a:lnRef idx="2">
+            <a:schemeClr val="accent1">
+              <a:shade val="50000"/>
+            </a:schemeClr>
+          </a:lnRef>
+          <a:fillRef idx="1">
+            <a:schemeClr val="accent1"/>
+          </a:fillRef>
+          <a:effectRef idx="0">
+            <a:schemeClr val="accent1"/>
+          </a:effectRef>
+          <a:fontRef idx="minor">
+            <a:schemeClr val="lt1"/>
+          </a:fontRef>
+        </p:style>
+        <p:txBody>
+          <a:bodyPr rtlCol="0" anchor="ctr"/>
+          <a:lstStyle/>
+          <a:p>
+            <a:pPr algn="ctr"/>
+            <a:endParaRPr lang="ko-KR" altLang="en-US"/>
+          </a:p>
+        </p:txBody>
+      </p:sp>
       <p:sp>
         <p:nvSpPr>
           <p:cNvPr id="24" name="직사각형 23">
@@ -3674,123 +3783,6 @@
           </a:p>
         </p:txBody>
       </p:sp>
-      <p:sp>
-        <p:nvSpPr>
-          <p:cNvPr id="6" name="사각형: 둥근 모서리 5">
-            <a:extLst>
-              <a:ext uri="{FF2B5EF4-FFF2-40B4-BE49-F238E27FC236}">
-                <a16:creationId xmlns:a16="http://schemas.microsoft.com/office/drawing/2014/main" id="{A5C3C43F-D852-4946-8E02-9A7E6D4A9D89}"/>
-              </a:ext>
-            </a:extLst>
-          </p:cNvPr>
-          <p:cNvSpPr/>
-          <p:nvPr/>
-        </p:nvSpPr>
-        <p:spPr>
-          <a:xfrm>
-            <a:off x="1589446" y="1331119"/>
-            <a:ext cx="3590925" cy="5162550"/>
-          </a:xfrm>
-          <a:prstGeom prst="roundRect">
-            <a:avLst/>
-          </a:prstGeom>
-          <a:solidFill>
-            <a:schemeClr val="bg1">
-              <a:lumMod val="95000"/>
-            </a:schemeClr>
-          </a:solidFill>
-          <a:ln>
-            <a:solidFill>
-              <a:schemeClr val="bg1">
-                <a:lumMod val="85000"/>
-              </a:schemeClr>
-            </a:solidFill>
-          </a:ln>
-          <a:effectLst>
-            <a:outerShdw blurRad="50800" dist="38100" dir="8100000" algn="tr" rotWithShape="0">
-              <a:prstClr val="black">
-                <a:alpha val="40000"/>
-              </a:prstClr>
-            </a:outerShdw>
-          </a:effectLst>
-        </p:spPr>
-        <p:style>
-          <a:lnRef idx="2">
-            <a:schemeClr val="accent1">
-              <a:shade val="50000"/>
-            </a:schemeClr>
-          </a:lnRef>
-          <a:fillRef idx="1">
-            <a:schemeClr val="accent1"/>
-          </a:fillRef>
-          <a:effectRef idx="0">
-            <a:schemeClr val="accent1"/>
-          </a:effectRef>
-          <a:fontRef idx="minor">
-            <a:schemeClr val="lt1"/>
-          </a:fontRef>
-        </p:style>
-        <p:txBody>
-          <a:bodyPr rtlCol="0" anchor="ctr"/>
-          <a:lstStyle/>
-          <a:p>
-            <a:pPr algn="ctr"/>
-            <a:endParaRPr lang="ko-KR" altLang="en-US" dirty="0"/>
-          </a:p>
-        </p:txBody>
-      </p:sp>
-      <p:pic>
-        <p:nvPicPr>
-          <p:cNvPr id="7" name="그림 6">
-            <a:extLst>
-              <a:ext uri="{FF2B5EF4-FFF2-40B4-BE49-F238E27FC236}">
-                <a16:creationId xmlns:a16="http://schemas.microsoft.com/office/drawing/2014/main" id="{1BA55524-30DE-45D4-9A17-B1650F438349}"/>
-              </a:ext>
-            </a:extLst>
-          </p:cNvPr>
-          <p:cNvPicPr>
-            <a:picLocks noChangeAspect="1"/>
-          </p:cNvPicPr>
-          <p:nvPr/>
-        </p:nvPicPr>
-        <p:blipFill rotWithShape="1">
-          <a:blip r:embed="rId2">
-            <a:extLst>
-              <a:ext uri="{28A0092B-C50C-407E-A947-70E740481C1C}">
-                <a14:useLocalDpi xmlns:a14="http://schemas.microsoft.com/office/drawing/2010/main" val="0"/>
-              </a:ext>
-            </a:extLst>
-          </a:blip>
-          <a:srcRect l="12261" r="4776"/>
-          <a:stretch/>
-        </p:blipFill>
-        <p:spPr>
-          <a:xfrm>
-            <a:off x="7236711" y="1320684"/>
-            <a:ext cx="3590925" cy="5162400"/>
-          </a:xfrm>
-          <a:prstGeom prst="roundRect">
-            <a:avLst>
-              <a:gd name="adj" fmla="val 17085"/>
-            </a:avLst>
-          </a:prstGeom>
-          <a:solidFill>
-            <a:srgbClr val="FFFFFF">
-              <a:shade val="85000"/>
-            </a:srgbClr>
-          </a:solidFill>
-          <a:ln>
-            <a:noFill/>
-          </a:ln>
-          <a:effectLst>
-            <a:outerShdw blurRad="50800" dist="38100" dir="8100000" algn="tr" rotWithShape="0">
-              <a:prstClr val="black">
-                <a:alpha val="40000"/>
-              </a:prstClr>
-            </a:outerShdw>
-          </a:effectLst>
-        </p:spPr>
-      </p:pic>
     </p:spTree>
     <p:extLst>
       <p:ext uri="{BB962C8B-B14F-4D97-AF65-F5344CB8AC3E}">

--- a/PPT/미세한 날씨 리소스 제작.pptx
+++ b/PPT/미세한 날씨 리소스 제작.pptx
@@ -266,7 +266,7 @@
           <a:p>
             <a:fld id="{7DAE3867-FBF6-440F-8F29-7D260BC87803}" type="datetimeFigureOut">
               <a:rPr lang="ko-KR" altLang="en-US" smtClean="0"/>
-              <a:t>2018-05-17</a:t>
+              <a:t>2018-05-21</a:t>
             </a:fld>
             <a:endParaRPr lang="ko-KR" altLang="en-US"/>
           </a:p>
@@ -464,7 +464,7 @@
           <a:p>
             <a:fld id="{7DAE3867-FBF6-440F-8F29-7D260BC87803}" type="datetimeFigureOut">
               <a:rPr lang="ko-KR" altLang="en-US" smtClean="0"/>
-              <a:t>2018-05-17</a:t>
+              <a:t>2018-05-21</a:t>
             </a:fld>
             <a:endParaRPr lang="ko-KR" altLang="en-US"/>
           </a:p>
@@ -672,7 +672,7 @@
           <a:p>
             <a:fld id="{7DAE3867-FBF6-440F-8F29-7D260BC87803}" type="datetimeFigureOut">
               <a:rPr lang="ko-KR" altLang="en-US" smtClean="0"/>
-              <a:t>2018-05-17</a:t>
+              <a:t>2018-05-21</a:t>
             </a:fld>
             <a:endParaRPr lang="ko-KR" altLang="en-US"/>
           </a:p>
@@ -870,7 +870,7 @@
           <a:p>
             <a:fld id="{7DAE3867-FBF6-440F-8F29-7D260BC87803}" type="datetimeFigureOut">
               <a:rPr lang="ko-KR" altLang="en-US" smtClean="0"/>
-              <a:t>2018-05-17</a:t>
+              <a:t>2018-05-21</a:t>
             </a:fld>
             <a:endParaRPr lang="ko-KR" altLang="en-US"/>
           </a:p>
@@ -1145,7 +1145,7 @@
           <a:p>
             <a:fld id="{7DAE3867-FBF6-440F-8F29-7D260BC87803}" type="datetimeFigureOut">
               <a:rPr lang="ko-KR" altLang="en-US" smtClean="0"/>
-              <a:t>2018-05-17</a:t>
+              <a:t>2018-05-21</a:t>
             </a:fld>
             <a:endParaRPr lang="ko-KR" altLang="en-US"/>
           </a:p>
@@ -1410,7 +1410,7 @@
           <a:p>
             <a:fld id="{7DAE3867-FBF6-440F-8F29-7D260BC87803}" type="datetimeFigureOut">
               <a:rPr lang="ko-KR" altLang="en-US" smtClean="0"/>
-              <a:t>2018-05-17</a:t>
+              <a:t>2018-05-21</a:t>
             </a:fld>
             <a:endParaRPr lang="ko-KR" altLang="en-US"/>
           </a:p>
@@ -1822,7 +1822,7 @@
           <a:p>
             <a:fld id="{7DAE3867-FBF6-440F-8F29-7D260BC87803}" type="datetimeFigureOut">
               <a:rPr lang="ko-KR" altLang="en-US" smtClean="0"/>
-              <a:t>2018-05-17</a:t>
+              <a:t>2018-05-21</a:t>
             </a:fld>
             <a:endParaRPr lang="ko-KR" altLang="en-US"/>
           </a:p>
@@ -1963,7 +1963,7 @@
           <a:p>
             <a:fld id="{7DAE3867-FBF6-440F-8F29-7D260BC87803}" type="datetimeFigureOut">
               <a:rPr lang="ko-KR" altLang="en-US" smtClean="0"/>
-              <a:t>2018-05-17</a:t>
+              <a:t>2018-05-21</a:t>
             </a:fld>
             <a:endParaRPr lang="ko-KR" altLang="en-US"/>
           </a:p>
@@ -2076,7 +2076,7 @@
           <a:p>
             <a:fld id="{7DAE3867-FBF6-440F-8F29-7D260BC87803}" type="datetimeFigureOut">
               <a:rPr lang="ko-KR" altLang="en-US" smtClean="0"/>
-              <a:t>2018-05-17</a:t>
+              <a:t>2018-05-21</a:t>
             </a:fld>
             <a:endParaRPr lang="ko-KR" altLang="en-US"/>
           </a:p>
@@ -2387,7 +2387,7 @@
           <a:p>
             <a:fld id="{7DAE3867-FBF6-440F-8F29-7D260BC87803}" type="datetimeFigureOut">
               <a:rPr lang="ko-KR" altLang="en-US" smtClean="0"/>
-              <a:t>2018-05-17</a:t>
+              <a:t>2018-05-21</a:t>
             </a:fld>
             <a:endParaRPr lang="ko-KR" altLang="en-US"/>
           </a:p>
@@ -2675,7 +2675,7 @@
           <a:p>
             <a:fld id="{7DAE3867-FBF6-440F-8F29-7D260BC87803}" type="datetimeFigureOut">
               <a:rPr lang="ko-KR" altLang="en-US" smtClean="0"/>
-              <a:t>2018-05-17</a:t>
+              <a:t>2018-05-21</a:t>
             </a:fld>
             <a:endParaRPr lang="ko-KR" altLang="en-US"/>
           </a:p>
@@ -2916,7 +2916,7 @@
           <a:p>
             <a:fld id="{7DAE3867-FBF6-440F-8F29-7D260BC87803}" type="datetimeFigureOut">
               <a:rPr lang="ko-KR" altLang="en-US" smtClean="0"/>
-              <a:t>2018-05-17</a:t>
+              <a:t>2018-05-21</a:t>
             </a:fld>
             <a:endParaRPr lang="ko-KR" altLang="en-US"/>
           </a:p>
@@ -12528,12 +12528,134 @@
           </a:p>
         </p:txBody>
       </p:sp>
+      <p:sp>
+        <p:nvSpPr>
+          <p:cNvPr id="9" name="TextBox 8">
+            <a:extLst>
+              <a:ext uri="{FF2B5EF4-FFF2-40B4-BE49-F238E27FC236}">
+                <a16:creationId xmlns:a16="http://schemas.microsoft.com/office/drawing/2014/main" id="{6B8BFA14-EC5E-4E20-BF85-6B07C3D12043}"/>
+              </a:ext>
+            </a:extLst>
+          </p:cNvPr>
+          <p:cNvSpPr txBox="1"/>
+          <p:nvPr/>
+        </p:nvSpPr>
+        <p:spPr>
+          <a:xfrm>
+            <a:off x="3745867" y="3747144"/>
+            <a:ext cx="346570" cy="369332"/>
+          </a:xfrm>
+          <a:prstGeom prst="rect">
+            <a:avLst/>
+          </a:prstGeom>
+          <a:noFill/>
+        </p:spPr>
+        <p:txBody>
+          <a:bodyPr wrap="none" rtlCol="0">
+            <a:spAutoFit/>
+          </a:bodyPr>
+          <a:lstStyle/>
+          <a:p>
+            <a:r>
+              <a:rPr lang="en-US" altLang="ko-KR" dirty="0"/>
+              <a:t>+</a:t>
+            </a:r>
+            <a:endParaRPr lang="ko-KR" altLang="en-US" dirty="0"/>
+          </a:p>
+        </p:txBody>
+      </p:sp>
+      <p:sp>
+        <p:nvSpPr>
+          <p:cNvPr id="324" name="TextBox 323">
+            <a:extLst>
+              <a:ext uri="{FF2B5EF4-FFF2-40B4-BE49-F238E27FC236}">
+                <a16:creationId xmlns:a16="http://schemas.microsoft.com/office/drawing/2014/main" id="{9009DAFB-7EDB-4D9B-A6BD-1FD4C0080264}"/>
+              </a:ext>
+            </a:extLst>
+          </p:cNvPr>
+          <p:cNvSpPr txBox="1"/>
+          <p:nvPr/>
+        </p:nvSpPr>
+        <p:spPr>
+          <a:xfrm>
+            <a:off x="7990185" y="3724568"/>
+            <a:ext cx="346570" cy="369332"/>
+          </a:xfrm>
+          <a:prstGeom prst="rect">
+            <a:avLst/>
+          </a:prstGeom>
+          <a:noFill/>
+        </p:spPr>
+        <p:txBody>
+          <a:bodyPr wrap="none" rtlCol="0">
+            <a:spAutoFit/>
+          </a:bodyPr>
+          <a:lstStyle/>
+          <a:p>
+            <a:r>
+              <a:rPr lang="en-US" altLang="ko-KR" dirty="0"/>
+              <a:t>=</a:t>
+            </a:r>
+            <a:endParaRPr lang="ko-KR" altLang="en-US" dirty="0"/>
+          </a:p>
+        </p:txBody>
+      </p:sp>
+      <p:sp>
+        <p:nvSpPr>
+          <p:cNvPr id="325" name="직사각형 324">
+            <a:extLst>
+              <a:ext uri="{FF2B5EF4-FFF2-40B4-BE49-F238E27FC236}">
+                <a16:creationId xmlns:a16="http://schemas.microsoft.com/office/drawing/2014/main" id="{5B3317ED-651D-4C8F-BDAA-55E8837817E1}"/>
+              </a:ext>
+            </a:extLst>
+          </p:cNvPr>
+          <p:cNvSpPr/>
+          <p:nvPr/>
+        </p:nvSpPr>
+        <p:spPr>
+          <a:xfrm>
+            <a:off x="9285778" y="379595"/>
+            <a:ext cx="2062104" cy="646331"/>
+          </a:xfrm>
+          <a:prstGeom prst="rect">
+            <a:avLst/>
+          </a:prstGeom>
+          <a:noFill/>
+        </p:spPr>
+        <p:txBody>
+          <a:bodyPr wrap="none" lIns="91440" tIns="45720" rIns="91440" bIns="45720">
+            <a:spAutoFit/>
+          </a:bodyPr>
+          <a:lstStyle/>
+          <a:p>
+            <a:pPr algn="ctr"/>
+            <a:r>
+              <a:rPr lang="en-US" altLang="ko-KR" sz="3600" b="0" cap="none" spc="0" dirty="0">
+                <a:ln w="0"/>
+                <a:solidFill>
+                  <a:schemeClr val="bg2">
+                    <a:lumMod val="25000"/>
+                  </a:schemeClr>
+                </a:solidFill>
+                <a:effectLst>
+                  <a:outerShdw blurRad="38100" dist="19050" dir="2700000" algn="tl" rotWithShape="0">
+                    <a:schemeClr val="dk1">
+                      <a:alpha val="40000"/>
+                    </a:schemeClr>
+                  </a:outerShdw>
+                </a:effectLst>
+              </a:rPr>
+              <a:t>Integrate</a:t>
+            </a:r>
+          </a:p>
+        </p:txBody>
+      </p:sp>
       <p:grpSp>
         <p:nvGrpSpPr>
-          <p:cNvPr id="140" name="그룹 139">
+          <p:cNvPr id="4" name="그룹 3">
             <a:extLst>
               <a:ext uri="{FF2B5EF4-FFF2-40B4-BE49-F238E27FC236}">
-                <a16:creationId xmlns:a16="http://schemas.microsoft.com/office/drawing/2014/main" id="{A83861AA-4E88-4E94-86AD-BF1A1D1CB592}"/>
+                <a16:creationId xmlns:a16="http://schemas.microsoft.com/office/drawing/2014/main" id="{20A611F1-6C73-4399-8E0E-5F9898B2F931}"/>
               </a:ext>
             </a:extLst>
           </p:cNvPr>
@@ -12544,7 +12666,7 @@
           <a:xfrm>
             <a:off x="8521368" y="1339560"/>
             <a:ext cx="3590925" cy="5162550"/>
-            <a:chOff x="6875460" y="1331119"/>
+            <a:chOff x="8521368" y="1339560"/>
             <a:chExt cx="3590925" cy="5162550"/>
           </a:xfrm>
         </p:grpSpPr>
@@ -12562,7 +12684,7 @@
           </p:nvSpPr>
           <p:spPr>
             <a:xfrm>
-              <a:off x="6875460" y="1331119"/>
+              <a:off x="8521368" y="1339560"/>
               <a:ext cx="3590925" cy="5162550"/>
             </a:xfrm>
             <a:prstGeom prst="roundRect">
@@ -12615,10 +12737,10 @@
         </p:sp>
         <p:grpSp>
           <p:nvGrpSpPr>
-            <p:cNvPr id="142" name="그룹 141">
+            <p:cNvPr id="3" name="그룹 2">
               <a:extLst>
                 <a:ext uri="{FF2B5EF4-FFF2-40B4-BE49-F238E27FC236}">
-                  <a16:creationId xmlns:a16="http://schemas.microsoft.com/office/drawing/2014/main" id="{43F8395C-1D72-4D91-B4B6-1652996CB87B}"/>
+                  <a16:creationId xmlns:a16="http://schemas.microsoft.com/office/drawing/2014/main" id="{35EB3E00-F517-4E9A-9AFD-D9BDDFD5CEDE}"/>
                 </a:ext>
               </a:extLst>
             </p:cNvPr>
@@ -12627,10 +12749,10 @@
           </p:nvGrpSpPr>
           <p:grpSpPr>
             <a:xfrm>
-              <a:off x="6915868" y="1771407"/>
-              <a:ext cx="3455041" cy="4101494"/>
-              <a:chOff x="5836433" y="1771407"/>
-              <a:chExt cx="3455041" cy="4101494"/>
+              <a:off x="8561776" y="1779848"/>
+              <a:ext cx="3455041" cy="4390829"/>
+              <a:chOff x="8561776" y="1779848"/>
+              <a:chExt cx="3455041" cy="4390829"/>
             </a:xfrm>
           </p:grpSpPr>
           <p:sp>
@@ -12647,7 +12769,7 @@
             </p:nvSpPr>
             <p:spPr>
               <a:xfrm>
-                <a:off x="7103064" y="2176441"/>
+                <a:off x="9828407" y="2184882"/>
                 <a:ext cx="947695" cy="923330"/>
               </a:xfrm>
               <a:prstGeom prst="rect">
@@ -12691,7 +12813,7 @@
             </p:nvSpPr>
             <p:spPr>
               <a:xfrm>
-                <a:off x="7062717" y="1771407"/>
+                <a:off x="9788060" y="1779848"/>
                 <a:ext cx="1028389" cy="276468"/>
               </a:xfrm>
               <a:prstGeom prst="roundRect">
@@ -12750,7 +12872,7 @@
             </p:nvSpPr>
             <p:spPr>
               <a:xfrm>
-                <a:off x="6169067" y="3192734"/>
+                <a:off x="8894410" y="3201175"/>
                 <a:ext cx="595035" cy="338554"/>
               </a:xfrm>
               <a:prstGeom prst="rect">
@@ -12789,7 +12911,7 @@
             </p:nvGrpSpPr>
             <p:grpSpPr>
               <a:xfrm>
-                <a:off x="6793786" y="3230507"/>
+                <a:off x="9519129" y="3238948"/>
                 <a:ext cx="263009" cy="263009"/>
                 <a:chOff x="7141549" y="3956566"/>
                 <a:chExt cx="263009" cy="263009"/>
@@ -13028,7 +13150,7 @@
             </p:nvSpPr>
             <p:spPr>
               <a:xfrm>
-                <a:off x="7086479" y="3192734"/>
+                <a:off x="9811822" y="3201175"/>
                 <a:ext cx="1898277" cy="338554"/>
               </a:xfrm>
               <a:prstGeom prst="rect">
@@ -13075,7 +13197,7 @@
             </p:nvCxnSpPr>
             <p:spPr>
               <a:xfrm>
-                <a:off x="5924550" y="4056408"/>
+                <a:off x="8649893" y="4064849"/>
                 <a:ext cx="808653" cy="0"/>
               </a:xfrm>
               <a:prstGeom prst="line">
@@ -13116,7 +13238,7 @@
             </p:nvCxnSpPr>
             <p:spPr>
               <a:xfrm>
-                <a:off x="6768667" y="4054775"/>
+                <a:off x="9494010" y="4063216"/>
                 <a:ext cx="808653" cy="0"/>
               </a:xfrm>
               <a:prstGeom prst="line">
@@ -13157,7 +13279,7 @@
             </p:nvCxnSpPr>
             <p:spPr>
               <a:xfrm>
-                <a:off x="7612784" y="4056408"/>
+                <a:off x="10338127" y="4064849"/>
                 <a:ext cx="808653" cy="0"/>
               </a:xfrm>
               <a:prstGeom prst="line">
@@ -13198,7 +13320,7 @@
             </p:nvCxnSpPr>
             <p:spPr>
               <a:xfrm>
-                <a:off x="8456900" y="4054775"/>
+                <a:off x="11182243" y="4063216"/>
                 <a:ext cx="808653" cy="0"/>
               </a:xfrm>
               <a:prstGeom prst="line">
@@ -13239,7 +13361,7 @@
             </p:nvSpPr>
             <p:spPr>
               <a:xfrm>
-                <a:off x="5836433" y="4073825"/>
+                <a:off x="8561776" y="4082266"/>
                 <a:ext cx="492443" cy="400110"/>
               </a:xfrm>
               <a:prstGeom prst="rect">
@@ -13306,7 +13428,7 @@
             </p:nvSpPr>
             <p:spPr>
               <a:xfrm>
-                <a:off x="6696075" y="4073825"/>
+                <a:off x="9421418" y="4082266"/>
                 <a:ext cx="595035" cy="400110"/>
               </a:xfrm>
               <a:prstGeom prst="rect">
@@ -13373,7 +13495,7 @@
             </p:nvSpPr>
             <p:spPr>
               <a:xfrm>
-                <a:off x="7542475" y="4073825"/>
+                <a:off x="10267818" y="4082266"/>
                 <a:ext cx="595035" cy="400110"/>
               </a:xfrm>
               <a:prstGeom prst="rect">
@@ -13440,7 +13562,7 @@
             </p:nvSpPr>
             <p:spPr>
               <a:xfrm>
-                <a:off x="8380675" y="4073825"/>
+                <a:off x="11106018" y="4082266"/>
                 <a:ext cx="725225" cy="400110"/>
               </a:xfrm>
               <a:prstGeom prst="rect">
@@ -13507,7 +13629,7 @@
             </p:nvSpPr>
             <p:spPr>
               <a:xfrm>
-                <a:off x="6645173" y="3730314"/>
+                <a:off x="9370516" y="3738755"/>
                 <a:ext cx="426244" cy="190521"/>
               </a:xfrm>
               <a:prstGeom prst="roundRect">
@@ -13573,7 +13695,7 @@
             </p:nvCxnSpPr>
             <p:spPr>
               <a:xfrm flipH="1">
-                <a:off x="6858000" y="3920835"/>
+                <a:off x="9583343" y="3929276"/>
                 <a:ext cx="295" cy="120146"/>
               </a:xfrm>
               <a:prstGeom prst="line">
@@ -13614,7 +13736,7 @@
             </p:nvSpPr>
             <p:spPr>
               <a:xfrm>
-                <a:off x="5885419" y="4714780"/>
+                <a:off x="8610762" y="4723221"/>
                 <a:ext cx="1075609" cy="246221"/>
               </a:xfrm>
               <a:prstGeom prst="rect">
@@ -13662,7 +13784,7 @@
             </p:nvCxnSpPr>
             <p:spPr>
               <a:xfrm>
-                <a:off x="5862354" y="4601790"/>
+                <a:off x="8587697" y="4610231"/>
                 <a:ext cx="3429120" cy="0"/>
               </a:xfrm>
               <a:prstGeom prst="line">
@@ -13691,2882 +13813,44 @@
               </a:fontRef>
             </p:style>
           </p:cxnSp>
-          <p:grpSp>
-            <p:nvGrpSpPr>
-              <p:cNvPr id="213" name="그룹 212">
+          <p:pic>
+            <p:nvPicPr>
+              <p:cNvPr id="174" name="그림 173">
                 <a:extLst>
                   <a:ext uri="{FF2B5EF4-FFF2-40B4-BE49-F238E27FC236}">
-                    <a16:creationId xmlns:a16="http://schemas.microsoft.com/office/drawing/2014/main" id="{EF269FBC-F708-4D1E-BA11-047BDC7363E4}"/>
+                    <a16:creationId xmlns:a16="http://schemas.microsoft.com/office/drawing/2014/main" id="{CA47E0FC-9D1A-45A9-9566-77CBB045EBBE}"/>
                   </a:ext>
                 </a:extLst>
               </p:cNvPr>
-              <p:cNvGrpSpPr/>
+              <p:cNvPicPr>
+                <a:picLocks noChangeAspect="1"/>
+              </p:cNvPicPr>
               <p:nvPr/>
-            </p:nvGrpSpPr>
-            <p:grpSpPr>
+            </p:nvPicPr>
+            <p:blipFill>
+              <a:blip r:embed="rId2">
+                <a:extLst>
+                  <a:ext uri="{28A0092B-C50C-407E-A947-70E740481C1C}">
+                    <a14:useLocalDpi xmlns:a14="http://schemas.microsoft.com/office/drawing/2010/main" val="0"/>
+                  </a:ext>
+                </a:extLst>
+              </a:blip>
+              <a:stretch>
+                <a:fillRect/>
+              </a:stretch>
+            </p:blipFill>
+            <p:spPr>
               <a:xfrm>
-                <a:off x="5906909" y="5013494"/>
-                <a:ext cx="3340011" cy="859407"/>
-                <a:chOff x="5906909" y="5013494"/>
-                <a:chExt cx="3340011" cy="859407"/>
+                <a:off x="8963839" y="5007600"/>
+                <a:ext cx="2676830" cy="1163077"/>
               </a:xfrm>
-            </p:grpSpPr>
-            <p:sp>
-              <p:nvSpPr>
-                <p:cNvPr id="221" name="TextBox 220">
-                  <a:extLst>
-                    <a:ext uri="{FF2B5EF4-FFF2-40B4-BE49-F238E27FC236}">
-                      <a16:creationId xmlns:a16="http://schemas.microsoft.com/office/drawing/2014/main" id="{B1C1C3E1-9E4C-4FBA-AB33-3091CC18D269}"/>
-                    </a:ext>
-                  </a:extLst>
-                </p:cNvPr>
-                <p:cNvSpPr txBox="1"/>
-                <p:nvPr/>
-              </p:nvSpPr>
-              <p:spPr>
-                <a:xfrm>
-                  <a:off x="5906909" y="5013494"/>
-                  <a:ext cx="3340011" cy="246221"/>
-                </a:xfrm>
-                <a:prstGeom prst="rect">
-                  <a:avLst/>
-                </a:prstGeom>
-                <a:noFill/>
-              </p:spPr>
-              <p:txBody>
-                <a:bodyPr wrap="square" rtlCol="0">
-                  <a:spAutoFit/>
-                </a:bodyPr>
-                <a:lstStyle/>
-                <a:p>
-                  <a:r>
-                    <a:rPr lang="en-US" altLang="ko-KR" sz="1000" b="1" dirty="0">
-                      <a:solidFill>
-                        <a:schemeClr val="bg2">
-                          <a:lumMod val="25000"/>
-                        </a:schemeClr>
-                      </a:solidFill>
-                    </a:rPr>
-                    <a:t>15</a:t>
-                  </a:r>
-                  <a:r>
-                    <a:rPr lang="ko-KR" altLang="en-US" sz="1000" b="1" dirty="0">
-                      <a:solidFill>
-                        <a:schemeClr val="bg2">
-                          <a:lumMod val="25000"/>
-                        </a:schemeClr>
-                      </a:solidFill>
-                    </a:rPr>
-                    <a:t>시 </a:t>
-                  </a:r>
-                  <a:r>
-                    <a:rPr lang="en-US" altLang="ko-KR" sz="1000" b="1" dirty="0">
-                      <a:solidFill>
-                        <a:schemeClr val="bg2">
-                          <a:lumMod val="25000"/>
-                        </a:schemeClr>
-                      </a:solidFill>
-                    </a:rPr>
-                    <a:t>  16</a:t>
-                  </a:r>
-                  <a:r>
-                    <a:rPr lang="ko-KR" altLang="en-US" sz="1000" b="1" dirty="0">
-                      <a:solidFill>
-                        <a:schemeClr val="bg2">
-                          <a:lumMod val="25000"/>
-                        </a:schemeClr>
-                      </a:solidFill>
-                    </a:rPr>
-                    <a:t>시   </a:t>
-                  </a:r>
-                  <a:r>
-                    <a:rPr lang="en-US" altLang="ko-KR" sz="1000" b="1" dirty="0">
-                      <a:solidFill>
-                        <a:schemeClr val="bg2">
-                          <a:lumMod val="25000"/>
-                        </a:schemeClr>
-                      </a:solidFill>
-                    </a:rPr>
-                    <a:t>17</a:t>
-                  </a:r>
-                  <a:r>
-                    <a:rPr lang="ko-KR" altLang="en-US" sz="1000" b="1" dirty="0">
-                      <a:solidFill>
-                        <a:schemeClr val="bg2">
-                          <a:lumMod val="25000"/>
-                        </a:schemeClr>
-                      </a:solidFill>
-                    </a:rPr>
-                    <a:t>시   </a:t>
-                  </a:r>
-                  <a:r>
-                    <a:rPr lang="en-US" altLang="ko-KR" sz="1000" b="1" dirty="0">
-                      <a:solidFill>
-                        <a:schemeClr val="bg2">
-                          <a:lumMod val="25000"/>
-                        </a:schemeClr>
-                      </a:solidFill>
-                    </a:rPr>
-                    <a:t>18</a:t>
-                  </a:r>
-                  <a:r>
-                    <a:rPr lang="ko-KR" altLang="en-US" sz="1000" b="1" dirty="0">
-                      <a:solidFill>
-                        <a:schemeClr val="bg2">
-                          <a:lumMod val="25000"/>
-                        </a:schemeClr>
-                      </a:solidFill>
-                    </a:rPr>
-                    <a:t>시   </a:t>
-                  </a:r>
-                  <a:r>
-                    <a:rPr lang="en-US" altLang="ko-KR" sz="1000" b="1" dirty="0">
-                      <a:solidFill>
-                        <a:schemeClr val="bg2">
-                          <a:lumMod val="25000"/>
-                        </a:schemeClr>
-                      </a:solidFill>
-                    </a:rPr>
-                    <a:t>19</a:t>
-                  </a:r>
-                  <a:r>
-                    <a:rPr lang="ko-KR" altLang="en-US" sz="1000" b="1" dirty="0">
-                      <a:solidFill>
-                        <a:schemeClr val="bg2">
-                          <a:lumMod val="25000"/>
-                        </a:schemeClr>
-                      </a:solidFill>
-                    </a:rPr>
-                    <a:t>시   </a:t>
-                  </a:r>
-                  <a:r>
-                    <a:rPr lang="en-US" altLang="ko-KR" sz="1000" b="1" dirty="0">
-                      <a:solidFill>
-                        <a:schemeClr val="bg2">
-                          <a:lumMod val="25000"/>
-                        </a:schemeClr>
-                      </a:solidFill>
-                    </a:rPr>
-                    <a:t>20</a:t>
-                  </a:r>
-                  <a:r>
-                    <a:rPr lang="ko-KR" altLang="en-US" sz="1000" b="1" dirty="0">
-                      <a:solidFill>
-                        <a:schemeClr val="bg2">
-                          <a:lumMod val="25000"/>
-                        </a:schemeClr>
-                      </a:solidFill>
-                    </a:rPr>
-                    <a:t>시   </a:t>
-                  </a:r>
-                  <a:r>
-                    <a:rPr lang="en-US" altLang="ko-KR" sz="1000" b="1" dirty="0">
-                      <a:solidFill>
-                        <a:schemeClr val="bg2">
-                          <a:lumMod val="25000"/>
-                        </a:schemeClr>
-                      </a:solidFill>
-                    </a:rPr>
-                    <a:t>21</a:t>
-                  </a:r>
-                  <a:r>
-                    <a:rPr lang="ko-KR" altLang="en-US" sz="1000" b="1" dirty="0">
-                      <a:solidFill>
-                        <a:schemeClr val="bg2">
-                          <a:lumMod val="25000"/>
-                        </a:schemeClr>
-                      </a:solidFill>
-                    </a:rPr>
-                    <a:t>시   </a:t>
-                  </a:r>
-                  <a:r>
-                    <a:rPr lang="en-US" altLang="ko-KR" sz="1000" b="1" dirty="0">
-                      <a:solidFill>
-                        <a:schemeClr val="bg2">
-                          <a:lumMod val="25000"/>
-                        </a:schemeClr>
-                      </a:solidFill>
-                    </a:rPr>
-                    <a:t>22</a:t>
-                  </a:r>
-                  <a:r>
-                    <a:rPr lang="ko-KR" altLang="en-US" sz="1000" b="1" dirty="0">
-                      <a:solidFill>
-                        <a:schemeClr val="bg2">
-                          <a:lumMod val="25000"/>
-                        </a:schemeClr>
-                      </a:solidFill>
-                    </a:rPr>
-                    <a:t>시</a:t>
-                  </a:r>
-                </a:p>
-              </p:txBody>
-            </p:sp>
-            <p:grpSp>
-              <p:nvGrpSpPr>
-                <p:cNvPr id="222" name="그룹 221">
-                  <a:extLst>
-                    <a:ext uri="{FF2B5EF4-FFF2-40B4-BE49-F238E27FC236}">
-                      <a16:creationId xmlns:a16="http://schemas.microsoft.com/office/drawing/2014/main" id="{8F7C2DD1-D598-4C80-9061-959252F4E600}"/>
-                    </a:ext>
-                  </a:extLst>
-                </p:cNvPr>
-                <p:cNvGrpSpPr/>
-                <p:nvPr/>
-              </p:nvGrpSpPr>
-              <p:grpSpPr>
-                <a:xfrm>
-                  <a:off x="6016904" y="5296166"/>
-                  <a:ext cx="263009" cy="263009"/>
-                  <a:chOff x="7141549" y="3956566"/>
-                  <a:chExt cx="263009" cy="263009"/>
-                </a:xfrm>
-              </p:grpSpPr>
-              <p:sp>
-                <p:nvSpPr>
-                  <p:cNvPr id="314" name="타원 313">
-                    <a:extLst>
-                      <a:ext uri="{FF2B5EF4-FFF2-40B4-BE49-F238E27FC236}">
-                        <a16:creationId xmlns:a16="http://schemas.microsoft.com/office/drawing/2014/main" id="{C11ABAD7-492F-400C-8C5B-68955377C3DB}"/>
-                      </a:ext>
-                    </a:extLst>
-                  </p:cNvPr>
-                  <p:cNvSpPr/>
-                  <p:nvPr/>
-                </p:nvSpPr>
-                <p:spPr>
-                  <a:xfrm>
-                    <a:off x="7141549" y="3956566"/>
-                    <a:ext cx="263009" cy="263009"/>
-                  </a:xfrm>
-                  <a:prstGeom prst="ellipse">
-                    <a:avLst/>
-                  </a:prstGeom>
-                  <a:noFill/>
-                  <a:ln w="19050">
-                    <a:solidFill>
-                      <a:srgbClr val="00C518"/>
-                    </a:solidFill>
-                  </a:ln>
-                </p:spPr>
-                <p:style>
-                  <a:lnRef idx="2">
-                    <a:schemeClr val="accent1">
-                      <a:shade val="50000"/>
-                    </a:schemeClr>
-                  </a:lnRef>
-                  <a:fillRef idx="1">
-                    <a:schemeClr val="accent1"/>
-                  </a:fillRef>
-                  <a:effectRef idx="0">
-                    <a:schemeClr val="accent1"/>
-                  </a:effectRef>
-                  <a:fontRef idx="minor">
-                    <a:schemeClr val="lt1"/>
-                  </a:fontRef>
-                </p:style>
-                <p:txBody>
-                  <a:bodyPr rtlCol="0" anchor="ctr"/>
-                  <a:lstStyle/>
-                  <a:p>
-                    <a:pPr algn="ctr"/>
-                    <a:endParaRPr lang="ko-KR" altLang="en-US"/>
-                  </a:p>
-                </p:txBody>
-              </p:sp>
-              <p:grpSp>
-                <p:nvGrpSpPr>
-                  <p:cNvPr id="315" name="그룹 314">
-                    <a:extLst>
-                      <a:ext uri="{FF2B5EF4-FFF2-40B4-BE49-F238E27FC236}">
-                        <a16:creationId xmlns:a16="http://schemas.microsoft.com/office/drawing/2014/main" id="{76E7C6FA-C440-4124-87D6-EB213B787831}"/>
-                      </a:ext>
-                    </a:extLst>
-                  </p:cNvPr>
-                  <p:cNvGrpSpPr/>
-                  <p:nvPr/>
-                </p:nvGrpSpPr>
-                <p:grpSpPr>
-                  <a:xfrm>
-                    <a:off x="7180903" y="4042555"/>
-                    <a:ext cx="184302" cy="51201"/>
-                    <a:chOff x="9923978" y="2372201"/>
-                    <a:chExt cx="835248" cy="232040"/>
-                  </a:xfrm>
-                </p:grpSpPr>
-                <p:sp>
-                  <p:nvSpPr>
-                    <p:cNvPr id="317" name="타원 316">
-                      <a:extLst>
-                        <a:ext uri="{FF2B5EF4-FFF2-40B4-BE49-F238E27FC236}">
-                          <a16:creationId xmlns:a16="http://schemas.microsoft.com/office/drawing/2014/main" id="{F6F1D5C6-E1C4-45F9-905E-4A7375405E91}"/>
-                        </a:ext>
-                      </a:extLst>
-                    </p:cNvPr>
-                    <p:cNvSpPr/>
-                    <p:nvPr/>
-                  </p:nvSpPr>
-                  <p:spPr>
-                    <a:xfrm>
-                      <a:off x="9923978" y="2376238"/>
-                      <a:ext cx="228003" cy="228003"/>
-                    </a:xfrm>
-                    <a:prstGeom prst="ellipse">
-                      <a:avLst/>
-                    </a:prstGeom>
-                    <a:solidFill>
-                      <a:srgbClr val="00C518"/>
-                    </a:solidFill>
-                    <a:ln w="76200">
-                      <a:noFill/>
-                    </a:ln>
-                  </p:spPr>
-                  <p:style>
-                    <a:lnRef idx="2">
-                      <a:schemeClr val="accent1">
-                        <a:shade val="50000"/>
-                      </a:schemeClr>
-                    </a:lnRef>
-                    <a:fillRef idx="1">
-                      <a:schemeClr val="accent1"/>
-                    </a:fillRef>
-                    <a:effectRef idx="0">
-                      <a:schemeClr val="accent1"/>
-                    </a:effectRef>
-                    <a:fontRef idx="minor">
-                      <a:schemeClr val="lt1"/>
-                    </a:fontRef>
-                  </p:style>
-                  <p:txBody>
-                    <a:bodyPr rtlCol="0" anchor="ctr"/>
-                    <a:lstStyle/>
-                    <a:p>
-                      <a:pPr algn="ctr"/>
-                      <a:endParaRPr lang="ko-KR" altLang="en-US"/>
-                    </a:p>
-                  </p:txBody>
-                </p:sp>
-                <p:sp>
-                  <p:nvSpPr>
-                    <p:cNvPr id="318" name="타원 317">
-                      <a:extLst>
-                        <a:ext uri="{FF2B5EF4-FFF2-40B4-BE49-F238E27FC236}">
-                          <a16:creationId xmlns:a16="http://schemas.microsoft.com/office/drawing/2014/main" id="{D9A9C619-532A-482E-B1F9-32B65D316380}"/>
-                        </a:ext>
-                      </a:extLst>
-                    </p:cNvPr>
-                    <p:cNvSpPr/>
-                    <p:nvPr/>
-                  </p:nvSpPr>
-                  <p:spPr>
-                    <a:xfrm>
-                      <a:off x="10531223" y="2372201"/>
-                      <a:ext cx="228003" cy="228003"/>
-                    </a:xfrm>
-                    <a:prstGeom prst="ellipse">
-                      <a:avLst/>
-                    </a:prstGeom>
-                    <a:solidFill>
-                      <a:srgbClr val="00C518"/>
-                    </a:solidFill>
-                    <a:ln w="76200">
-                      <a:noFill/>
-                    </a:ln>
-                  </p:spPr>
-                  <p:style>
-                    <a:lnRef idx="2">
-                      <a:schemeClr val="accent1">
-                        <a:shade val="50000"/>
-                      </a:schemeClr>
-                    </a:lnRef>
-                    <a:fillRef idx="1">
-                      <a:schemeClr val="accent1"/>
-                    </a:fillRef>
-                    <a:effectRef idx="0">
-                      <a:schemeClr val="accent1"/>
-                    </a:effectRef>
-                    <a:fontRef idx="minor">
-                      <a:schemeClr val="lt1"/>
-                    </a:fontRef>
-                  </p:style>
-                  <p:txBody>
-                    <a:bodyPr rtlCol="0" anchor="ctr"/>
-                    <a:lstStyle/>
-                    <a:p>
-                      <a:pPr algn="ctr"/>
-                      <a:endParaRPr lang="ko-KR" altLang="en-US"/>
-                    </a:p>
-                  </p:txBody>
-                </p:sp>
-              </p:grpSp>
-              <p:cxnSp>
-                <p:nvCxnSpPr>
-                  <p:cNvPr id="316" name="직선 연결선 315">
-                    <a:extLst>
-                      <a:ext uri="{FF2B5EF4-FFF2-40B4-BE49-F238E27FC236}">
-                        <a16:creationId xmlns:a16="http://schemas.microsoft.com/office/drawing/2014/main" id="{12555662-7E63-463A-9B02-9A5853E972BF}"/>
-                      </a:ext>
-                    </a:extLst>
-                  </p:cNvPr>
-                  <p:cNvCxnSpPr/>
-                  <p:nvPr/>
-                </p:nvCxnSpPr>
-                <p:spPr>
-                  <a:xfrm>
-                    <a:off x="7219370" y="4148134"/>
-                    <a:ext cx="107366" cy="0"/>
-                  </a:xfrm>
-                  <a:prstGeom prst="line">
-                    <a:avLst/>
-                  </a:prstGeom>
-                  <a:ln w="19050" cap="rnd">
-                    <a:solidFill>
-                      <a:srgbClr val="00C518"/>
-                    </a:solidFill>
-                  </a:ln>
-                </p:spPr>
-                <p:style>
-                  <a:lnRef idx="1">
-                    <a:schemeClr val="accent1"/>
-                  </a:lnRef>
-                  <a:fillRef idx="0">
-                    <a:schemeClr val="accent1"/>
-                  </a:fillRef>
-                  <a:effectRef idx="0">
-                    <a:schemeClr val="accent1"/>
-                  </a:effectRef>
-                  <a:fontRef idx="minor">
-                    <a:schemeClr val="tx1"/>
-                  </a:fontRef>
-                </p:style>
-              </p:cxnSp>
-            </p:grpSp>
-            <p:sp>
-              <p:nvSpPr>
-                <p:cNvPr id="223" name="TextBox 222">
-                  <a:extLst>
-                    <a:ext uri="{FF2B5EF4-FFF2-40B4-BE49-F238E27FC236}">
-                      <a16:creationId xmlns:a16="http://schemas.microsoft.com/office/drawing/2014/main" id="{94846CE3-5656-4A50-9937-EE56026901C1}"/>
-                    </a:ext>
-                  </a:extLst>
-                </p:cNvPr>
-                <p:cNvSpPr txBox="1"/>
-                <p:nvPr/>
-              </p:nvSpPr>
-              <p:spPr>
-                <a:xfrm>
-                  <a:off x="5965866" y="5587168"/>
-                  <a:ext cx="365084" cy="276999"/>
-                </a:xfrm>
-                <a:prstGeom prst="rect">
-                  <a:avLst/>
-                </a:prstGeom>
-                <a:noFill/>
-              </p:spPr>
-              <p:txBody>
-                <a:bodyPr wrap="square" rtlCol="0">
-                  <a:spAutoFit/>
-                </a:bodyPr>
-                <a:lstStyle/>
-                <a:p>
-                  <a:r>
-                    <a:rPr lang="en-US" altLang="ko-KR" sz="1200" b="1" dirty="0">
-                      <a:solidFill>
-                        <a:srgbClr val="00C518"/>
-                      </a:solidFill>
-                    </a:rPr>
-                    <a:t>55</a:t>
-                  </a:r>
-                  <a:endParaRPr lang="ko-KR" altLang="en-US" sz="1200" b="1" dirty="0">
-                    <a:solidFill>
-                      <a:srgbClr val="00C518"/>
-                    </a:solidFill>
-                  </a:endParaRPr>
-                </a:p>
-              </p:txBody>
-            </p:sp>
-            <p:grpSp>
-              <p:nvGrpSpPr>
-                <p:cNvPr id="225" name="그룹 224">
-                  <a:extLst>
-                    <a:ext uri="{FF2B5EF4-FFF2-40B4-BE49-F238E27FC236}">
-                      <a16:creationId xmlns:a16="http://schemas.microsoft.com/office/drawing/2014/main" id="{B0352379-9472-47C0-A5A6-25068F949050}"/>
-                    </a:ext>
-                  </a:extLst>
-                </p:cNvPr>
-                <p:cNvGrpSpPr/>
-                <p:nvPr/>
-              </p:nvGrpSpPr>
-              <p:grpSpPr>
-                <a:xfrm>
-                  <a:off x="6422658" y="5302516"/>
-                  <a:ext cx="263009" cy="263009"/>
-                  <a:chOff x="7141549" y="3956566"/>
-                  <a:chExt cx="263009" cy="263009"/>
-                </a:xfrm>
-              </p:grpSpPr>
-              <p:sp>
-                <p:nvSpPr>
-                  <p:cNvPr id="309" name="타원 308">
-                    <a:extLst>
-                      <a:ext uri="{FF2B5EF4-FFF2-40B4-BE49-F238E27FC236}">
-                        <a16:creationId xmlns:a16="http://schemas.microsoft.com/office/drawing/2014/main" id="{7633915D-DA52-4E18-BA4A-CAF4FC1989A9}"/>
-                      </a:ext>
-                    </a:extLst>
-                  </p:cNvPr>
-                  <p:cNvSpPr/>
-                  <p:nvPr/>
-                </p:nvSpPr>
-                <p:spPr>
-                  <a:xfrm>
-                    <a:off x="7141549" y="3956566"/>
-                    <a:ext cx="263009" cy="263009"/>
-                  </a:xfrm>
-                  <a:prstGeom prst="ellipse">
-                    <a:avLst/>
-                  </a:prstGeom>
-                  <a:noFill/>
-                  <a:ln w="19050">
-                    <a:solidFill>
-                      <a:srgbClr val="00C518"/>
-                    </a:solidFill>
-                  </a:ln>
-                </p:spPr>
-                <p:style>
-                  <a:lnRef idx="2">
-                    <a:schemeClr val="accent1">
-                      <a:shade val="50000"/>
-                    </a:schemeClr>
-                  </a:lnRef>
-                  <a:fillRef idx="1">
-                    <a:schemeClr val="accent1"/>
-                  </a:fillRef>
-                  <a:effectRef idx="0">
-                    <a:schemeClr val="accent1"/>
-                  </a:effectRef>
-                  <a:fontRef idx="minor">
-                    <a:schemeClr val="lt1"/>
-                  </a:fontRef>
-                </p:style>
-                <p:txBody>
-                  <a:bodyPr rtlCol="0" anchor="ctr"/>
-                  <a:lstStyle/>
-                  <a:p>
-                    <a:pPr algn="ctr"/>
-                    <a:endParaRPr lang="ko-KR" altLang="en-US"/>
-                  </a:p>
-                </p:txBody>
-              </p:sp>
-              <p:grpSp>
-                <p:nvGrpSpPr>
-                  <p:cNvPr id="310" name="그룹 309">
-                    <a:extLst>
-                      <a:ext uri="{FF2B5EF4-FFF2-40B4-BE49-F238E27FC236}">
-                        <a16:creationId xmlns:a16="http://schemas.microsoft.com/office/drawing/2014/main" id="{9342A08C-A1DA-4C86-A799-51F15E6BEE50}"/>
-                      </a:ext>
-                    </a:extLst>
-                  </p:cNvPr>
-                  <p:cNvGrpSpPr/>
-                  <p:nvPr/>
-                </p:nvGrpSpPr>
-                <p:grpSpPr>
-                  <a:xfrm>
-                    <a:off x="7180903" y="4042555"/>
-                    <a:ext cx="184302" cy="51201"/>
-                    <a:chOff x="9923978" y="2372201"/>
-                    <a:chExt cx="835248" cy="232040"/>
-                  </a:xfrm>
-                </p:grpSpPr>
-                <p:sp>
-                  <p:nvSpPr>
-                    <p:cNvPr id="312" name="타원 311">
-                      <a:extLst>
-                        <a:ext uri="{FF2B5EF4-FFF2-40B4-BE49-F238E27FC236}">
-                          <a16:creationId xmlns:a16="http://schemas.microsoft.com/office/drawing/2014/main" id="{0FF6BE7E-6DF7-46A6-A5FA-57561884BCE6}"/>
-                        </a:ext>
-                      </a:extLst>
-                    </p:cNvPr>
-                    <p:cNvSpPr/>
-                    <p:nvPr/>
-                  </p:nvSpPr>
-                  <p:spPr>
-                    <a:xfrm>
-                      <a:off x="9923978" y="2376238"/>
-                      <a:ext cx="228003" cy="228003"/>
-                    </a:xfrm>
-                    <a:prstGeom prst="ellipse">
-                      <a:avLst/>
-                    </a:prstGeom>
-                    <a:solidFill>
-                      <a:srgbClr val="00C518"/>
-                    </a:solidFill>
-                    <a:ln w="76200">
-                      <a:noFill/>
-                    </a:ln>
-                  </p:spPr>
-                  <p:style>
-                    <a:lnRef idx="2">
-                      <a:schemeClr val="accent1">
-                        <a:shade val="50000"/>
-                      </a:schemeClr>
-                    </a:lnRef>
-                    <a:fillRef idx="1">
-                      <a:schemeClr val="accent1"/>
-                    </a:fillRef>
-                    <a:effectRef idx="0">
-                      <a:schemeClr val="accent1"/>
-                    </a:effectRef>
-                    <a:fontRef idx="minor">
-                      <a:schemeClr val="lt1"/>
-                    </a:fontRef>
-                  </p:style>
-                  <p:txBody>
-                    <a:bodyPr rtlCol="0" anchor="ctr"/>
-                    <a:lstStyle/>
-                    <a:p>
-                      <a:pPr algn="ctr"/>
-                      <a:endParaRPr lang="ko-KR" altLang="en-US"/>
-                    </a:p>
-                  </p:txBody>
-                </p:sp>
-                <p:sp>
-                  <p:nvSpPr>
-                    <p:cNvPr id="313" name="타원 312">
-                      <a:extLst>
-                        <a:ext uri="{FF2B5EF4-FFF2-40B4-BE49-F238E27FC236}">
-                          <a16:creationId xmlns:a16="http://schemas.microsoft.com/office/drawing/2014/main" id="{A55FF5A7-4361-4332-9954-25B2E5D18D40}"/>
-                        </a:ext>
-                      </a:extLst>
-                    </p:cNvPr>
-                    <p:cNvSpPr/>
-                    <p:nvPr/>
-                  </p:nvSpPr>
-                  <p:spPr>
-                    <a:xfrm>
-                      <a:off x="10531223" y="2372201"/>
-                      <a:ext cx="228003" cy="228003"/>
-                    </a:xfrm>
-                    <a:prstGeom prst="ellipse">
-                      <a:avLst/>
-                    </a:prstGeom>
-                    <a:solidFill>
-                      <a:srgbClr val="00C518"/>
-                    </a:solidFill>
-                    <a:ln w="76200">
-                      <a:noFill/>
-                    </a:ln>
-                  </p:spPr>
-                  <p:style>
-                    <a:lnRef idx="2">
-                      <a:schemeClr val="accent1">
-                        <a:shade val="50000"/>
-                      </a:schemeClr>
-                    </a:lnRef>
-                    <a:fillRef idx="1">
-                      <a:schemeClr val="accent1"/>
-                    </a:fillRef>
-                    <a:effectRef idx="0">
-                      <a:schemeClr val="accent1"/>
-                    </a:effectRef>
-                    <a:fontRef idx="minor">
-                      <a:schemeClr val="lt1"/>
-                    </a:fontRef>
-                  </p:style>
-                  <p:txBody>
-                    <a:bodyPr rtlCol="0" anchor="ctr"/>
-                    <a:lstStyle/>
-                    <a:p>
-                      <a:pPr algn="ctr"/>
-                      <a:endParaRPr lang="ko-KR" altLang="en-US"/>
-                    </a:p>
-                  </p:txBody>
-                </p:sp>
-              </p:grpSp>
-              <p:cxnSp>
-                <p:nvCxnSpPr>
-                  <p:cNvPr id="311" name="직선 연결선 310">
-                    <a:extLst>
-                      <a:ext uri="{FF2B5EF4-FFF2-40B4-BE49-F238E27FC236}">
-                        <a16:creationId xmlns:a16="http://schemas.microsoft.com/office/drawing/2014/main" id="{44C1DF2E-A92B-4DCE-B1D7-56AFF7BF47A9}"/>
-                      </a:ext>
-                    </a:extLst>
-                  </p:cNvPr>
-                  <p:cNvCxnSpPr/>
-                  <p:nvPr/>
-                </p:nvCxnSpPr>
-                <p:spPr>
-                  <a:xfrm>
-                    <a:off x="7219370" y="4148134"/>
-                    <a:ext cx="107366" cy="0"/>
-                  </a:xfrm>
-                  <a:prstGeom prst="line">
-                    <a:avLst/>
-                  </a:prstGeom>
-                  <a:ln w="19050" cap="rnd">
-                    <a:solidFill>
-                      <a:srgbClr val="00C518"/>
-                    </a:solidFill>
-                  </a:ln>
-                </p:spPr>
-                <p:style>
-                  <a:lnRef idx="1">
-                    <a:schemeClr val="accent1"/>
-                  </a:lnRef>
-                  <a:fillRef idx="0">
-                    <a:schemeClr val="accent1"/>
-                  </a:fillRef>
-                  <a:effectRef idx="0">
-                    <a:schemeClr val="accent1"/>
-                  </a:effectRef>
-                  <a:fontRef idx="minor">
-                    <a:schemeClr val="tx1"/>
-                  </a:fontRef>
-                </p:style>
-              </p:cxnSp>
-            </p:grpSp>
-            <p:sp>
-              <p:nvSpPr>
-                <p:cNvPr id="226" name="TextBox 225">
-                  <a:extLst>
-                    <a:ext uri="{FF2B5EF4-FFF2-40B4-BE49-F238E27FC236}">
-                      <a16:creationId xmlns:a16="http://schemas.microsoft.com/office/drawing/2014/main" id="{E180D8C4-1C7E-4896-8007-A05D91CDE884}"/>
-                    </a:ext>
-                  </a:extLst>
-                </p:cNvPr>
-                <p:cNvSpPr txBox="1"/>
-                <p:nvPr/>
-              </p:nvSpPr>
-              <p:spPr>
-                <a:xfrm>
-                  <a:off x="6319634" y="5593518"/>
-                  <a:ext cx="469056" cy="276999"/>
-                </a:xfrm>
-                <a:prstGeom prst="rect">
-                  <a:avLst/>
-                </a:prstGeom>
-                <a:noFill/>
-              </p:spPr>
-              <p:txBody>
-                <a:bodyPr wrap="square" rtlCol="0">
-                  <a:spAutoFit/>
-                </a:bodyPr>
-                <a:lstStyle/>
-                <a:p>
-                  <a:r>
-                    <a:rPr lang="en-US" altLang="ko-KR" sz="1200" b="1" dirty="0">
-                      <a:solidFill>
-                        <a:srgbClr val="00C518"/>
-                      </a:solidFill>
-                    </a:rPr>
-                    <a:t>100</a:t>
-                  </a:r>
-                  <a:endParaRPr lang="ko-KR" altLang="en-US" sz="1200" b="1" dirty="0">
-                    <a:solidFill>
-                      <a:srgbClr val="00C518"/>
-                    </a:solidFill>
-                  </a:endParaRPr>
-                </a:p>
-              </p:txBody>
-            </p:sp>
-            <p:sp>
-              <p:nvSpPr>
-                <p:cNvPr id="227" name="TextBox 226">
-                  <a:extLst>
-                    <a:ext uri="{FF2B5EF4-FFF2-40B4-BE49-F238E27FC236}">
-                      <a16:creationId xmlns:a16="http://schemas.microsoft.com/office/drawing/2014/main" id="{7597BF79-C945-4EBC-BAD0-D3830F748D8E}"/>
-                    </a:ext>
-                  </a:extLst>
-                </p:cNvPr>
-                <p:cNvSpPr txBox="1"/>
-                <p:nvPr/>
-              </p:nvSpPr>
-              <p:spPr>
-                <a:xfrm>
-                  <a:off x="6714021" y="5595902"/>
-                  <a:ext cx="469056" cy="276999"/>
-                </a:xfrm>
-                <a:prstGeom prst="rect">
-                  <a:avLst/>
-                </a:prstGeom>
-                <a:noFill/>
-              </p:spPr>
-              <p:txBody>
-                <a:bodyPr wrap="square" rtlCol="0">
-                  <a:spAutoFit/>
-                </a:bodyPr>
-                <a:lstStyle/>
-                <a:p>
-                  <a:r>
-                    <a:rPr lang="en-US" altLang="ko-KR" sz="1200" b="1" dirty="0">
-                      <a:solidFill>
-                        <a:srgbClr val="FDA163"/>
-                      </a:solidFill>
-                    </a:rPr>
-                    <a:t>270</a:t>
-                  </a:r>
-                  <a:endParaRPr lang="ko-KR" altLang="en-US" sz="1200" b="1" dirty="0">
-                    <a:solidFill>
-                      <a:srgbClr val="FDA163"/>
-                    </a:solidFill>
-                  </a:endParaRPr>
-                </a:p>
-              </p:txBody>
-            </p:sp>
-            <p:grpSp>
-              <p:nvGrpSpPr>
-                <p:cNvPr id="228" name="그룹 227">
-                  <a:extLst>
-                    <a:ext uri="{FF2B5EF4-FFF2-40B4-BE49-F238E27FC236}">
-                      <a16:creationId xmlns:a16="http://schemas.microsoft.com/office/drawing/2014/main" id="{9AAEDDD2-CA0C-44E0-AB66-DD09AA4266EB}"/>
-                    </a:ext>
-                  </a:extLst>
-                </p:cNvPr>
-                <p:cNvGrpSpPr/>
-                <p:nvPr/>
-              </p:nvGrpSpPr>
-              <p:grpSpPr>
-                <a:xfrm>
-                  <a:off x="6817045" y="5301071"/>
-                  <a:ext cx="263009" cy="263009"/>
-                  <a:chOff x="11338237" y="7031342"/>
-                  <a:chExt cx="263009" cy="263009"/>
-                </a:xfrm>
-              </p:grpSpPr>
-              <p:sp>
-                <p:nvSpPr>
-                  <p:cNvPr id="304" name="타원 303">
-                    <a:extLst>
-                      <a:ext uri="{FF2B5EF4-FFF2-40B4-BE49-F238E27FC236}">
-                        <a16:creationId xmlns:a16="http://schemas.microsoft.com/office/drawing/2014/main" id="{13D045FC-8D46-442F-B987-6D4E06571D7E}"/>
-                      </a:ext>
-                    </a:extLst>
-                  </p:cNvPr>
-                  <p:cNvSpPr/>
-                  <p:nvPr/>
-                </p:nvSpPr>
-                <p:spPr>
-                  <a:xfrm>
-                    <a:off x="11338237" y="7031342"/>
-                    <a:ext cx="263009" cy="263009"/>
-                  </a:xfrm>
-                  <a:prstGeom prst="ellipse">
-                    <a:avLst/>
-                  </a:prstGeom>
-                  <a:noFill/>
-                  <a:ln w="19050">
-                    <a:solidFill>
-                      <a:srgbClr val="FDA163"/>
-                    </a:solidFill>
-                  </a:ln>
-                </p:spPr>
-                <p:style>
-                  <a:lnRef idx="2">
-                    <a:schemeClr val="accent1">
-                      <a:shade val="50000"/>
-                    </a:schemeClr>
-                  </a:lnRef>
-                  <a:fillRef idx="1">
-                    <a:schemeClr val="accent1"/>
-                  </a:fillRef>
-                  <a:effectRef idx="0">
-                    <a:schemeClr val="accent1"/>
-                  </a:effectRef>
-                  <a:fontRef idx="minor">
-                    <a:schemeClr val="lt1"/>
-                  </a:fontRef>
-                </p:style>
-                <p:txBody>
-                  <a:bodyPr rtlCol="0" anchor="ctr"/>
-                  <a:lstStyle/>
-                  <a:p>
-                    <a:pPr algn="ctr"/>
-                    <a:endParaRPr lang="ko-KR" altLang="en-US">
-                      <a:solidFill>
-                        <a:srgbClr val="FDA163"/>
-                      </a:solidFill>
-                    </a:endParaRPr>
-                  </a:p>
-                </p:txBody>
-              </p:sp>
-              <p:cxnSp>
-                <p:nvCxnSpPr>
-                  <p:cNvPr id="305" name="직선 연결선 304">
-                    <a:extLst>
-                      <a:ext uri="{FF2B5EF4-FFF2-40B4-BE49-F238E27FC236}">
-                        <a16:creationId xmlns:a16="http://schemas.microsoft.com/office/drawing/2014/main" id="{942DED13-3B0D-4A02-966A-7046777EC46C}"/>
-                      </a:ext>
-                    </a:extLst>
-                  </p:cNvPr>
-                  <p:cNvCxnSpPr>
-                    <a:cxnSpLocks/>
-                  </p:cNvCxnSpPr>
-                  <p:nvPr/>
-                </p:nvCxnSpPr>
-                <p:spPr>
-                  <a:xfrm>
-                    <a:off x="11426933" y="7225150"/>
-                    <a:ext cx="85617" cy="0"/>
-                  </a:xfrm>
-                  <a:prstGeom prst="line">
-                    <a:avLst/>
-                  </a:prstGeom>
-                  <a:ln w="15875">
-                    <a:solidFill>
-                      <a:srgbClr val="FDA163"/>
-                    </a:solidFill>
-                  </a:ln>
-                </p:spPr>
-                <p:style>
-                  <a:lnRef idx="1">
-                    <a:schemeClr val="accent1"/>
-                  </a:lnRef>
-                  <a:fillRef idx="0">
-                    <a:schemeClr val="accent1"/>
-                  </a:fillRef>
-                  <a:effectRef idx="0">
-                    <a:schemeClr val="accent1"/>
-                  </a:effectRef>
-                  <a:fontRef idx="minor">
-                    <a:schemeClr val="tx1"/>
-                  </a:fontRef>
-                </p:style>
-              </p:cxnSp>
-              <p:grpSp>
-                <p:nvGrpSpPr>
-                  <p:cNvPr id="306" name="그룹 305">
-                    <a:extLst>
-                      <a:ext uri="{FF2B5EF4-FFF2-40B4-BE49-F238E27FC236}">
-                        <a16:creationId xmlns:a16="http://schemas.microsoft.com/office/drawing/2014/main" id="{DD3A35B9-9F1E-4709-9696-63D34D719AF6}"/>
-                      </a:ext>
-                    </a:extLst>
-                  </p:cNvPr>
-                  <p:cNvGrpSpPr/>
-                  <p:nvPr/>
-                </p:nvGrpSpPr>
-                <p:grpSpPr>
-                  <a:xfrm>
-                    <a:off x="11397608" y="7117391"/>
-                    <a:ext cx="144266" cy="40481"/>
-                    <a:chOff x="11397608" y="7117391"/>
-                    <a:chExt cx="144266" cy="40481"/>
-                  </a:xfrm>
-                </p:grpSpPr>
-                <p:cxnSp>
-                  <p:nvCxnSpPr>
-                    <p:cNvPr id="307" name="직선 연결선 306">
-                      <a:extLst>
-                        <a:ext uri="{FF2B5EF4-FFF2-40B4-BE49-F238E27FC236}">
-                          <a16:creationId xmlns:a16="http://schemas.microsoft.com/office/drawing/2014/main" id="{E3CED91D-C40B-41F6-A6EC-CE66A89CE03A}"/>
-                        </a:ext>
-                      </a:extLst>
-                    </p:cNvPr>
-                    <p:cNvCxnSpPr>
-                      <a:cxnSpLocks/>
-                    </p:cNvCxnSpPr>
-                    <p:nvPr/>
-                  </p:nvCxnSpPr>
-                  <p:spPr>
-                    <a:xfrm rot="18900000">
-                      <a:off x="11397608" y="7117391"/>
-                      <a:ext cx="40481" cy="40481"/>
-                    </a:xfrm>
-                    <a:prstGeom prst="line">
-                      <a:avLst/>
-                    </a:prstGeom>
-                    <a:ln w="15875">
-                      <a:solidFill>
-                        <a:srgbClr val="FDA163"/>
-                      </a:solidFill>
-                    </a:ln>
-                  </p:spPr>
-                  <p:style>
-                    <a:lnRef idx="1">
-                      <a:schemeClr val="accent1"/>
-                    </a:lnRef>
-                    <a:fillRef idx="0">
-                      <a:schemeClr val="accent1"/>
-                    </a:fillRef>
-                    <a:effectRef idx="0">
-                      <a:schemeClr val="accent1"/>
-                    </a:effectRef>
-                    <a:fontRef idx="minor">
-                      <a:schemeClr val="tx1"/>
-                    </a:fontRef>
-                  </p:style>
-                </p:cxnSp>
-                <p:cxnSp>
-                  <p:nvCxnSpPr>
-                    <p:cNvPr id="308" name="직선 연결선 307">
-                      <a:extLst>
-                        <a:ext uri="{FF2B5EF4-FFF2-40B4-BE49-F238E27FC236}">
-                          <a16:creationId xmlns:a16="http://schemas.microsoft.com/office/drawing/2014/main" id="{FB063D65-9C95-4303-8927-06295E0DC668}"/>
-                        </a:ext>
-                      </a:extLst>
-                    </p:cNvPr>
-                    <p:cNvCxnSpPr>
-                      <a:cxnSpLocks/>
-                    </p:cNvCxnSpPr>
-                    <p:nvPr/>
-                  </p:nvCxnSpPr>
-                  <p:spPr>
-                    <a:xfrm rot="18900000">
-                      <a:off x="11501393" y="7117391"/>
-                      <a:ext cx="40481" cy="40481"/>
-                    </a:xfrm>
-                    <a:prstGeom prst="line">
-                      <a:avLst/>
-                    </a:prstGeom>
-                    <a:ln w="15875">
-                      <a:solidFill>
-                        <a:srgbClr val="FDA163"/>
-                      </a:solidFill>
-                    </a:ln>
-                  </p:spPr>
-                  <p:style>
-                    <a:lnRef idx="1">
-                      <a:schemeClr val="accent1"/>
-                    </a:lnRef>
-                    <a:fillRef idx="0">
-                      <a:schemeClr val="accent1"/>
-                    </a:fillRef>
-                    <a:effectRef idx="0">
-                      <a:schemeClr val="accent1"/>
-                    </a:effectRef>
-                    <a:fontRef idx="minor">
-                      <a:schemeClr val="tx1"/>
-                    </a:fontRef>
-                  </p:style>
-                </p:cxnSp>
-              </p:grpSp>
-            </p:grpSp>
-            <p:sp>
-              <p:nvSpPr>
-                <p:cNvPr id="229" name="TextBox 228">
-                  <a:extLst>
-                    <a:ext uri="{FF2B5EF4-FFF2-40B4-BE49-F238E27FC236}">
-                      <a16:creationId xmlns:a16="http://schemas.microsoft.com/office/drawing/2014/main" id="{47B70F54-7F5D-4597-A7E7-43959D9F660E}"/>
-                    </a:ext>
-                  </a:extLst>
-                </p:cNvPr>
-                <p:cNvSpPr txBox="1"/>
-                <p:nvPr/>
-              </p:nvSpPr>
-              <p:spPr>
-                <a:xfrm>
-                  <a:off x="7131901" y="5595902"/>
-                  <a:ext cx="469056" cy="276999"/>
-                </a:xfrm>
-                <a:prstGeom prst="rect">
-                  <a:avLst/>
-                </a:prstGeom>
-                <a:noFill/>
-              </p:spPr>
-              <p:txBody>
-                <a:bodyPr wrap="square" rtlCol="0">
-                  <a:spAutoFit/>
-                </a:bodyPr>
-                <a:lstStyle/>
-                <a:p>
-                  <a:r>
-                    <a:rPr lang="en-US" altLang="ko-KR" sz="1200" b="1" dirty="0">
-                      <a:solidFill>
-                        <a:srgbClr val="FDA163"/>
-                      </a:solidFill>
-                    </a:rPr>
-                    <a:t>400</a:t>
-                  </a:r>
-                  <a:endParaRPr lang="ko-KR" altLang="en-US" sz="1200" b="1" dirty="0">
-                    <a:solidFill>
-                      <a:srgbClr val="FDA163"/>
-                    </a:solidFill>
-                  </a:endParaRPr>
-                </a:p>
-              </p:txBody>
-            </p:sp>
-            <p:grpSp>
-              <p:nvGrpSpPr>
-                <p:cNvPr id="237" name="그룹 236">
-                  <a:extLst>
-                    <a:ext uri="{FF2B5EF4-FFF2-40B4-BE49-F238E27FC236}">
-                      <a16:creationId xmlns:a16="http://schemas.microsoft.com/office/drawing/2014/main" id="{EB170C7F-9F51-4B6D-B8A2-86F1151B844A}"/>
-                    </a:ext>
-                  </a:extLst>
-                </p:cNvPr>
-                <p:cNvGrpSpPr/>
-                <p:nvPr/>
-              </p:nvGrpSpPr>
-              <p:grpSpPr>
-                <a:xfrm>
-                  <a:off x="7234925" y="5301071"/>
-                  <a:ext cx="263009" cy="263009"/>
-                  <a:chOff x="11338237" y="7031342"/>
-                  <a:chExt cx="263009" cy="263009"/>
-                </a:xfrm>
-              </p:grpSpPr>
-              <p:sp>
-                <p:nvSpPr>
-                  <p:cNvPr id="299" name="타원 298">
-                    <a:extLst>
-                      <a:ext uri="{FF2B5EF4-FFF2-40B4-BE49-F238E27FC236}">
-                        <a16:creationId xmlns:a16="http://schemas.microsoft.com/office/drawing/2014/main" id="{142759B0-E62E-4561-86D1-C835BCE81706}"/>
-                      </a:ext>
-                    </a:extLst>
-                  </p:cNvPr>
-                  <p:cNvSpPr/>
-                  <p:nvPr/>
-                </p:nvSpPr>
-                <p:spPr>
-                  <a:xfrm>
-                    <a:off x="11338237" y="7031342"/>
-                    <a:ext cx="263009" cy="263009"/>
-                  </a:xfrm>
-                  <a:prstGeom prst="ellipse">
-                    <a:avLst/>
-                  </a:prstGeom>
-                  <a:noFill/>
-                  <a:ln w="19050">
-                    <a:solidFill>
-                      <a:srgbClr val="FDA163"/>
-                    </a:solidFill>
-                  </a:ln>
-                </p:spPr>
-                <p:style>
-                  <a:lnRef idx="2">
-                    <a:schemeClr val="accent1">
-                      <a:shade val="50000"/>
-                    </a:schemeClr>
-                  </a:lnRef>
-                  <a:fillRef idx="1">
-                    <a:schemeClr val="accent1"/>
-                  </a:fillRef>
-                  <a:effectRef idx="0">
-                    <a:schemeClr val="accent1"/>
-                  </a:effectRef>
-                  <a:fontRef idx="minor">
-                    <a:schemeClr val="lt1"/>
-                  </a:fontRef>
-                </p:style>
-                <p:txBody>
-                  <a:bodyPr rtlCol="0" anchor="ctr"/>
-                  <a:lstStyle/>
-                  <a:p>
-                    <a:pPr algn="ctr"/>
-                    <a:endParaRPr lang="ko-KR" altLang="en-US">
-                      <a:solidFill>
-                        <a:srgbClr val="FDA163"/>
-                      </a:solidFill>
-                    </a:endParaRPr>
-                  </a:p>
-                </p:txBody>
-              </p:sp>
-              <p:cxnSp>
-                <p:nvCxnSpPr>
-                  <p:cNvPr id="300" name="직선 연결선 299">
-                    <a:extLst>
-                      <a:ext uri="{FF2B5EF4-FFF2-40B4-BE49-F238E27FC236}">
-                        <a16:creationId xmlns:a16="http://schemas.microsoft.com/office/drawing/2014/main" id="{23682C8A-A28C-4610-902A-95D0113027D8}"/>
-                      </a:ext>
-                    </a:extLst>
-                  </p:cNvPr>
-                  <p:cNvCxnSpPr>
-                    <a:cxnSpLocks/>
-                  </p:cNvCxnSpPr>
-                  <p:nvPr/>
-                </p:nvCxnSpPr>
-                <p:spPr>
-                  <a:xfrm>
-                    <a:off x="11426933" y="7225150"/>
-                    <a:ext cx="85617" cy="0"/>
-                  </a:xfrm>
-                  <a:prstGeom prst="line">
-                    <a:avLst/>
-                  </a:prstGeom>
-                  <a:ln w="15875">
-                    <a:solidFill>
-                      <a:srgbClr val="FDA163"/>
-                    </a:solidFill>
-                  </a:ln>
-                </p:spPr>
-                <p:style>
-                  <a:lnRef idx="1">
-                    <a:schemeClr val="accent1"/>
-                  </a:lnRef>
-                  <a:fillRef idx="0">
-                    <a:schemeClr val="accent1"/>
-                  </a:fillRef>
-                  <a:effectRef idx="0">
-                    <a:schemeClr val="accent1"/>
-                  </a:effectRef>
-                  <a:fontRef idx="minor">
-                    <a:schemeClr val="tx1"/>
-                  </a:fontRef>
-                </p:style>
-              </p:cxnSp>
-              <p:grpSp>
-                <p:nvGrpSpPr>
-                  <p:cNvPr id="301" name="그룹 300">
-                    <a:extLst>
-                      <a:ext uri="{FF2B5EF4-FFF2-40B4-BE49-F238E27FC236}">
-                        <a16:creationId xmlns:a16="http://schemas.microsoft.com/office/drawing/2014/main" id="{97F33D6A-ED55-454B-A60B-14D9F9600E33}"/>
-                      </a:ext>
-                    </a:extLst>
-                  </p:cNvPr>
-                  <p:cNvGrpSpPr/>
-                  <p:nvPr/>
-                </p:nvGrpSpPr>
-                <p:grpSpPr>
-                  <a:xfrm>
-                    <a:off x="11397608" y="7117391"/>
-                    <a:ext cx="144266" cy="40481"/>
-                    <a:chOff x="11397608" y="7117391"/>
-                    <a:chExt cx="144266" cy="40481"/>
-                  </a:xfrm>
-                </p:grpSpPr>
-                <p:cxnSp>
-                  <p:nvCxnSpPr>
-                    <p:cNvPr id="302" name="직선 연결선 301">
-                      <a:extLst>
-                        <a:ext uri="{FF2B5EF4-FFF2-40B4-BE49-F238E27FC236}">
-                          <a16:creationId xmlns:a16="http://schemas.microsoft.com/office/drawing/2014/main" id="{EE96E59D-E916-4276-9CD1-E16B3A8740B0}"/>
-                        </a:ext>
-                      </a:extLst>
-                    </p:cNvPr>
-                    <p:cNvCxnSpPr>
-                      <a:cxnSpLocks/>
-                    </p:cNvCxnSpPr>
-                    <p:nvPr/>
-                  </p:nvCxnSpPr>
-                  <p:spPr>
-                    <a:xfrm rot="18900000">
-                      <a:off x="11397608" y="7117391"/>
-                      <a:ext cx="40481" cy="40481"/>
-                    </a:xfrm>
-                    <a:prstGeom prst="line">
-                      <a:avLst/>
-                    </a:prstGeom>
-                    <a:ln w="15875">
-                      <a:solidFill>
-                        <a:srgbClr val="FDA163"/>
-                      </a:solidFill>
-                    </a:ln>
-                  </p:spPr>
-                  <p:style>
-                    <a:lnRef idx="1">
-                      <a:schemeClr val="accent1"/>
-                    </a:lnRef>
-                    <a:fillRef idx="0">
-                      <a:schemeClr val="accent1"/>
-                    </a:fillRef>
-                    <a:effectRef idx="0">
-                      <a:schemeClr val="accent1"/>
-                    </a:effectRef>
-                    <a:fontRef idx="minor">
-                      <a:schemeClr val="tx1"/>
-                    </a:fontRef>
-                  </p:style>
-                </p:cxnSp>
-                <p:cxnSp>
-                  <p:nvCxnSpPr>
-                    <p:cNvPr id="303" name="직선 연결선 302">
-                      <a:extLst>
-                        <a:ext uri="{FF2B5EF4-FFF2-40B4-BE49-F238E27FC236}">
-                          <a16:creationId xmlns:a16="http://schemas.microsoft.com/office/drawing/2014/main" id="{CAB6D1BE-81CA-40D6-9833-5BDC124AA839}"/>
-                        </a:ext>
-                      </a:extLst>
-                    </p:cNvPr>
-                    <p:cNvCxnSpPr>
-                      <a:cxnSpLocks/>
-                    </p:cNvCxnSpPr>
-                    <p:nvPr/>
-                  </p:nvCxnSpPr>
-                  <p:spPr>
-                    <a:xfrm rot="18900000">
-                      <a:off x="11501393" y="7117391"/>
-                      <a:ext cx="40481" cy="40481"/>
-                    </a:xfrm>
-                    <a:prstGeom prst="line">
-                      <a:avLst/>
-                    </a:prstGeom>
-                    <a:ln w="15875">
-                      <a:solidFill>
-                        <a:srgbClr val="FDA163"/>
-                      </a:solidFill>
-                    </a:ln>
-                  </p:spPr>
-                  <p:style>
-                    <a:lnRef idx="1">
-                      <a:schemeClr val="accent1"/>
-                    </a:lnRef>
-                    <a:fillRef idx="0">
-                      <a:schemeClr val="accent1"/>
-                    </a:fillRef>
-                    <a:effectRef idx="0">
-                      <a:schemeClr val="accent1"/>
-                    </a:effectRef>
-                    <a:fontRef idx="minor">
-                      <a:schemeClr val="tx1"/>
-                    </a:fontRef>
-                  </p:style>
-                </p:cxnSp>
-              </p:grpSp>
-            </p:grpSp>
-            <p:sp>
-              <p:nvSpPr>
-                <p:cNvPr id="238" name="TextBox 237">
-                  <a:extLst>
-                    <a:ext uri="{FF2B5EF4-FFF2-40B4-BE49-F238E27FC236}">
-                      <a16:creationId xmlns:a16="http://schemas.microsoft.com/office/drawing/2014/main" id="{AC392617-7ACB-476A-A8F7-7BA50700DB1B}"/>
-                    </a:ext>
-                  </a:extLst>
-                </p:cNvPr>
-                <p:cNvSpPr txBox="1"/>
-                <p:nvPr/>
-              </p:nvSpPr>
-              <p:spPr>
-                <a:xfrm>
-                  <a:off x="7513105" y="5595902"/>
-                  <a:ext cx="469056" cy="276999"/>
-                </a:xfrm>
-                <a:prstGeom prst="rect">
-                  <a:avLst/>
-                </a:prstGeom>
-                <a:noFill/>
-              </p:spPr>
-              <p:txBody>
-                <a:bodyPr wrap="square" rtlCol="0">
-                  <a:spAutoFit/>
-                </a:bodyPr>
-                <a:lstStyle/>
-                <a:p>
-                  <a:r>
-                    <a:rPr lang="en-US" altLang="ko-KR" sz="1200" b="1" dirty="0">
-                      <a:solidFill>
-                        <a:srgbClr val="FDA163"/>
-                      </a:solidFill>
-                    </a:rPr>
-                    <a:t>310</a:t>
-                  </a:r>
-                  <a:endParaRPr lang="ko-KR" altLang="en-US" sz="1200" b="1" dirty="0">
-                    <a:solidFill>
-                      <a:srgbClr val="FDA163"/>
-                    </a:solidFill>
-                  </a:endParaRPr>
-                </a:p>
-              </p:txBody>
-            </p:sp>
-            <p:grpSp>
-              <p:nvGrpSpPr>
-                <p:cNvPr id="240" name="그룹 239">
-                  <a:extLst>
-                    <a:ext uri="{FF2B5EF4-FFF2-40B4-BE49-F238E27FC236}">
-                      <a16:creationId xmlns:a16="http://schemas.microsoft.com/office/drawing/2014/main" id="{1A893BE5-6C33-4C1B-B123-C4958DA640BE}"/>
-                    </a:ext>
-                  </a:extLst>
-                </p:cNvPr>
-                <p:cNvGrpSpPr/>
-                <p:nvPr/>
-              </p:nvGrpSpPr>
-              <p:grpSpPr>
-                <a:xfrm>
-                  <a:off x="7616129" y="5301071"/>
-                  <a:ext cx="263009" cy="263009"/>
-                  <a:chOff x="11338237" y="7031342"/>
-                  <a:chExt cx="263009" cy="263009"/>
-                </a:xfrm>
-              </p:grpSpPr>
-              <p:sp>
-                <p:nvSpPr>
-                  <p:cNvPr id="294" name="타원 293">
-                    <a:extLst>
-                      <a:ext uri="{FF2B5EF4-FFF2-40B4-BE49-F238E27FC236}">
-                        <a16:creationId xmlns:a16="http://schemas.microsoft.com/office/drawing/2014/main" id="{5F793B46-62C2-4CE9-BFB6-52E0A9DA1FE0}"/>
-                      </a:ext>
-                    </a:extLst>
-                  </p:cNvPr>
-                  <p:cNvSpPr/>
-                  <p:nvPr/>
-                </p:nvSpPr>
-                <p:spPr>
-                  <a:xfrm>
-                    <a:off x="11338237" y="7031342"/>
-                    <a:ext cx="263009" cy="263009"/>
-                  </a:xfrm>
-                  <a:prstGeom prst="ellipse">
-                    <a:avLst/>
-                  </a:prstGeom>
-                  <a:noFill/>
-                  <a:ln w="19050">
-                    <a:solidFill>
-                      <a:srgbClr val="FDA163"/>
-                    </a:solidFill>
-                  </a:ln>
-                </p:spPr>
-                <p:style>
-                  <a:lnRef idx="2">
-                    <a:schemeClr val="accent1">
-                      <a:shade val="50000"/>
-                    </a:schemeClr>
-                  </a:lnRef>
-                  <a:fillRef idx="1">
-                    <a:schemeClr val="accent1"/>
-                  </a:fillRef>
-                  <a:effectRef idx="0">
-                    <a:schemeClr val="accent1"/>
-                  </a:effectRef>
-                  <a:fontRef idx="minor">
-                    <a:schemeClr val="lt1"/>
-                  </a:fontRef>
-                </p:style>
-                <p:txBody>
-                  <a:bodyPr rtlCol="0" anchor="ctr"/>
-                  <a:lstStyle/>
-                  <a:p>
-                    <a:pPr algn="ctr"/>
-                    <a:endParaRPr lang="ko-KR" altLang="en-US">
-                      <a:solidFill>
-                        <a:srgbClr val="FDA163"/>
-                      </a:solidFill>
-                    </a:endParaRPr>
-                  </a:p>
-                </p:txBody>
-              </p:sp>
-              <p:cxnSp>
-                <p:nvCxnSpPr>
-                  <p:cNvPr id="295" name="직선 연결선 294">
-                    <a:extLst>
-                      <a:ext uri="{FF2B5EF4-FFF2-40B4-BE49-F238E27FC236}">
-                        <a16:creationId xmlns:a16="http://schemas.microsoft.com/office/drawing/2014/main" id="{36B22123-A2A4-4713-A875-73596CA6C87B}"/>
-                      </a:ext>
-                    </a:extLst>
-                  </p:cNvPr>
-                  <p:cNvCxnSpPr>
-                    <a:cxnSpLocks/>
-                  </p:cNvCxnSpPr>
-                  <p:nvPr/>
-                </p:nvCxnSpPr>
-                <p:spPr>
-                  <a:xfrm>
-                    <a:off x="11426933" y="7225150"/>
-                    <a:ext cx="85617" cy="0"/>
-                  </a:xfrm>
-                  <a:prstGeom prst="line">
-                    <a:avLst/>
-                  </a:prstGeom>
-                  <a:ln w="15875">
-                    <a:solidFill>
-                      <a:srgbClr val="FDA163"/>
-                    </a:solidFill>
-                  </a:ln>
-                </p:spPr>
-                <p:style>
-                  <a:lnRef idx="1">
-                    <a:schemeClr val="accent1"/>
-                  </a:lnRef>
-                  <a:fillRef idx="0">
-                    <a:schemeClr val="accent1"/>
-                  </a:fillRef>
-                  <a:effectRef idx="0">
-                    <a:schemeClr val="accent1"/>
-                  </a:effectRef>
-                  <a:fontRef idx="minor">
-                    <a:schemeClr val="tx1"/>
-                  </a:fontRef>
-                </p:style>
-              </p:cxnSp>
-              <p:grpSp>
-                <p:nvGrpSpPr>
-                  <p:cNvPr id="296" name="그룹 295">
-                    <a:extLst>
-                      <a:ext uri="{FF2B5EF4-FFF2-40B4-BE49-F238E27FC236}">
-                        <a16:creationId xmlns:a16="http://schemas.microsoft.com/office/drawing/2014/main" id="{0DB55875-6EAF-490E-B24B-2E7338ED07B8}"/>
-                      </a:ext>
-                    </a:extLst>
-                  </p:cNvPr>
-                  <p:cNvGrpSpPr/>
-                  <p:nvPr/>
-                </p:nvGrpSpPr>
-                <p:grpSpPr>
-                  <a:xfrm>
-                    <a:off x="11397608" y="7117391"/>
-                    <a:ext cx="144266" cy="40481"/>
-                    <a:chOff x="11397608" y="7117391"/>
-                    <a:chExt cx="144266" cy="40481"/>
-                  </a:xfrm>
-                </p:grpSpPr>
-                <p:cxnSp>
-                  <p:nvCxnSpPr>
-                    <p:cNvPr id="297" name="직선 연결선 296">
-                      <a:extLst>
-                        <a:ext uri="{FF2B5EF4-FFF2-40B4-BE49-F238E27FC236}">
-                          <a16:creationId xmlns:a16="http://schemas.microsoft.com/office/drawing/2014/main" id="{E7906DAF-8589-46BC-9244-69A0A3B47CFC}"/>
-                        </a:ext>
-                      </a:extLst>
-                    </p:cNvPr>
-                    <p:cNvCxnSpPr>
-                      <a:cxnSpLocks/>
-                    </p:cNvCxnSpPr>
-                    <p:nvPr/>
-                  </p:nvCxnSpPr>
-                  <p:spPr>
-                    <a:xfrm rot="18900000">
-                      <a:off x="11397608" y="7117391"/>
-                      <a:ext cx="40481" cy="40481"/>
-                    </a:xfrm>
-                    <a:prstGeom prst="line">
-                      <a:avLst/>
-                    </a:prstGeom>
-                    <a:ln w="15875">
-                      <a:solidFill>
-                        <a:srgbClr val="FDA163"/>
-                      </a:solidFill>
-                    </a:ln>
-                  </p:spPr>
-                  <p:style>
-                    <a:lnRef idx="1">
-                      <a:schemeClr val="accent1"/>
-                    </a:lnRef>
-                    <a:fillRef idx="0">
-                      <a:schemeClr val="accent1"/>
-                    </a:fillRef>
-                    <a:effectRef idx="0">
-                      <a:schemeClr val="accent1"/>
-                    </a:effectRef>
-                    <a:fontRef idx="minor">
-                      <a:schemeClr val="tx1"/>
-                    </a:fontRef>
-                  </p:style>
-                </p:cxnSp>
-                <p:cxnSp>
-                  <p:nvCxnSpPr>
-                    <p:cNvPr id="298" name="직선 연결선 297">
-                      <a:extLst>
-                        <a:ext uri="{FF2B5EF4-FFF2-40B4-BE49-F238E27FC236}">
-                          <a16:creationId xmlns:a16="http://schemas.microsoft.com/office/drawing/2014/main" id="{B45E5F7D-1A85-406A-8B7E-0F55710FAA71}"/>
-                        </a:ext>
-                      </a:extLst>
-                    </p:cNvPr>
-                    <p:cNvCxnSpPr>
-                      <a:cxnSpLocks/>
-                    </p:cNvCxnSpPr>
-                    <p:nvPr/>
-                  </p:nvCxnSpPr>
-                  <p:spPr>
-                    <a:xfrm rot="18900000">
-                      <a:off x="11501393" y="7117391"/>
-                      <a:ext cx="40481" cy="40481"/>
-                    </a:xfrm>
-                    <a:prstGeom prst="line">
-                      <a:avLst/>
-                    </a:prstGeom>
-                    <a:ln w="15875">
-                      <a:solidFill>
-                        <a:srgbClr val="FDA163"/>
-                      </a:solidFill>
-                    </a:ln>
-                  </p:spPr>
-                  <p:style>
-                    <a:lnRef idx="1">
-                      <a:schemeClr val="accent1"/>
-                    </a:lnRef>
-                    <a:fillRef idx="0">
-                      <a:schemeClr val="accent1"/>
-                    </a:fillRef>
-                    <a:effectRef idx="0">
-                      <a:schemeClr val="accent1"/>
-                    </a:effectRef>
-                    <a:fontRef idx="minor">
-                      <a:schemeClr val="tx1"/>
-                    </a:fontRef>
-                  </p:style>
-                </p:cxnSp>
-              </p:grpSp>
-            </p:grpSp>
-            <p:grpSp>
-              <p:nvGrpSpPr>
-                <p:cNvPr id="241" name="그룹 240">
-                  <a:extLst>
-                    <a:ext uri="{FF2B5EF4-FFF2-40B4-BE49-F238E27FC236}">
-                      <a16:creationId xmlns:a16="http://schemas.microsoft.com/office/drawing/2014/main" id="{B0EF9799-4D6A-4B1D-BAA0-04108E09627D}"/>
-                    </a:ext>
-                  </a:extLst>
-                </p:cNvPr>
-                <p:cNvGrpSpPr/>
-                <p:nvPr/>
-              </p:nvGrpSpPr>
-              <p:grpSpPr>
-                <a:xfrm>
-                  <a:off x="8031920" y="5302516"/>
-                  <a:ext cx="263009" cy="263009"/>
-                  <a:chOff x="7141549" y="3956566"/>
-                  <a:chExt cx="263009" cy="263009"/>
-                </a:xfrm>
-              </p:grpSpPr>
-              <p:sp>
-                <p:nvSpPr>
-                  <p:cNvPr id="289" name="타원 288">
-                    <a:extLst>
-                      <a:ext uri="{FF2B5EF4-FFF2-40B4-BE49-F238E27FC236}">
-                        <a16:creationId xmlns:a16="http://schemas.microsoft.com/office/drawing/2014/main" id="{12F7762F-72EC-4232-83C9-FDF991329F07}"/>
-                      </a:ext>
-                    </a:extLst>
-                  </p:cNvPr>
-                  <p:cNvSpPr/>
-                  <p:nvPr/>
-                </p:nvSpPr>
-                <p:spPr>
-                  <a:xfrm>
-                    <a:off x="7141549" y="3956566"/>
-                    <a:ext cx="263009" cy="263009"/>
-                  </a:xfrm>
-                  <a:prstGeom prst="ellipse">
-                    <a:avLst/>
-                  </a:prstGeom>
-                  <a:noFill/>
-                  <a:ln w="19050">
-                    <a:solidFill>
-                      <a:srgbClr val="00C518"/>
-                    </a:solidFill>
-                  </a:ln>
-                </p:spPr>
-                <p:style>
-                  <a:lnRef idx="2">
-                    <a:schemeClr val="accent1">
-                      <a:shade val="50000"/>
-                    </a:schemeClr>
-                  </a:lnRef>
-                  <a:fillRef idx="1">
-                    <a:schemeClr val="accent1"/>
-                  </a:fillRef>
-                  <a:effectRef idx="0">
-                    <a:schemeClr val="accent1"/>
-                  </a:effectRef>
-                  <a:fontRef idx="minor">
-                    <a:schemeClr val="lt1"/>
-                  </a:fontRef>
-                </p:style>
-                <p:txBody>
-                  <a:bodyPr rtlCol="0" anchor="ctr"/>
-                  <a:lstStyle/>
-                  <a:p>
-                    <a:pPr algn="ctr"/>
-                    <a:endParaRPr lang="ko-KR" altLang="en-US"/>
-                  </a:p>
-                </p:txBody>
-              </p:sp>
-              <p:grpSp>
-                <p:nvGrpSpPr>
-                  <p:cNvPr id="290" name="그룹 289">
-                    <a:extLst>
-                      <a:ext uri="{FF2B5EF4-FFF2-40B4-BE49-F238E27FC236}">
-                        <a16:creationId xmlns:a16="http://schemas.microsoft.com/office/drawing/2014/main" id="{5EDA6D96-2945-4A49-BD9D-119F86059066}"/>
-                      </a:ext>
-                    </a:extLst>
-                  </p:cNvPr>
-                  <p:cNvGrpSpPr/>
-                  <p:nvPr/>
-                </p:nvGrpSpPr>
-                <p:grpSpPr>
-                  <a:xfrm>
-                    <a:off x="7180903" y="4042555"/>
-                    <a:ext cx="184302" cy="51201"/>
-                    <a:chOff x="9923978" y="2372201"/>
-                    <a:chExt cx="835248" cy="232040"/>
-                  </a:xfrm>
-                </p:grpSpPr>
-                <p:sp>
-                  <p:nvSpPr>
-                    <p:cNvPr id="292" name="타원 291">
-                      <a:extLst>
-                        <a:ext uri="{FF2B5EF4-FFF2-40B4-BE49-F238E27FC236}">
-                          <a16:creationId xmlns:a16="http://schemas.microsoft.com/office/drawing/2014/main" id="{D4E1848E-C68D-450D-B5AB-7FAD19F8C77D}"/>
-                        </a:ext>
-                      </a:extLst>
-                    </p:cNvPr>
-                    <p:cNvSpPr/>
-                    <p:nvPr/>
-                  </p:nvSpPr>
-                  <p:spPr>
-                    <a:xfrm>
-                      <a:off x="9923978" y="2376238"/>
-                      <a:ext cx="228003" cy="228003"/>
-                    </a:xfrm>
-                    <a:prstGeom prst="ellipse">
-                      <a:avLst/>
-                    </a:prstGeom>
-                    <a:solidFill>
-                      <a:srgbClr val="00C518"/>
-                    </a:solidFill>
-                    <a:ln w="76200">
-                      <a:noFill/>
-                    </a:ln>
-                  </p:spPr>
-                  <p:style>
-                    <a:lnRef idx="2">
-                      <a:schemeClr val="accent1">
-                        <a:shade val="50000"/>
-                      </a:schemeClr>
-                    </a:lnRef>
-                    <a:fillRef idx="1">
-                      <a:schemeClr val="accent1"/>
-                    </a:fillRef>
-                    <a:effectRef idx="0">
-                      <a:schemeClr val="accent1"/>
-                    </a:effectRef>
-                    <a:fontRef idx="minor">
-                      <a:schemeClr val="lt1"/>
-                    </a:fontRef>
-                  </p:style>
-                  <p:txBody>
-                    <a:bodyPr rtlCol="0" anchor="ctr"/>
-                    <a:lstStyle/>
-                    <a:p>
-                      <a:pPr algn="ctr"/>
-                      <a:endParaRPr lang="ko-KR" altLang="en-US"/>
-                    </a:p>
-                  </p:txBody>
-                </p:sp>
-                <p:sp>
-                  <p:nvSpPr>
-                    <p:cNvPr id="293" name="타원 292">
-                      <a:extLst>
-                        <a:ext uri="{FF2B5EF4-FFF2-40B4-BE49-F238E27FC236}">
-                          <a16:creationId xmlns:a16="http://schemas.microsoft.com/office/drawing/2014/main" id="{0619F637-67A7-4CEC-ABF3-9A6206666D65}"/>
-                        </a:ext>
-                      </a:extLst>
-                    </p:cNvPr>
-                    <p:cNvSpPr/>
-                    <p:nvPr/>
-                  </p:nvSpPr>
-                  <p:spPr>
-                    <a:xfrm>
-                      <a:off x="10531223" y="2372201"/>
-                      <a:ext cx="228003" cy="228003"/>
-                    </a:xfrm>
-                    <a:prstGeom prst="ellipse">
-                      <a:avLst/>
-                    </a:prstGeom>
-                    <a:solidFill>
-                      <a:srgbClr val="00C518"/>
-                    </a:solidFill>
-                    <a:ln w="76200">
-                      <a:noFill/>
-                    </a:ln>
-                  </p:spPr>
-                  <p:style>
-                    <a:lnRef idx="2">
-                      <a:schemeClr val="accent1">
-                        <a:shade val="50000"/>
-                      </a:schemeClr>
-                    </a:lnRef>
-                    <a:fillRef idx="1">
-                      <a:schemeClr val="accent1"/>
-                    </a:fillRef>
-                    <a:effectRef idx="0">
-                      <a:schemeClr val="accent1"/>
-                    </a:effectRef>
-                    <a:fontRef idx="minor">
-                      <a:schemeClr val="lt1"/>
-                    </a:fontRef>
-                  </p:style>
-                  <p:txBody>
-                    <a:bodyPr rtlCol="0" anchor="ctr"/>
-                    <a:lstStyle/>
-                    <a:p>
-                      <a:pPr algn="ctr"/>
-                      <a:endParaRPr lang="ko-KR" altLang="en-US"/>
-                    </a:p>
-                  </p:txBody>
-                </p:sp>
-              </p:grpSp>
-              <p:cxnSp>
-                <p:nvCxnSpPr>
-                  <p:cNvPr id="291" name="직선 연결선 290">
-                    <a:extLst>
-                      <a:ext uri="{FF2B5EF4-FFF2-40B4-BE49-F238E27FC236}">
-                        <a16:creationId xmlns:a16="http://schemas.microsoft.com/office/drawing/2014/main" id="{31B88BEF-8274-4C52-910E-D5D8EA69D269}"/>
-                      </a:ext>
-                    </a:extLst>
-                  </p:cNvPr>
-                  <p:cNvCxnSpPr/>
-                  <p:nvPr/>
-                </p:nvCxnSpPr>
-                <p:spPr>
-                  <a:xfrm>
-                    <a:off x="7219370" y="4148134"/>
-                    <a:ext cx="107366" cy="0"/>
-                  </a:xfrm>
-                  <a:prstGeom prst="line">
-                    <a:avLst/>
-                  </a:prstGeom>
-                  <a:ln w="19050" cap="rnd">
-                    <a:solidFill>
-                      <a:srgbClr val="00C518"/>
-                    </a:solidFill>
-                  </a:ln>
-                </p:spPr>
-                <p:style>
-                  <a:lnRef idx="1">
-                    <a:schemeClr val="accent1"/>
-                  </a:lnRef>
-                  <a:fillRef idx="0">
-                    <a:schemeClr val="accent1"/>
-                  </a:fillRef>
-                  <a:effectRef idx="0">
-                    <a:schemeClr val="accent1"/>
-                  </a:effectRef>
-                  <a:fontRef idx="minor">
-                    <a:schemeClr val="tx1"/>
-                  </a:fontRef>
-                </p:style>
-              </p:cxnSp>
-            </p:grpSp>
-            <p:sp>
-              <p:nvSpPr>
-                <p:cNvPr id="242" name="TextBox 241">
-                  <a:extLst>
-                    <a:ext uri="{FF2B5EF4-FFF2-40B4-BE49-F238E27FC236}">
-                      <a16:creationId xmlns:a16="http://schemas.microsoft.com/office/drawing/2014/main" id="{2E4198C1-3B70-43A1-8064-FBAD9F638AE4}"/>
-                    </a:ext>
-                  </a:extLst>
-                </p:cNvPr>
-                <p:cNvSpPr txBox="1"/>
-                <p:nvPr/>
-              </p:nvSpPr>
-              <p:spPr>
-                <a:xfrm>
-                  <a:off x="7928896" y="5593518"/>
-                  <a:ext cx="469056" cy="276999"/>
-                </a:xfrm>
-                <a:prstGeom prst="rect">
-                  <a:avLst/>
-                </a:prstGeom>
-                <a:noFill/>
-              </p:spPr>
-              <p:txBody>
-                <a:bodyPr wrap="square" rtlCol="0">
-                  <a:spAutoFit/>
-                </a:bodyPr>
-                <a:lstStyle/>
-                <a:p>
-                  <a:r>
-                    <a:rPr lang="en-US" altLang="ko-KR" sz="1200" b="1" dirty="0">
-                      <a:solidFill>
-                        <a:srgbClr val="00C518"/>
-                      </a:solidFill>
-                    </a:rPr>
-                    <a:t>190</a:t>
-                  </a:r>
-                  <a:endParaRPr lang="ko-KR" altLang="en-US" sz="1200" b="1" dirty="0">
-                    <a:solidFill>
-                      <a:srgbClr val="00C518"/>
-                    </a:solidFill>
-                  </a:endParaRPr>
-                </a:p>
-              </p:txBody>
-            </p:sp>
-            <p:sp>
-              <p:nvSpPr>
-                <p:cNvPr id="243" name="TextBox 242">
-                  <a:extLst>
-                    <a:ext uri="{FF2B5EF4-FFF2-40B4-BE49-F238E27FC236}">
-                      <a16:creationId xmlns:a16="http://schemas.microsoft.com/office/drawing/2014/main" id="{35A515A3-7826-481A-82FC-C04E3FDA9A87}"/>
-                    </a:ext>
-                  </a:extLst>
-                </p:cNvPr>
-                <p:cNvSpPr txBox="1"/>
-                <p:nvPr/>
-              </p:nvSpPr>
-              <p:spPr>
-                <a:xfrm>
-                  <a:off x="8336586" y="5593518"/>
-                  <a:ext cx="469056" cy="276999"/>
-                </a:xfrm>
-                <a:prstGeom prst="rect">
-                  <a:avLst/>
-                </a:prstGeom>
-                <a:noFill/>
-              </p:spPr>
-              <p:txBody>
-                <a:bodyPr wrap="square" rtlCol="0">
-                  <a:spAutoFit/>
-                </a:bodyPr>
-                <a:lstStyle/>
-                <a:p>
-                  <a:pPr algn="ctr"/>
-                  <a:r>
-                    <a:rPr lang="en-US" altLang="ko-KR" sz="1200" b="1" dirty="0">
-                      <a:solidFill>
-                        <a:srgbClr val="4DADFF"/>
-                      </a:solidFill>
-                    </a:rPr>
-                    <a:t>40</a:t>
-                  </a:r>
-                  <a:endParaRPr lang="ko-KR" altLang="en-US" sz="1200" b="1" dirty="0">
-                    <a:solidFill>
-                      <a:srgbClr val="4DADFF"/>
-                    </a:solidFill>
-                  </a:endParaRPr>
-                </a:p>
-              </p:txBody>
-            </p:sp>
-            <p:grpSp>
-              <p:nvGrpSpPr>
-                <p:cNvPr id="244" name="그룹 243">
-                  <a:extLst>
-                    <a:ext uri="{FF2B5EF4-FFF2-40B4-BE49-F238E27FC236}">
-                      <a16:creationId xmlns:a16="http://schemas.microsoft.com/office/drawing/2014/main" id="{AD966536-6248-4EAE-9498-0489FB779DC2}"/>
-                    </a:ext>
-                  </a:extLst>
-                </p:cNvPr>
-                <p:cNvGrpSpPr/>
-                <p:nvPr/>
-              </p:nvGrpSpPr>
-              <p:grpSpPr>
-                <a:xfrm>
-                  <a:off x="8439610" y="5306285"/>
-                  <a:ext cx="263009" cy="263009"/>
-                  <a:chOff x="10530829" y="2716980"/>
-                  <a:chExt cx="263009" cy="263009"/>
-                </a:xfrm>
-              </p:grpSpPr>
-              <p:sp>
-                <p:nvSpPr>
-                  <p:cNvPr id="281" name="타원 280">
-                    <a:extLst>
-                      <a:ext uri="{FF2B5EF4-FFF2-40B4-BE49-F238E27FC236}">
-                        <a16:creationId xmlns:a16="http://schemas.microsoft.com/office/drawing/2014/main" id="{69DBB222-1881-44A7-95F5-4057326431EC}"/>
-                      </a:ext>
-                    </a:extLst>
-                  </p:cNvPr>
-                  <p:cNvSpPr/>
-                  <p:nvPr/>
-                </p:nvSpPr>
-                <p:spPr>
-                  <a:xfrm>
-                    <a:off x="10530829" y="2716980"/>
-                    <a:ext cx="263009" cy="263009"/>
-                  </a:xfrm>
-                  <a:prstGeom prst="ellipse">
-                    <a:avLst/>
-                  </a:prstGeom>
-                  <a:noFill/>
-                  <a:ln w="19050">
-                    <a:solidFill>
-                      <a:srgbClr val="4DADFF"/>
-                    </a:solidFill>
-                  </a:ln>
-                </p:spPr>
-                <p:style>
-                  <a:lnRef idx="2">
-                    <a:schemeClr val="accent1">
-                      <a:shade val="50000"/>
-                    </a:schemeClr>
-                  </a:lnRef>
-                  <a:fillRef idx="1">
-                    <a:schemeClr val="accent1"/>
-                  </a:fillRef>
-                  <a:effectRef idx="0">
-                    <a:schemeClr val="accent1"/>
-                  </a:effectRef>
-                  <a:fontRef idx="minor">
-                    <a:schemeClr val="lt1"/>
-                  </a:fontRef>
-                </p:style>
-                <p:txBody>
-                  <a:bodyPr rtlCol="0" anchor="ctr"/>
-                  <a:lstStyle/>
-                  <a:p>
-                    <a:pPr algn="ctr"/>
-                    <a:endParaRPr lang="ko-KR" altLang="en-US"/>
-                  </a:p>
-                </p:txBody>
-              </p:sp>
-              <p:sp>
-                <p:nvSpPr>
-                  <p:cNvPr id="282" name="자유형: 도형 281">
-                    <a:extLst>
-                      <a:ext uri="{FF2B5EF4-FFF2-40B4-BE49-F238E27FC236}">
-                        <a16:creationId xmlns:a16="http://schemas.microsoft.com/office/drawing/2014/main" id="{A5577A0A-20F0-48BA-BEE0-D784A2D68E6E}"/>
-                      </a:ext>
-                    </a:extLst>
-                  </p:cNvPr>
-                  <p:cNvSpPr/>
-                  <p:nvPr/>
-                </p:nvSpPr>
-                <p:spPr>
-                  <a:xfrm>
-                    <a:off x="10581181" y="2893693"/>
-                    <a:ext cx="162304" cy="45719"/>
-                  </a:xfrm>
-                  <a:custGeom>
-                    <a:avLst/>
-                    <a:gdLst>
-                      <a:gd name="connsiteX0" fmla="*/ 0 w 211340"/>
-                      <a:gd name="connsiteY0" fmla="*/ 0 h 59532"/>
-                      <a:gd name="connsiteX1" fmla="*/ 211340 w 211340"/>
-                      <a:gd name="connsiteY1" fmla="*/ 0 h 59532"/>
-                      <a:gd name="connsiteX2" fmla="*/ 196595 w 211340"/>
-                      <a:gd name="connsiteY2" fmla="*/ 21869 h 59532"/>
-                      <a:gd name="connsiteX3" fmla="*/ 105670 w 211340"/>
-                      <a:gd name="connsiteY3" fmla="*/ 59532 h 59532"/>
-                      <a:gd name="connsiteX4" fmla="*/ 14745 w 211340"/>
-                      <a:gd name="connsiteY4" fmla="*/ 21869 h 59532"/>
-                    </a:gdLst>
-                    <a:ahLst/>
-                    <a:cxnLst>
-                      <a:cxn ang="0">
-                        <a:pos x="connsiteX0" y="connsiteY0"/>
-                      </a:cxn>
-                      <a:cxn ang="0">
-                        <a:pos x="connsiteX1" y="connsiteY1"/>
-                      </a:cxn>
-                      <a:cxn ang="0">
-                        <a:pos x="connsiteX2" y="connsiteY2"/>
-                      </a:cxn>
-                      <a:cxn ang="0">
-                        <a:pos x="connsiteX3" y="connsiteY3"/>
-                      </a:cxn>
-                      <a:cxn ang="0">
-                        <a:pos x="connsiteX4" y="connsiteY4"/>
-                      </a:cxn>
-                    </a:cxnLst>
-                    <a:rect l="l" t="t" r="r" b="b"/>
-                    <a:pathLst>
-                      <a:path w="211340" h="59532">
-                        <a:moveTo>
-                          <a:pt x="0" y="0"/>
-                        </a:moveTo>
-                        <a:lnTo>
-                          <a:pt x="211340" y="0"/>
-                        </a:lnTo>
-                        <a:lnTo>
-                          <a:pt x="196595" y="21869"/>
-                        </a:lnTo>
-                        <a:cubicBezTo>
-                          <a:pt x="173326" y="45139"/>
-                          <a:pt x="141179" y="59532"/>
-                          <a:pt x="105670" y="59532"/>
-                        </a:cubicBezTo>
-                        <a:cubicBezTo>
-                          <a:pt x="70162" y="59532"/>
-                          <a:pt x="38015" y="45139"/>
-                          <a:pt x="14745" y="21869"/>
-                        </a:cubicBezTo>
-                        <a:close/>
-                      </a:path>
-                    </a:pathLst>
-                  </a:custGeom>
-                  <a:solidFill>
-                    <a:srgbClr val="4DADFF"/>
-                  </a:solidFill>
-                  <a:ln>
-                    <a:noFill/>
-                  </a:ln>
-                </p:spPr>
-                <p:style>
-                  <a:lnRef idx="2">
-                    <a:schemeClr val="accent1">
-                      <a:shade val="50000"/>
-                    </a:schemeClr>
-                  </a:lnRef>
-                  <a:fillRef idx="1">
-                    <a:schemeClr val="accent1"/>
-                  </a:fillRef>
-                  <a:effectRef idx="0">
-                    <a:schemeClr val="accent1"/>
-                  </a:effectRef>
-                  <a:fontRef idx="minor">
-                    <a:schemeClr val="lt1"/>
-                  </a:fontRef>
-                </p:style>
-                <p:txBody>
-                  <a:bodyPr rtlCol="0" anchor="ctr"/>
-                  <a:lstStyle/>
-                  <a:p>
-                    <a:pPr algn="ctr"/>
-                    <a:endParaRPr lang="ko-KR" altLang="en-US"/>
-                  </a:p>
-                </p:txBody>
-              </p:sp>
-              <p:grpSp>
-                <p:nvGrpSpPr>
-                  <p:cNvPr id="283" name="그룹 282">
-                    <a:extLst>
-                      <a:ext uri="{FF2B5EF4-FFF2-40B4-BE49-F238E27FC236}">
-                        <a16:creationId xmlns:a16="http://schemas.microsoft.com/office/drawing/2014/main" id="{96C9BF19-1A79-48E3-A711-BE476BBAABE9}"/>
-                      </a:ext>
-                    </a:extLst>
-                  </p:cNvPr>
-                  <p:cNvGrpSpPr/>
-                  <p:nvPr/>
-                </p:nvGrpSpPr>
-                <p:grpSpPr>
-                  <a:xfrm>
-                    <a:off x="10567320" y="2788742"/>
-                    <a:ext cx="69723" cy="40481"/>
-                    <a:chOff x="10560177" y="2788742"/>
-                    <a:chExt cx="69723" cy="40481"/>
-                  </a:xfrm>
-                </p:grpSpPr>
-                <p:cxnSp>
-                  <p:nvCxnSpPr>
-                    <p:cNvPr id="287" name="직선 연결선 286">
-                      <a:extLst>
-                        <a:ext uri="{FF2B5EF4-FFF2-40B4-BE49-F238E27FC236}">
-                          <a16:creationId xmlns:a16="http://schemas.microsoft.com/office/drawing/2014/main" id="{64A0B1EE-6822-4D00-A429-B8A3D2A70A64}"/>
-                        </a:ext>
-                      </a:extLst>
-                    </p:cNvPr>
-                    <p:cNvCxnSpPr>
-                      <a:cxnSpLocks/>
-                    </p:cNvCxnSpPr>
-                    <p:nvPr/>
-                  </p:nvCxnSpPr>
-                  <p:spPr>
-                    <a:xfrm>
-                      <a:off x="10589419" y="2788742"/>
-                      <a:ext cx="40481" cy="40481"/>
-                    </a:xfrm>
-                    <a:prstGeom prst="line">
-                      <a:avLst/>
-                    </a:prstGeom>
-                    <a:ln w="15875">
-                      <a:solidFill>
-                        <a:srgbClr val="4DADFF"/>
-                      </a:solidFill>
-                    </a:ln>
-                  </p:spPr>
-                  <p:style>
-                    <a:lnRef idx="1">
-                      <a:schemeClr val="accent1"/>
-                    </a:lnRef>
-                    <a:fillRef idx="0">
-                      <a:schemeClr val="accent1"/>
-                    </a:fillRef>
-                    <a:effectRef idx="0">
-                      <a:schemeClr val="accent1"/>
-                    </a:effectRef>
-                    <a:fontRef idx="minor">
-                      <a:schemeClr val="tx1"/>
-                    </a:fontRef>
-                  </p:style>
-                </p:cxnSp>
-                <p:cxnSp>
-                  <p:nvCxnSpPr>
-                    <p:cNvPr id="288" name="직선 연결선 287">
-                      <a:extLst>
-                        <a:ext uri="{FF2B5EF4-FFF2-40B4-BE49-F238E27FC236}">
-                          <a16:creationId xmlns:a16="http://schemas.microsoft.com/office/drawing/2014/main" id="{F125CB89-D435-47C3-AC2E-04BABCD28EC9}"/>
-                        </a:ext>
-                      </a:extLst>
-                    </p:cNvPr>
-                    <p:cNvCxnSpPr>
-                      <a:cxnSpLocks/>
-                    </p:cNvCxnSpPr>
-                    <p:nvPr/>
-                  </p:nvCxnSpPr>
-                  <p:spPr>
-                    <a:xfrm flipH="1">
-                      <a:off x="10560177" y="2788742"/>
-                      <a:ext cx="40481" cy="40481"/>
-                    </a:xfrm>
-                    <a:prstGeom prst="line">
-                      <a:avLst/>
-                    </a:prstGeom>
-                    <a:ln w="15875">
-                      <a:solidFill>
-                        <a:srgbClr val="4DADFF"/>
-                      </a:solidFill>
-                    </a:ln>
-                  </p:spPr>
-                  <p:style>
-                    <a:lnRef idx="1">
-                      <a:schemeClr val="accent1"/>
-                    </a:lnRef>
-                    <a:fillRef idx="0">
-                      <a:schemeClr val="accent1"/>
-                    </a:fillRef>
-                    <a:effectRef idx="0">
-                      <a:schemeClr val="accent1"/>
-                    </a:effectRef>
-                    <a:fontRef idx="minor">
-                      <a:schemeClr val="tx1"/>
-                    </a:fontRef>
-                  </p:style>
-                </p:cxnSp>
-              </p:grpSp>
-              <p:grpSp>
-                <p:nvGrpSpPr>
-                  <p:cNvPr id="284" name="그룹 283">
-                    <a:extLst>
-                      <a:ext uri="{FF2B5EF4-FFF2-40B4-BE49-F238E27FC236}">
-                        <a16:creationId xmlns:a16="http://schemas.microsoft.com/office/drawing/2014/main" id="{1388CB8D-C8BC-4EA5-BBBB-9C192AC99FD7}"/>
-                      </a:ext>
-                    </a:extLst>
-                  </p:cNvPr>
-                  <p:cNvGrpSpPr/>
-                  <p:nvPr/>
-                </p:nvGrpSpPr>
-                <p:grpSpPr>
-                  <a:xfrm>
-                    <a:off x="10686384" y="2788742"/>
-                    <a:ext cx="69723" cy="40481"/>
-                    <a:chOff x="10560177" y="2788742"/>
-                    <a:chExt cx="69723" cy="40481"/>
-                  </a:xfrm>
-                </p:grpSpPr>
-                <p:cxnSp>
-                  <p:nvCxnSpPr>
-                    <p:cNvPr id="285" name="직선 연결선 284">
-                      <a:extLst>
-                        <a:ext uri="{FF2B5EF4-FFF2-40B4-BE49-F238E27FC236}">
-                          <a16:creationId xmlns:a16="http://schemas.microsoft.com/office/drawing/2014/main" id="{6D49A3B9-A178-4E7A-8AFB-850D8A95AD20}"/>
-                        </a:ext>
-                      </a:extLst>
-                    </p:cNvPr>
-                    <p:cNvCxnSpPr>
-                      <a:cxnSpLocks/>
-                    </p:cNvCxnSpPr>
-                    <p:nvPr/>
-                  </p:nvCxnSpPr>
-                  <p:spPr>
-                    <a:xfrm>
-                      <a:off x="10589419" y="2788742"/>
-                      <a:ext cx="40481" cy="40481"/>
-                    </a:xfrm>
-                    <a:prstGeom prst="line">
-                      <a:avLst/>
-                    </a:prstGeom>
-                    <a:ln w="15875">
-                      <a:solidFill>
-                        <a:srgbClr val="4DADFF"/>
-                      </a:solidFill>
-                    </a:ln>
-                  </p:spPr>
-                  <p:style>
-                    <a:lnRef idx="1">
-                      <a:schemeClr val="accent1"/>
-                    </a:lnRef>
-                    <a:fillRef idx="0">
-                      <a:schemeClr val="accent1"/>
-                    </a:fillRef>
-                    <a:effectRef idx="0">
-                      <a:schemeClr val="accent1"/>
-                    </a:effectRef>
-                    <a:fontRef idx="minor">
-                      <a:schemeClr val="tx1"/>
-                    </a:fontRef>
-                  </p:style>
-                </p:cxnSp>
-                <p:cxnSp>
-                  <p:nvCxnSpPr>
-                    <p:cNvPr id="286" name="직선 연결선 285">
-                      <a:extLst>
-                        <a:ext uri="{FF2B5EF4-FFF2-40B4-BE49-F238E27FC236}">
-                          <a16:creationId xmlns:a16="http://schemas.microsoft.com/office/drawing/2014/main" id="{7174A042-E15F-4389-BA97-95D8505ED8DE}"/>
-                        </a:ext>
-                      </a:extLst>
-                    </p:cNvPr>
-                    <p:cNvCxnSpPr>
-                      <a:cxnSpLocks/>
-                    </p:cNvCxnSpPr>
-                    <p:nvPr/>
-                  </p:nvCxnSpPr>
-                  <p:spPr>
-                    <a:xfrm flipH="1">
-                      <a:off x="10560177" y="2788742"/>
-                      <a:ext cx="40481" cy="40481"/>
-                    </a:xfrm>
-                    <a:prstGeom prst="line">
-                      <a:avLst/>
-                    </a:prstGeom>
-                    <a:ln w="15875">
-                      <a:solidFill>
-                        <a:srgbClr val="4DADFF"/>
-                      </a:solidFill>
-                    </a:ln>
-                  </p:spPr>
-                  <p:style>
-                    <a:lnRef idx="1">
-                      <a:schemeClr val="accent1"/>
-                    </a:lnRef>
-                    <a:fillRef idx="0">
-                      <a:schemeClr val="accent1"/>
-                    </a:fillRef>
-                    <a:effectRef idx="0">
-                      <a:schemeClr val="accent1"/>
-                    </a:effectRef>
-                    <a:fontRef idx="minor">
-                      <a:schemeClr val="tx1"/>
-                    </a:fontRef>
-                  </p:style>
-                </p:cxnSp>
-              </p:grpSp>
-            </p:grpSp>
-            <p:sp>
-              <p:nvSpPr>
-                <p:cNvPr id="254" name="TextBox 253">
-                  <a:extLst>
-                    <a:ext uri="{FF2B5EF4-FFF2-40B4-BE49-F238E27FC236}">
-                      <a16:creationId xmlns:a16="http://schemas.microsoft.com/office/drawing/2014/main" id="{C68E348C-B3DB-4E8D-9F9D-F94372F90B35}"/>
-                    </a:ext>
-                  </a:extLst>
-                </p:cNvPr>
-                <p:cNvSpPr txBox="1"/>
-                <p:nvPr/>
-              </p:nvSpPr>
-              <p:spPr>
-                <a:xfrm>
-                  <a:off x="8749033" y="5593518"/>
-                  <a:ext cx="469056" cy="276999"/>
-                </a:xfrm>
-                <a:prstGeom prst="rect">
-                  <a:avLst/>
-                </a:prstGeom>
-                <a:noFill/>
-              </p:spPr>
-              <p:txBody>
-                <a:bodyPr wrap="square" rtlCol="0">
-                  <a:spAutoFit/>
-                </a:bodyPr>
-                <a:lstStyle/>
-                <a:p>
-                  <a:pPr algn="ctr"/>
-                  <a:r>
-                    <a:rPr lang="en-US" altLang="ko-KR" sz="1200" b="1" dirty="0">
-                      <a:solidFill>
-                        <a:srgbClr val="4DADFF"/>
-                      </a:solidFill>
-                    </a:rPr>
-                    <a:t>40</a:t>
-                  </a:r>
-                  <a:endParaRPr lang="ko-KR" altLang="en-US" sz="1200" b="1" dirty="0">
-                    <a:solidFill>
-                      <a:srgbClr val="4DADFF"/>
-                    </a:solidFill>
-                  </a:endParaRPr>
-                </a:p>
-              </p:txBody>
-            </p:sp>
-            <p:grpSp>
-              <p:nvGrpSpPr>
-                <p:cNvPr id="255" name="그룹 254">
-                  <a:extLst>
-                    <a:ext uri="{FF2B5EF4-FFF2-40B4-BE49-F238E27FC236}">
-                      <a16:creationId xmlns:a16="http://schemas.microsoft.com/office/drawing/2014/main" id="{E3D66416-C238-4FED-AF66-6D20CF7A969E}"/>
-                    </a:ext>
-                  </a:extLst>
-                </p:cNvPr>
-                <p:cNvGrpSpPr/>
-                <p:nvPr/>
-              </p:nvGrpSpPr>
-              <p:grpSpPr>
-                <a:xfrm>
-                  <a:off x="8852057" y="5306285"/>
-                  <a:ext cx="263009" cy="263009"/>
-                  <a:chOff x="10530829" y="2716980"/>
-                  <a:chExt cx="263009" cy="263009"/>
-                </a:xfrm>
-              </p:grpSpPr>
-              <p:sp>
-                <p:nvSpPr>
-                  <p:cNvPr id="273" name="타원 272">
-                    <a:extLst>
-                      <a:ext uri="{FF2B5EF4-FFF2-40B4-BE49-F238E27FC236}">
-                        <a16:creationId xmlns:a16="http://schemas.microsoft.com/office/drawing/2014/main" id="{C7A1F919-E490-4364-922A-D74ED70905E1}"/>
-                      </a:ext>
-                    </a:extLst>
-                  </p:cNvPr>
-                  <p:cNvSpPr/>
-                  <p:nvPr/>
-                </p:nvSpPr>
-                <p:spPr>
-                  <a:xfrm>
-                    <a:off x="10530829" y="2716980"/>
-                    <a:ext cx="263009" cy="263009"/>
-                  </a:xfrm>
-                  <a:prstGeom prst="ellipse">
-                    <a:avLst/>
-                  </a:prstGeom>
-                  <a:noFill/>
-                  <a:ln w="19050">
-                    <a:solidFill>
-                      <a:srgbClr val="4DADFF"/>
-                    </a:solidFill>
-                  </a:ln>
-                </p:spPr>
-                <p:style>
-                  <a:lnRef idx="2">
-                    <a:schemeClr val="accent1">
-                      <a:shade val="50000"/>
-                    </a:schemeClr>
-                  </a:lnRef>
-                  <a:fillRef idx="1">
-                    <a:schemeClr val="accent1"/>
-                  </a:fillRef>
-                  <a:effectRef idx="0">
-                    <a:schemeClr val="accent1"/>
-                  </a:effectRef>
-                  <a:fontRef idx="minor">
-                    <a:schemeClr val="lt1"/>
-                  </a:fontRef>
-                </p:style>
-                <p:txBody>
-                  <a:bodyPr rtlCol="0" anchor="ctr"/>
-                  <a:lstStyle/>
-                  <a:p>
-                    <a:pPr algn="ctr"/>
-                    <a:endParaRPr lang="ko-KR" altLang="en-US"/>
-                  </a:p>
-                </p:txBody>
-              </p:sp>
-              <p:sp>
-                <p:nvSpPr>
-                  <p:cNvPr id="274" name="자유형: 도형 273">
-                    <a:extLst>
-                      <a:ext uri="{FF2B5EF4-FFF2-40B4-BE49-F238E27FC236}">
-                        <a16:creationId xmlns:a16="http://schemas.microsoft.com/office/drawing/2014/main" id="{39E96067-8AC0-4594-8B1E-6BC69E01443A}"/>
-                      </a:ext>
-                    </a:extLst>
-                  </p:cNvPr>
-                  <p:cNvSpPr/>
-                  <p:nvPr/>
-                </p:nvSpPr>
-                <p:spPr>
-                  <a:xfrm>
-                    <a:off x="10581181" y="2893693"/>
-                    <a:ext cx="162304" cy="45719"/>
-                  </a:xfrm>
-                  <a:custGeom>
-                    <a:avLst/>
-                    <a:gdLst>
-                      <a:gd name="connsiteX0" fmla="*/ 0 w 211340"/>
-                      <a:gd name="connsiteY0" fmla="*/ 0 h 59532"/>
-                      <a:gd name="connsiteX1" fmla="*/ 211340 w 211340"/>
-                      <a:gd name="connsiteY1" fmla="*/ 0 h 59532"/>
-                      <a:gd name="connsiteX2" fmla="*/ 196595 w 211340"/>
-                      <a:gd name="connsiteY2" fmla="*/ 21869 h 59532"/>
-                      <a:gd name="connsiteX3" fmla="*/ 105670 w 211340"/>
-                      <a:gd name="connsiteY3" fmla="*/ 59532 h 59532"/>
-                      <a:gd name="connsiteX4" fmla="*/ 14745 w 211340"/>
-                      <a:gd name="connsiteY4" fmla="*/ 21869 h 59532"/>
-                    </a:gdLst>
-                    <a:ahLst/>
-                    <a:cxnLst>
-                      <a:cxn ang="0">
-                        <a:pos x="connsiteX0" y="connsiteY0"/>
-                      </a:cxn>
-                      <a:cxn ang="0">
-                        <a:pos x="connsiteX1" y="connsiteY1"/>
-                      </a:cxn>
-                      <a:cxn ang="0">
-                        <a:pos x="connsiteX2" y="connsiteY2"/>
-                      </a:cxn>
-                      <a:cxn ang="0">
-                        <a:pos x="connsiteX3" y="connsiteY3"/>
-                      </a:cxn>
-                      <a:cxn ang="0">
-                        <a:pos x="connsiteX4" y="connsiteY4"/>
-                      </a:cxn>
-                    </a:cxnLst>
-                    <a:rect l="l" t="t" r="r" b="b"/>
-                    <a:pathLst>
-                      <a:path w="211340" h="59532">
-                        <a:moveTo>
-                          <a:pt x="0" y="0"/>
-                        </a:moveTo>
-                        <a:lnTo>
-                          <a:pt x="211340" y="0"/>
-                        </a:lnTo>
-                        <a:lnTo>
-                          <a:pt x="196595" y="21869"/>
-                        </a:lnTo>
-                        <a:cubicBezTo>
-                          <a:pt x="173326" y="45139"/>
-                          <a:pt x="141179" y="59532"/>
-                          <a:pt x="105670" y="59532"/>
-                        </a:cubicBezTo>
-                        <a:cubicBezTo>
-                          <a:pt x="70162" y="59532"/>
-                          <a:pt x="38015" y="45139"/>
-                          <a:pt x="14745" y="21869"/>
-                        </a:cubicBezTo>
-                        <a:close/>
-                      </a:path>
-                    </a:pathLst>
-                  </a:custGeom>
-                  <a:solidFill>
-                    <a:srgbClr val="4DADFF"/>
-                  </a:solidFill>
-                  <a:ln>
-                    <a:noFill/>
-                  </a:ln>
-                </p:spPr>
-                <p:style>
-                  <a:lnRef idx="2">
-                    <a:schemeClr val="accent1">
-                      <a:shade val="50000"/>
-                    </a:schemeClr>
-                  </a:lnRef>
-                  <a:fillRef idx="1">
-                    <a:schemeClr val="accent1"/>
-                  </a:fillRef>
-                  <a:effectRef idx="0">
-                    <a:schemeClr val="accent1"/>
-                  </a:effectRef>
-                  <a:fontRef idx="minor">
-                    <a:schemeClr val="lt1"/>
-                  </a:fontRef>
-                </p:style>
-                <p:txBody>
-                  <a:bodyPr rtlCol="0" anchor="ctr"/>
-                  <a:lstStyle/>
-                  <a:p>
-                    <a:pPr algn="ctr"/>
-                    <a:endParaRPr lang="ko-KR" altLang="en-US"/>
-                  </a:p>
-                </p:txBody>
-              </p:sp>
-              <p:grpSp>
-                <p:nvGrpSpPr>
-                  <p:cNvPr id="275" name="그룹 274">
-                    <a:extLst>
-                      <a:ext uri="{FF2B5EF4-FFF2-40B4-BE49-F238E27FC236}">
-                        <a16:creationId xmlns:a16="http://schemas.microsoft.com/office/drawing/2014/main" id="{E079DFA1-02D3-4B8D-809B-2C2809791A62}"/>
-                      </a:ext>
-                    </a:extLst>
-                  </p:cNvPr>
-                  <p:cNvGrpSpPr/>
-                  <p:nvPr/>
-                </p:nvGrpSpPr>
-                <p:grpSpPr>
-                  <a:xfrm>
-                    <a:off x="10567320" y="2788742"/>
-                    <a:ext cx="69723" cy="40481"/>
-                    <a:chOff x="10560177" y="2788742"/>
-                    <a:chExt cx="69723" cy="40481"/>
-                  </a:xfrm>
-                </p:grpSpPr>
-                <p:cxnSp>
-                  <p:nvCxnSpPr>
-                    <p:cNvPr id="279" name="직선 연결선 278">
-                      <a:extLst>
-                        <a:ext uri="{FF2B5EF4-FFF2-40B4-BE49-F238E27FC236}">
-                          <a16:creationId xmlns:a16="http://schemas.microsoft.com/office/drawing/2014/main" id="{D436960C-3A73-4DCC-8C97-8E40D3F69B52}"/>
-                        </a:ext>
-                      </a:extLst>
-                    </p:cNvPr>
-                    <p:cNvCxnSpPr>
-                      <a:cxnSpLocks/>
-                    </p:cNvCxnSpPr>
-                    <p:nvPr/>
-                  </p:nvCxnSpPr>
-                  <p:spPr>
-                    <a:xfrm>
-                      <a:off x="10589419" y="2788742"/>
-                      <a:ext cx="40481" cy="40481"/>
-                    </a:xfrm>
-                    <a:prstGeom prst="line">
-                      <a:avLst/>
-                    </a:prstGeom>
-                    <a:ln w="15875">
-                      <a:solidFill>
-                        <a:srgbClr val="4DADFF"/>
-                      </a:solidFill>
-                    </a:ln>
-                  </p:spPr>
-                  <p:style>
-                    <a:lnRef idx="1">
-                      <a:schemeClr val="accent1"/>
-                    </a:lnRef>
-                    <a:fillRef idx="0">
-                      <a:schemeClr val="accent1"/>
-                    </a:fillRef>
-                    <a:effectRef idx="0">
-                      <a:schemeClr val="accent1"/>
-                    </a:effectRef>
-                    <a:fontRef idx="minor">
-                      <a:schemeClr val="tx1"/>
-                    </a:fontRef>
-                  </p:style>
-                </p:cxnSp>
-                <p:cxnSp>
-                  <p:nvCxnSpPr>
-                    <p:cNvPr id="280" name="직선 연결선 279">
-                      <a:extLst>
-                        <a:ext uri="{FF2B5EF4-FFF2-40B4-BE49-F238E27FC236}">
-                          <a16:creationId xmlns:a16="http://schemas.microsoft.com/office/drawing/2014/main" id="{8ACE64BF-AEC9-44AF-9825-4EBE1CCD505F}"/>
-                        </a:ext>
-                      </a:extLst>
-                    </p:cNvPr>
-                    <p:cNvCxnSpPr>
-                      <a:cxnSpLocks/>
-                    </p:cNvCxnSpPr>
-                    <p:nvPr/>
-                  </p:nvCxnSpPr>
-                  <p:spPr>
-                    <a:xfrm flipH="1">
-                      <a:off x="10560177" y="2788742"/>
-                      <a:ext cx="40481" cy="40481"/>
-                    </a:xfrm>
-                    <a:prstGeom prst="line">
-                      <a:avLst/>
-                    </a:prstGeom>
-                    <a:ln w="15875">
-                      <a:solidFill>
-                        <a:srgbClr val="4DADFF"/>
-                      </a:solidFill>
-                    </a:ln>
-                  </p:spPr>
-                  <p:style>
-                    <a:lnRef idx="1">
-                      <a:schemeClr val="accent1"/>
-                    </a:lnRef>
-                    <a:fillRef idx="0">
-                      <a:schemeClr val="accent1"/>
-                    </a:fillRef>
-                    <a:effectRef idx="0">
-                      <a:schemeClr val="accent1"/>
-                    </a:effectRef>
-                    <a:fontRef idx="minor">
-                      <a:schemeClr val="tx1"/>
-                    </a:fontRef>
-                  </p:style>
-                </p:cxnSp>
-              </p:grpSp>
-              <p:grpSp>
-                <p:nvGrpSpPr>
-                  <p:cNvPr id="276" name="그룹 275">
-                    <a:extLst>
-                      <a:ext uri="{FF2B5EF4-FFF2-40B4-BE49-F238E27FC236}">
-                        <a16:creationId xmlns:a16="http://schemas.microsoft.com/office/drawing/2014/main" id="{E25D1E4F-B2DE-40FB-BC4A-452F3D802D06}"/>
-                      </a:ext>
-                    </a:extLst>
-                  </p:cNvPr>
-                  <p:cNvGrpSpPr/>
-                  <p:nvPr/>
-                </p:nvGrpSpPr>
-                <p:grpSpPr>
-                  <a:xfrm>
-                    <a:off x="10686384" y="2788742"/>
-                    <a:ext cx="69723" cy="40481"/>
-                    <a:chOff x="10560177" y="2788742"/>
-                    <a:chExt cx="69723" cy="40481"/>
-                  </a:xfrm>
-                </p:grpSpPr>
-                <p:cxnSp>
-                  <p:nvCxnSpPr>
-                    <p:cNvPr id="277" name="직선 연결선 276">
-                      <a:extLst>
-                        <a:ext uri="{FF2B5EF4-FFF2-40B4-BE49-F238E27FC236}">
-                          <a16:creationId xmlns:a16="http://schemas.microsoft.com/office/drawing/2014/main" id="{82DD554F-B2DA-48E4-8F2B-3768793E42B9}"/>
-                        </a:ext>
-                      </a:extLst>
-                    </p:cNvPr>
-                    <p:cNvCxnSpPr>
-                      <a:cxnSpLocks/>
-                    </p:cNvCxnSpPr>
-                    <p:nvPr/>
-                  </p:nvCxnSpPr>
-                  <p:spPr>
-                    <a:xfrm>
-                      <a:off x="10589419" y="2788742"/>
-                      <a:ext cx="40481" cy="40481"/>
-                    </a:xfrm>
-                    <a:prstGeom prst="line">
-                      <a:avLst/>
-                    </a:prstGeom>
-                    <a:ln w="15875">
-                      <a:solidFill>
-                        <a:srgbClr val="4DADFF"/>
-                      </a:solidFill>
-                    </a:ln>
-                  </p:spPr>
-                  <p:style>
-                    <a:lnRef idx="1">
-                      <a:schemeClr val="accent1"/>
-                    </a:lnRef>
-                    <a:fillRef idx="0">
-                      <a:schemeClr val="accent1"/>
-                    </a:fillRef>
-                    <a:effectRef idx="0">
-                      <a:schemeClr val="accent1"/>
-                    </a:effectRef>
-                    <a:fontRef idx="minor">
-                      <a:schemeClr val="tx1"/>
-                    </a:fontRef>
-                  </p:style>
-                </p:cxnSp>
-                <p:cxnSp>
-                  <p:nvCxnSpPr>
-                    <p:cNvPr id="278" name="직선 연결선 277">
-                      <a:extLst>
-                        <a:ext uri="{FF2B5EF4-FFF2-40B4-BE49-F238E27FC236}">
-                          <a16:creationId xmlns:a16="http://schemas.microsoft.com/office/drawing/2014/main" id="{393801EC-3658-483D-B0B2-376E2FE9DFAD}"/>
-                        </a:ext>
-                      </a:extLst>
-                    </p:cNvPr>
-                    <p:cNvCxnSpPr>
-                      <a:cxnSpLocks/>
-                    </p:cNvCxnSpPr>
-                    <p:nvPr/>
-                  </p:nvCxnSpPr>
-                  <p:spPr>
-                    <a:xfrm flipH="1">
-                      <a:off x="10560177" y="2788742"/>
-                      <a:ext cx="40481" cy="40481"/>
-                    </a:xfrm>
-                    <a:prstGeom prst="line">
-                      <a:avLst/>
-                    </a:prstGeom>
-                    <a:ln w="15875">
-                      <a:solidFill>
-                        <a:srgbClr val="4DADFF"/>
-                      </a:solidFill>
-                    </a:ln>
-                  </p:spPr>
-                  <p:style>
-                    <a:lnRef idx="1">
-                      <a:schemeClr val="accent1"/>
-                    </a:lnRef>
-                    <a:fillRef idx="0">
-                      <a:schemeClr val="accent1"/>
-                    </a:fillRef>
-                    <a:effectRef idx="0">
-                      <a:schemeClr val="accent1"/>
-                    </a:effectRef>
-                    <a:fontRef idx="minor">
-                      <a:schemeClr val="tx1"/>
-                    </a:fontRef>
-                  </p:style>
-                </p:cxnSp>
-              </p:grpSp>
-            </p:grpSp>
-          </p:grpSp>
+              <a:prstGeom prst="rect">
+                <a:avLst/>
+              </a:prstGeom>
+            </p:spPr>
+          </p:pic>
         </p:grpSp>
       </p:grpSp>
-      <p:sp>
-        <p:nvSpPr>
-          <p:cNvPr id="9" name="TextBox 8">
-            <a:extLst>
-              <a:ext uri="{FF2B5EF4-FFF2-40B4-BE49-F238E27FC236}">
-                <a16:creationId xmlns:a16="http://schemas.microsoft.com/office/drawing/2014/main" id="{6B8BFA14-EC5E-4E20-BF85-6B07C3D12043}"/>
-              </a:ext>
-            </a:extLst>
-          </p:cNvPr>
-          <p:cNvSpPr txBox="1"/>
-          <p:nvPr/>
-        </p:nvSpPr>
-        <p:spPr>
-          <a:xfrm>
-            <a:off x="3745867" y="3747144"/>
-            <a:ext cx="346570" cy="369332"/>
-          </a:xfrm>
-          <a:prstGeom prst="rect">
-            <a:avLst/>
-          </a:prstGeom>
-          <a:noFill/>
-        </p:spPr>
-        <p:txBody>
-          <a:bodyPr wrap="none" rtlCol="0">
-            <a:spAutoFit/>
-          </a:bodyPr>
-          <a:lstStyle/>
-          <a:p>
-            <a:r>
-              <a:rPr lang="en-US" altLang="ko-KR" dirty="0"/>
-              <a:t>+</a:t>
-            </a:r>
-            <a:endParaRPr lang="ko-KR" altLang="en-US" dirty="0"/>
-          </a:p>
-        </p:txBody>
-      </p:sp>
-      <p:sp>
-        <p:nvSpPr>
-          <p:cNvPr id="324" name="TextBox 323">
-            <a:extLst>
-              <a:ext uri="{FF2B5EF4-FFF2-40B4-BE49-F238E27FC236}">
-                <a16:creationId xmlns:a16="http://schemas.microsoft.com/office/drawing/2014/main" id="{9009DAFB-7EDB-4D9B-A6BD-1FD4C0080264}"/>
-              </a:ext>
-            </a:extLst>
-          </p:cNvPr>
-          <p:cNvSpPr txBox="1"/>
-          <p:nvPr/>
-        </p:nvSpPr>
-        <p:spPr>
-          <a:xfrm>
-            <a:off x="7990185" y="3724568"/>
-            <a:ext cx="346570" cy="369332"/>
-          </a:xfrm>
-          <a:prstGeom prst="rect">
-            <a:avLst/>
-          </a:prstGeom>
-          <a:noFill/>
-        </p:spPr>
-        <p:txBody>
-          <a:bodyPr wrap="none" rtlCol="0">
-            <a:spAutoFit/>
-          </a:bodyPr>
-          <a:lstStyle/>
-          <a:p>
-            <a:r>
-              <a:rPr lang="en-US" altLang="ko-KR" dirty="0"/>
-              <a:t>=</a:t>
-            </a:r>
-            <a:endParaRPr lang="ko-KR" altLang="en-US" dirty="0"/>
-          </a:p>
-        </p:txBody>
-      </p:sp>
-      <p:sp>
-        <p:nvSpPr>
-          <p:cNvPr id="325" name="직사각형 324">
-            <a:extLst>
-              <a:ext uri="{FF2B5EF4-FFF2-40B4-BE49-F238E27FC236}">
-                <a16:creationId xmlns:a16="http://schemas.microsoft.com/office/drawing/2014/main" id="{5B3317ED-651D-4C8F-BDAA-55E8837817E1}"/>
-              </a:ext>
-            </a:extLst>
-          </p:cNvPr>
-          <p:cNvSpPr/>
-          <p:nvPr/>
-        </p:nvSpPr>
-        <p:spPr>
-          <a:xfrm>
-            <a:off x="9285778" y="379595"/>
-            <a:ext cx="2062104" cy="646331"/>
-          </a:xfrm>
-          <a:prstGeom prst="rect">
-            <a:avLst/>
-          </a:prstGeom>
-          <a:noFill/>
-        </p:spPr>
-        <p:txBody>
-          <a:bodyPr wrap="none" lIns="91440" tIns="45720" rIns="91440" bIns="45720">
-            <a:spAutoFit/>
-          </a:bodyPr>
-          <a:lstStyle/>
-          <a:p>
-            <a:pPr algn="ctr"/>
-            <a:r>
-              <a:rPr lang="en-US" altLang="ko-KR" sz="3600" b="0" cap="none" spc="0" dirty="0">
-                <a:ln w="0"/>
-                <a:solidFill>
-                  <a:schemeClr val="bg2">
-                    <a:lumMod val="25000"/>
-                  </a:schemeClr>
-                </a:solidFill>
-                <a:effectLst>
-                  <a:outerShdw blurRad="38100" dist="19050" dir="2700000" algn="tl" rotWithShape="0">
-                    <a:schemeClr val="dk1">
-                      <a:alpha val="40000"/>
-                    </a:schemeClr>
-                  </a:outerShdw>
-                </a:effectLst>
-              </a:rPr>
-              <a:t>Integrate</a:t>
-            </a:r>
-          </a:p>
-        </p:txBody>
-      </p:sp>
     </p:spTree>
     <p:extLst>
       <p:ext uri="{BB962C8B-B14F-4D97-AF65-F5344CB8AC3E}">
